--- a/eece2160/f16/lectures/eece.2160f16_lec8_range_switch.pptx
+++ b/eece2160/f16/lectures/eece.2160f16_lec8_range_switch.pptx
@@ -5,10 +5,10 @@
     <p:sldMasterId id="2147483792" r:id="rId1"/>
   </p:sldMasterIdLst>
   <p:notesMasterIdLst>
-    <p:notesMasterId r:id="rId25"/>
+    <p:notesMasterId r:id="rId15"/>
   </p:notesMasterIdLst>
   <p:handoutMasterIdLst>
-    <p:handoutMasterId r:id="rId26"/>
+    <p:handoutMasterId r:id="rId16"/>
   </p:handoutMasterIdLst>
   <p:sldIdLst>
     <p:sldId id="256" r:id="rId2"/>
@@ -23,17 +23,7 @@
     <p:sldId id="538" r:id="rId11"/>
     <p:sldId id="539" r:id="rId12"/>
     <p:sldId id="540" r:id="rId13"/>
-    <p:sldId id="541" r:id="rId14"/>
-    <p:sldId id="542" r:id="rId15"/>
-    <p:sldId id="543" r:id="rId16"/>
-    <p:sldId id="544" r:id="rId17"/>
-    <p:sldId id="545" r:id="rId18"/>
-    <p:sldId id="546" r:id="rId19"/>
-    <p:sldId id="547" r:id="rId20"/>
-    <p:sldId id="548" r:id="rId21"/>
-    <p:sldId id="549" r:id="rId22"/>
-    <p:sldId id="550" r:id="rId23"/>
-    <p:sldId id="447" r:id="rId24"/>
+    <p:sldId id="447" r:id="rId14"/>
   </p:sldIdLst>
   <p:sldSz cx="9144000" cy="6858000" type="screen4x3"/>
   <p:notesSz cx="9144000" cy="6858000"/>
@@ -1337,7 +1327,7 @@
             <a:fld id="{5C070B58-C8C1-8C4F-8E2A-E2C0A5BE8827}" type="datetime1">
               <a:rPr lang="en-US"/>
               <a:pPr/>
-              <a:t>9/19/16</a:t>
+              <a:t>9/21/16</a:t>
             </a:fld>
             <a:endParaRPr lang="en-US"/>
           </a:p>
@@ -1534,7 +1524,7 @@
             <a:fld id="{3861A409-4397-FE42-B14A-D10D23713121}" type="datetime1">
               <a:rPr lang="en-US"/>
               <a:pPr/>
-              <a:t>9/19/16</a:t>
+              <a:t>9/21/16</a:t>
             </a:fld>
             <a:endParaRPr lang="en-US"/>
           </a:p>
@@ -1740,7 +1730,7 @@
             <a:fld id="{020C4EFE-BEE9-E34D-8E69-3EB9734E61E9}" type="datetime1">
               <a:rPr lang="en-US"/>
               <a:pPr/>
-              <a:t>9/19/16</a:t>
+              <a:t>9/21/16</a:t>
             </a:fld>
             <a:endParaRPr lang="en-US"/>
           </a:p>
@@ -2003,7 +1993,7 @@
             <a:fld id="{7CA3AC27-A497-A44A-89A1-B0F8EBEE47C2}" type="datetime1">
               <a:rPr lang="en-US"/>
               <a:pPr/>
-              <a:t>9/19/16</a:t>
+              <a:t>9/21/16</a:t>
             </a:fld>
             <a:endParaRPr lang="en-US"/>
           </a:p>
@@ -2266,7 +2256,7 @@
             <a:fld id="{F6603EF2-D514-8F4C-841E-2D8DC6BA21DA}" type="datetime1">
               <a:rPr lang="en-US"/>
               <a:pPr/>
-              <a:t>9/19/16</a:t>
+              <a:t>9/21/16</a:t>
             </a:fld>
             <a:endParaRPr lang="en-US"/>
           </a:p>
@@ -2462,7 +2452,7 @@
             <a:fld id="{53C98EA7-8C56-4B42-8A0D-039289745663}" type="datetime1">
               <a:rPr lang="en-US"/>
               <a:pPr/>
-              <a:t>9/19/16</a:t>
+              <a:t>9/21/16</a:t>
             </a:fld>
             <a:endParaRPr lang="en-US"/>
           </a:p>
@@ -2680,7 +2670,7 @@
             <a:fld id="{24A351FC-2FDD-6C42-B989-EA3C8ED6CD28}" type="datetime1">
               <a:rPr lang="en-US"/>
               <a:pPr/>
-              <a:t>9/19/16</a:t>
+              <a:t>9/21/16</a:t>
             </a:fld>
             <a:endParaRPr lang="en-US"/>
           </a:p>
@@ -2994,7 +2984,7 @@
             <a:fld id="{A02119D3-B89C-6847-A592-DE2B0F6966BA}" type="datetime1">
               <a:rPr lang="en-US"/>
               <a:pPr/>
-              <a:t>9/19/16</a:t>
+              <a:t>9/21/16</a:t>
             </a:fld>
             <a:endParaRPr lang="en-US"/>
           </a:p>
@@ -3447,7 +3437,7 @@
             <a:fld id="{87F528F3-5E2F-A546-B688-1416183D9CF5}" type="datetime1">
               <a:rPr lang="en-US"/>
               <a:pPr/>
-              <a:t>9/19/16</a:t>
+              <a:t>9/21/16</a:t>
             </a:fld>
             <a:endParaRPr lang="en-US"/>
           </a:p>
@@ -3591,7 +3581,7 @@
             <a:fld id="{A47B2888-7BC9-F540-A14D-B72D1C04FC85}" type="datetime1">
               <a:rPr lang="en-US"/>
               <a:pPr/>
-              <a:t>9/19/16</a:t>
+              <a:t>9/21/16</a:t>
             </a:fld>
             <a:endParaRPr lang="en-US"/>
           </a:p>
@@ -3712,7 +3702,7 @@
             <a:fld id="{51F3742C-B8D7-C043-B3F7-DAD91995C815}" type="datetime1">
               <a:rPr lang="en-US"/>
               <a:pPr/>
-              <a:t>9/19/16</a:t>
+              <a:t>9/21/16</a:t>
             </a:fld>
             <a:endParaRPr lang="en-US"/>
           </a:p>
@@ -4015,7 +4005,7 @@
             <a:fld id="{2E5C12A0-2F26-6246-87D0-8E8DF43D1084}" type="datetime1">
               <a:rPr lang="en-US"/>
               <a:pPr/>
-              <a:t>9/19/16</a:t>
+              <a:t>9/21/16</a:t>
             </a:fld>
             <a:endParaRPr lang="en-US"/>
           </a:p>
@@ -4295,7 +4285,7 @@
             <a:fld id="{1BB23DE5-0280-AE4D-BCF0-439A28665313}" type="datetime1">
               <a:rPr lang="en-US"/>
               <a:pPr/>
-              <a:t>9/19/16</a:t>
+              <a:t>9/21/16</a:t>
             </a:fld>
             <a:endParaRPr lang="en-US"/>
           </a:p>
@@ -4594,7 +4584,7 @@
             <a:fld id="{5C9B151F-D2DF-B445-8CBC-1783D62CADBD}" type="datetime1">
               <a:rPr lang="en-US"/>
               <a:pPr/>
-              <a:t>9/19/16</a:t>
+              <a:t>9/21/16</a:t>
             </a:fld>
             <a:endParaRPr lang="en-US"/>
           </a:p>
@@ -5355,7 +5345,7 @@
         </p:spPr>
         <p:txBody>
           <a:bodyPr>
-            <a:normAutofit lnSpcReduction="10000"/>
+            <a:normAutofit/>
           </a:bodyPr>
           <a:lstStyle/>
           <a:p>
@@ -5372,9 +5362,6 @@
               </a:rPr>
               <a:t>Instructor:  </a:t>
             </a:r>
-            <a:endParaRPr lang="en-US" dirty="0" smtClean="0">
-              <a:latin typeface="Arial" charset="0"/>
-            </a:endParaRPr>
           </a:p>
           <a:p>
             <a:pPr algn="ctr" eaLnBrk="1" hangingPunct="1">
@@ -5474,22 +5461,7 @@
               </a:rPr>
               <a:t>statements</a:t>
             </a:r>
-          </a:p>
-          <a:p>
-            <a:pPr algn="ctr" eaLnBrk="1" hangingPunct="1">
-              <a:lnSpc>
-                <a:spcPct val="90000"/>
-              </a:lnSpc>
-              <a:buFont typeface="Wingdings" charset="0"/>
-              <a:buNone/>
-            </a:pPr>
-            <a:r>
-              <a:rPr lang="en-US" dirty="0" smtClean="0">
-                <a:latin typeface="Arial" charset="0"/>
-              </a:rPr>
-              <a:t>Switch statements</a:t>
-            </a:r>
-            <a:endParaRPr lang="en-US" dirty="0">
+            <a:endParaRPr lang="en-US" dirty="0" smtClean="0">
               <a:latin typeface="Arial" charset="0"/>
             </a:endParaRPr>
           </a:p>
@@ -5810,7 +5782,7 @@
                 <a:latin typeface="Garamond" charset="0"/>
               </a:rPr>
               <a:pPr eaLnBrk="1" hangingPunct="1"/>
-              <a:t>9/19/16</a:t>
+              <a:t>9/21/16</a:t>
             </a:fld>
             <a:endParaRPr lang="en-US">
               <a:latin typeface="Garamond" charset="0"/>
@@ -6880,7 +6852,7 @@
                 <a:latin typeface="Garamond" charset="0"/>
               </a:rPr>
               <a:pPr eaLnBrk="1" hangingPunct="1"/>
-              <a:t>9/19/16</a:t>
+              <a:t>9/21/16</a:t>
             </a:fld>
             <a:endParaRPr lang="en-US">
               <a:latin typeface="Garamond" charset="0"/>
@@ -7635,7 +7607,7 @@
                 <a:latin typeface="Garamond" charset="0"/>
               </a:rPr>
               <a:pPr eaLnBrk="1" hangingPunct="1"/>
-              <a:t>9/19/16</a:t>
+              <a:t>9/21/16</a:t>
             </a:fld>
             <a:endParaRPr lang="en-US">
               <a:latin typeface="Garamond" charset="0"/>
@@ -7846,7 +7818,7 @@
       </p:grpSpPr>
       <p:sp>
         <p:nvSpPr>
-          <p:cNvPr id="16386" name="Title 1"/>
+          <p:cNvPr id="14338" name="Title 1"/>
           <p:cNvSpPr>
             <a:spLocks noGrp="1"/>
           </p:cNvSpPr>
@@ -7863,14 +7835,14 @@
               <a:rPr lang="en-US">
                 <a:latin typeface="Garamond" charset="0"/>
               </a:rPr>
-              <a:t>switch statements</a:t>
-            </a:r>
-          </a:p>
-        </p:txBody>
-      </p:sp>
-      <p:sp>
-        <p:nvSpPr>
-          <p:cNvPr id="16387" name="Content Placeholder 2"/>
+              <a:t>Final notes</a:t>
+            </a:r>
+          </a:p>
+        </p:txBody>
+      </p:sp>
+      <p:sp>
+        <p:nvSpPr>
+          <p:cNvPr id="14339" name="Content Placeholder 2"/>
           <p:cNvSpPr>
             <a:spLocks noGrp="1"/>
           </p:cNvSpPr>
@@ -7884,28 +7856,93 @@
           <a:lstStyle/>
           <a:p>
             <a:r>
-              <a:rPr lang="en-US">
-                <a:latin typeface="Arial" charset="0"/>
-              </a:rPr>
-              <a:t>Nesting several if/else if statements can get tedious</a:t>
-            </a:r>
-          </a:p>
-          <a:p>
-            <a:r>
-              <a:rPr lang="en-US">
-                <a:latin typeface="Arial" charset="0"/>
-              </a:rPr>
-              <a:t>If each condition is simply checking equality of same variable or expression, can use </a:t>
-            </a:r>
-            <a:r>
-              <a:rPr lang="en-US">
+              <a:rPr lang="en-US" dirty="0">
+                <a:latin typeface="Arial" charset="0"/>
+              </a:rPr>
+              <a:t>Next time</a:t>
+            </a:r>
+          </a:p>
+          <a:p>
+            <a:pPr lvl="1"/>
+            <a:r>
+              <a:rPr lang="en-US" dirty="0" smtClean="0">
+                <a:latin typeface="Arial" charset="0"/>
+              </a:rPr>
+              <a:t>While and do-while loops</a:t>
+            </a:r>
+            <a:endParaRPr lang="en-US" dirty="0">
+              <a:latin typeface="Arial" charset="0"/>
+            </a:endParaRPr>
+          </a:p>
+          <a:p>
+            <a:r>
+              <a:rPr lang="en-US" dirty="0">
+                <a:latin typeface="Arial" charset="0"/>
+              </a:rPr>
+              <a:t>Reminders:</a:t>
+            </a:r>
+          </a:p>
+          <a:p>
+            <a:pPr lvl="1"/>
+            <a:r>
+              <a:rPr lang="en-US" dirty="0">
+                <a:latin typeface="Arial" charset="0"/>
+              </a:rPr>
+              <a:t>Program 2 due today</a:t>
+            </a:r>
+          </a:p>
+          <a:p>
+            <a:pPr lvl="1"/>
+            <a:r>
+              <a:rPr lang="en-US" dirty="0">
+                <a:latin typeface="Arial" charset="0"/>
+              </a:rPr>
+              <a:t>Program 3 due </a:t>
+            </a:r>
+            <a:r>
+              <a:rPr lang="en-US" b="1" dirty="0">
                 <a:solidFill>
                   <a:srgbClr val="FF0000"/>
                 </a:solidFill>
-                <a:latin typeface="Courier New" charset="0"/>
-                <a:cs typeface="Courier New" charset="0"/>
-              </a:rPr>
-              <a:t>switch</a:t>
+                <a:latin typeface="Arial" charset="0"/>
+              </a:rPr>
+              <a:t>9/28</a:t>
+            </a:r>
+          </a:p>
+          <a:p>
+            <a:pPr lvl="2"/>
+            <a:r>
+              <a:rPr lang="en-US" dirty="0">
+                <a:latin typeface="Arial" charset="0"/>
+              </a:rPr>
+              <a:t>Late penalties capped at -1 from 9/29 through 10/3</a:t>
+            </a:r>
+          </a:p>
+          <a:p>
+            <a:pPr lvl="1"/>
+            <a:r>
+              <a:rPr lang="en-US" dirty="0">
+                <a:latin typeface="Arial" charset="0"/>
+              </a:rPr>
+              <a:t>Exam 1: Friday, 9/30</a:t>
+            </a:r>
+          </a:p>
+          <a:p>
+            <a:pPr lvl="2"/>
+            <a:r>
+              <a:rPr lang="en-US" dirty="0">
+                <a:latin typeface="Arial" charset="0"/>
+              </a:rPr>
+              <a:t>Will be allowed one double-sided 8.5” x 11” note sheet</a:t>
+            </a:r>
+          </a:p>
+          <a:p>
+            <a:pPr lvl="2"/>
+            <a:r>
+              <a:rPr lang="en-US" dirty="0">
+                <a:latin typeface="Arial" charset="0"/>
+              </a:rPr>
+              <a:t>No calculators or other electronic devices allowed</a:t>
             </a:r>
           </a:p>
         </p:txBody>
@@ -8041,12 +8078,12 @@
           </a:lstStyle>
           <a:p>
             <a:pPr eaLnBrk="1" hangingPunct="1"/>
-            <a:fld id="{4E50774C-6F16-234E-AF75-60381D6B65C1}" type="datetime1">
+            <a:fld id="{976C553B-A4AF-4344-ACB3-4935D9BCADA8}" type="datetime1">
               <a:rPr lang="en-US">
                 <a:latin typeface="Garamond" charset="0"/>
               </a:rPr>
               <a:pPr eaLnBrk="1" hangingPunct="1"/>
-              <a:t>9/19/16</a:t>
+              <a:t>9/21/16</a:t>
             </a:fld>
             <a:endParaRPr lang="en-US">
               <a:latin typeface="Garamond" charset="0"/>
@@ -8210,7 +8247,7 @@
           </a:lstStyle>
           <a:p>
             <a:pPr eaLnBrk="1" hangingPunct="1"/>
-            <a:fld id="{6FFF3CE8-14C3-BF4A-8514-4FF53103D1B0}" type="slidenum">
+            <a:fld id="{7969D819-D73A-D64E-AC12-719F3E29E335}" type="slidenum">
               <a:rPr lang="en-US">
                 <a:latin typeface="Garamond" charset="0"/>
               </a:rPr>
@@ -8224,4296 +8261,6 @@
         </p:txBody>
       </p:sp>
     </p:spTree>
-    <p:extLst>
-      <p:ext uri="{BB962C8B-B14F-4D97-AF65-F5344CB8AC3E}">
-        <p14:creationId xmlns:p14="http://schemas.microsoft.com/office/powerpoint/2010/main" val="2016380786"/>
-      </p:ext>
-    </p:extLst>
-  </p:cSld>
-  <p:clrMapOvr>
-    <a:masterClrMapping/>
-  </p:clrMapOvr>
-  <p:timing>
-    <p:tnLst>
-      <p:par>
-        <p:cTn xmlns:p14="http://schemas.microsoft.com/office/powerpoint/2010/main" id="1" dur="indefinite" restart="never" nodeType="tmRoot"/>
-      </p:par>
-    </p:tnLst>
-  </p:timing>
-</p:sld>
-</file>
-
-<file path=ppt/slides/slide14.xml><?xml version="1.0" encoding="utf-8"?>
-<p:sld xmlns:a="http://schemas.openxmlformats.org/drawingml/2006/main" xmlns:r="http://schemas.openxmlformats.org/officeDocument/2006/relationships" xmlns:p="http://schemas.openxmlformats.org/presentationml/2006/main">
-  <p:cSld>
-    <p:spTree>
-      <p:nvGrpSpPr>
-        <p:cNvPr id="1" name=""/>
-        <p:cNvGrpSpPr/>
-        <p:nvPr/>
-      </p:nvGrpSpPr>
-      <p:grpSpPr>
-        <a:xfrm>
-          <a:off x="0" y="0"/>
-          <a:ext cx="0" cy="0"/>
-          <a:chOff x="0" y="0"/>
-          <a:chExt cx="0" cy="0"/>
-        </a:xfrm>
-      </p:grpSpPr>
-      <p:sp>
-        <p:nvSpPr>
-          <p:cNvPr id="17410" name="Rectangle 2"/>
-          <p:cNvSpPr>
-            <a:spLocks noGrp="1" noChangeArrowheads="1"/>
-          </p:cNvSpPr>
-          <p:nvPr>
-            <p:ph type="title"/>
-          </p:nvPr>
-        </p:nvSpPr>
-        <p:spPr>
-          <a:xfrm>
-            <a:off x="381000" y="228600"/>
-            <a:ext cx="8763000" cy="685800"/>
-          </a:xfrm>
-        </p:spPr>
-        <p:txBody>
-          <a:bodyPr/>
-          <a:lstStyle/>
-          <a:p>
-            <a:r>
-              <a:rPr lang="en-US">
-                <a:latin typeface="Garamond" charset="0"/>
-              </a:rPr>
-              <a:t>switch/case statement - General form</a:t>
-            </a:r>
-          </a:p>
-        </p:txBody>
-      </p:sp>
-      <p:sp>
-        <p:nvSpPr>
-          <p:cNvPr id="17411" name="Text Box 3"/>
-          <p:cNvSpPr txBox="1">
-            <a:spLocks noChangeArrowheads="1"/>
-          </p:cNvSpPr>
-          <p:nvPr/>
-        </p:nvSpPr>
-        <p:spPr bwMode="auto">
-          <a:xfrm>
-            <a:off x="609600" y="914400"/>
-            <a:ext cx="7924800" cy="4940300"/>
-          </a:xfrm>
-          <a:prstGeom prst="rect">
-            <a:avLst/>
-          </a:prstGeom>
-          <a:noFill/>
-          <a:ln>
-            <a:noFill/>
-          </a:ln>
-          <a:extLst>
-            <a:ext uri="{909E8E84-426E-40dd-AFC4-6F175D3DCCD1}">
-              <a14:hiddenFill xmlns:a14="http://schemas.microsoft.com/office/drawing/2010/main">
-                <a:solidFill>
-                  <a:srgbClr val="FFFFFF"/>
-                </a:solidFill>
-              </a14:hiddenFill>
-            </a:ext>
-            <a:ext uri="{91240B29-F687-4f45-9708-019B960494DF}">
-              <a14:hiddenLine xmlns:a14="http://schemas.microsoft.com/office/drawing/2010/main" w="9525">
-                <a:solidFill>
-                  <a:srgbClr val="000000"/>
-                </a:solidFill>
-                <a:miter lim="800000"/>
-                <a:headEnd/>
-                <a:tailEnd/>
-              </a14:hiddenLine>
-            </a:ext>
-          </a:extLst>
-        </p:spPr>
-        <p:txBody>
-          <a:bodyPr>
-            <a:spAutoFit/>
-          </a:bodyPr>
-          <a:lstStyle>
-            <a:lvl1pPr>
-              <a:defRPr sz="3000">
-                <a:solidFill>
-                  <a:schemeClr val="tx1"/>
-                </a:solidFill>
-                <a:latin typeface="Arial" charset="0"/>
-                <a:ea typeface="ＭＳ Ｐゴシック" charset="0"/>
-              </a:defRPr>
-            </a:lvl1pPr>
-            <a:lvl2pPr marL="742950" indent="-285750">
-              <a:defRPr sz="2600">
-                <a:solidFill>
-                  <a:schemeClr val="tx1"/>
-                </a:solidFill>
-                <a:latin typeface="Arial" charset="0"/>
-                <a:ea typeface="ＭＳ Ｐゴシック" charset="0"/>
-              </a:defRPr>
-            </a:lvl2pPr>
-            <a:lvl3pPr marL="1143000" indent="-228600">
-              <a:defRPr sz="2200">
-                <a:solidFill>
-                  <a:schemeClr val="tx1"/>
-                </a:solidFill>
-                <a:latin typeface="Arial" charset="0"/>
-                <a:ea typeface="ＭＳ Ｐゴシック" charset="0"/>
-              </a:defRPr>
-            </a:lvl3pPr>
-            <a:lvl4pPr marL="1600200" indent="-228600">
-              <a:defRPr sz="2000">
-                <a:solidFill>
-                  <a:schemeClr val="tx1"/>
-                </a:solidFill>
-                <a:latin typeface="Arial" charset="0"/>
-                <a:ea typeface="ＭＳ Ｐゴシック" charset="0"/>
-              </a:defRPr>
-            </a:lvl4pPr>
-            <a:lvl5pPr marL="2057400" indent="-228600">
-              <a:defRPr sz="2000">
-                <a:solidFill>
-                  <a:schemeClr val="tx1"/>
-                </a:solidFill>
-                <a:latin typeface="Arial" charset="0"/>
-                <a:ea typeface="ＭＳ Ｐゴシック" charset="0"/>
-              </a:defRPr>
-            </a:lvl5pPr>
-            <a:lvl6pPr marL="2514600" indent="-228600" eaLnBrk="0" hangingPunct="0">
-              <a:buFont typeface="Wingdings" charset="0"/>
-              <a:defRPr sz="2000">
-                <a:solidFill>
-                  <a:schemeClr val="tx1"/>
-                </a:solidFill>
-                <a:latin typeface="Arial" charset="0"/>
-                <a:ea typeface="ＭＳ Ｐゴシック" charset="0"/>
-              </a:defRPr>
-            </a:lvl6pPr>
-            <a:lvl7pPr marL="2971800" indent="-228600" eaLnBrk="0" hangingPunct="0">
-              <a:buFont typeface="Wingdings" charset="0"/>
-              <a:defRPr sz="2000">
-                <a:solidFill>
-                  <a:schemeClr val="tx1"/>
-                </a:solidFill>
-                <a:latin typeface="Arial" charset="0"/>
-                <a:ea typeface="ＭＳ Ｐゴシック" charset="0"/>
-              </a:defRPr>
-            </a:lvl7pPr>
-            <a:lvl8pPr marL="3429000" indent="-228600" eaLnBrk="0" hangingPunct="0">
-              <a:buFont typeface="Wingdings" charset="0"/>
-              <a:defRPr sz="2000">
-                <a:solidFill>
-                  <a:schemeClr val="tx1"/>
-                </a:solidFill>
-                <a:latin typeface="Arial" charset="0"/>
-                <a:ea typeface="ＭＳ Ｐゴシック" charset="0"/>
-              </a:defRPr>
-            </a:lvl8pPr>
-            <a:lvl9pPr marL="3886200" indent="-228600" eaLnBrk="0" hangingPunct="0">
-              <a:buFont typeface="Wingdings" charset="0"/>
-              <a:defRPr sz="2000">
-                <a:solidFill>
-                  <a:schemeClr val="tx1"/>
-                </a:solidFill>
-                <a:latin typeface="Arial" charset="0"/>
-                <a:ea typeface="ＭＳ Ｐゴシック" charset="0"/>
-              </a:defRPr>
-            </a:lvl9pPr>
-          </a:lstStyle>
-          <a:p>
-            <a:pPr>
-              <a:spcBef>
-                <a:spcPct val="50000"/>
-              </a:spcBef>
-            </a:pPr>
-            <a:r>
-              <a:rPr lang="en-US" sz="1800">
-                <a:solidFill>
-                  <a:srgbClr val="FF0000"/>
-                </a:solidFill>
-                <a:latin typeface="Courier New" charset="0"/>
-              </a:rPr>
-              <a:t>switch</a:t>
-            </a:r>
-            <a:r>
-              <a:rPr lang="en-US" sz="1800">
-                <a:latin typeface="Courier New" charset="0"/>
-              </a:rPr>
-              <a:t> (</a:t>
-            </a:r>
-            <a:r>
-              <a:rPr lang="en-US" sz="1800"/>
-              <a:t> &lt;expression&gt; </a:t>
-            </a:r>
-            <a:r>
-              <a:rPr lang="en-US" sz="1800">
-                <a:latin typeface="Courier New" charset="0"/>
-              </a:rPr>
-              <a:t>)</a:t>
-            </a:r>
-            <a:r>
-              <a:rPr lang="en-US" sz="1800"/>
-              <a:t/>
-            </a:r>
-            <a:br>
-              <a:rPr lang="en-US" sz="1800"/>
-            </a:br>
-            <a:r>
-              <a:rPr lang="en-US" sz="1800"/>
-              <a:t>{</a:t>
-            </a:r>
-            <a:br>
-              <a:rPr lang="en-US" sz="1800"/>
-            </a:br>
-            <a:r>
-              <a:rPr lang="en-US" sz="1800">
-                <a:solidFill>
-                  <a:srgbClr val="FF0000"/>
-                </a:solidFill>
-                <a:latin typeface="Courier New" charset="0"/>
-              </a:rPr>
-              <a:t>case</a:t>
-            </a:r>
-            <a:r>
-              <a:rPr lang="en-US" sz="1800"/>
-              <a:t> &lt;value1&gt; :</a:t>
-            </a:r>
-            <a:br>
-              <a:rPr lang="en-US" sz="1800"/>
-            </a:br>
-            <a:r>
-              <a:rPr lang="en-US" sz="1800"/>
-              <a:t>	&lt;statements&gt;</a:t>
-            </a:r>
-            <a:br>
-              <a:rPr lang="en-US" sz="1800"/>
-            </a:br>
-            <a:r>
-              <a:rPr lang="en-US" sz="1800"/>
-              <a:t>	[ </a:t>
-            </a:r>
-            <a:r>
-              <a:rPr lang="en-US" sz="1800">
-                <a:solidFill>
-                  <a:srgbClr val="FF0000"/>
-                </a:solidFill>
-                <a:latin typeface="Courier New" charset="0"/>
-              </a:rPr>
-              <a:t>break;</a:t>
-            </a:r>
-            <a:r>
-              <a:rPr lang="en-US" sz="1800"/>
-              <a:t> ]</a:t>
-            </a:r>
-          </a:p>
-          <a:p>
-            <a:pPr>
-              <a:spcBef>
-                <a:spcPct val="50000"/>
-              </a:spcBef>
-            </a:pPr>
-            <a:r>
-              <a:rPr lang="en-US" sz="1800">
-                <a:solidFill>
-                  <a:srgbClr val="FF0000"/>
-                </a:solidFill>
-                <a:latin typeface="Courier New" charset="0"/>
-              </a:rPr>
-              <a:t>case</a:t>
-            </a:r>
-            <a:r>
-              <a:rPr lang="en-US" sz="1800">
-                <a:latin typeface="Courier New" charset="0"/>
-              </a:rPr>
-              <a:t> </a:t>
-            </a:r>
-            <a:r>
-              <a:rPr lang="en-US" sz="1800"/>
-              <a:t>&lt;value2&gt; :</a:t>
-            </a:r>
-            <a:br>
-              <a:rPr lang="en-US" sz="1800"/>
-            </a:br>
-            <a:r>
-              <a:rPr lang="en-US" sz="1800"/>
-              <a:t>	&lt;statements&gt;</a:t>
-            </a:r>
-            <a:br>
-              <a:rPr lang="en-US" sz="1800"/>
-            </a:br>
-            <a:r>
-              <a:rPr lang="en-US" sz="1800"/>
-              <a:t>	[ </a:t>
-            </a:r>
-            <a:r>
-              <a:rPr lang="en-US" sz="1800">
-                <a:solidFill>
-                  <a:srgbClr val="FF0000"/>
-                </a:solidFill>
-                <a:latin typeface="Courier New" charset="0"/>
-              </a:rPr>
-              <a:t>break</a:t>
-            </a:r>
-            <a:r>
-              <a:rPr lang="en-US" sz="1800">
-                <a:latin typeface="Courier New" charset="0"/>
-              </a:rPr>
-              <a:t>;</a:t>
-            </a:r>
-            <a:r>
-              <a:rPr lang="en-US" sz="1800"/>
-              <a:t> ]</a:t>
-            </a:r>
-          </a:p>
-          <a:p>
-            <a:pPr>
-              <a:spcBef>
-                <a:spcPct val="50000"/>
-              </a:spcBef>
-            </a:pPr>
-            <a:r>
-              <a:rPr lang="en-US" sz="1800"/>
-              <a:t>	.</a:t>
-            </a:r>
-          </a:p>
-          <a:p>
-            <a:pPr>
-              <a:spcBef>
-                <a:spcPct val="50000"/>
-              </a:spcBef>
-            </a:pPr>
-            <a:r>
-              <a:rPr lang="en-US" sz="1800"/>
-              <a:t>	.</a:t>
-            </a:r>
-          </a:p>
-          <a:p>
-            <a:pPr>
-              <a:spcBef>
-                <a:spcPct val="50000"/>
-              </a:spcBef>
-            </a:pPr>
-            <a:r>
-              <a:rPr lang="en-US" sz="1800"/>
-              <a:t>	.</a:t>
-            </a:r>
-            <a:br>
-              <a:rPr lang="en-US" sz="1800"/>
-            </a:br>
-            <a:r>
-              <a:rPr lang="en-US" sz="1800"/>
-              <a:t>[ </a:t>
-            </a:r>
-            <a:r>
-              <a:rPr lang="en-US" sz="1800">
-                <a:solidFill>
-                  <a:srgbClr val="FF0000"/>
-                </a:solidFill>
-                <a:latin typeface="Courier New" charset="0"/>
-              </a:rPr>
-              <a:t>default:</a:t>
-            </a:r>
-            <a:r>
-              <a:rPr lang="en-US" sz="1800">
-                <a:latin typeface="Courier New" charset="0"/>
-              </a:rPr>
-              <a:t/>
-            </a:r>
-            <a:br>
-              <a:rPr lang="en-US" sz="1800">
-                <a:latin typeface="Courier New" charset="0"/>
-              </a:rPr>
-            </a:br>
-            <a:r>
-              <a:rPr lang="en-US" sz="1800"/>
-              <a:t>	&lt;statements&gt;</a:t>
-            </a:r>
-            <a:br>
-              <a:rPr lang="en-US" sz="1800"/>
-            </a:br>
-            <a:r>
-              <a:rPr lang="en-US" sz="1800"/>
-              <a:t>	[ </a:t>
-            </a:r>
-            <a:r>
-              <a:rPr lang="en-US" sz="1800">
-                <a:solidFill>
-                  <a:srgbClr val="FF0000"/>
-                </a:solidFill>
-                <a:latin typeface="Courier New" charset="0"/>
-              </a:rPr>
-              <a:t>break;</a:t>
-            </a:r>
-            <a:r>
-              <a:rPr lang="en-US" sz="1800">
-                <a:solidFill>
-                  <a:srgbClr val="FF0000"/>
-                </a:solidFill>
-              </a:rPr>
-              <a:t> </a:t>
-            </a:r>
-            <a:r>
-              <a:rPr lang="en-US" sz="1800"/>
-              <a:t>] ]</a:t>
-            </a:r>
-          </a:p>
-          <a:p>
-            <a:pPr>
-              <a:spcBef>
-                <a:spcPct val="50000"/>
-              </a:spcBef>
-            </a:pPr>
-            <a:r>
-              <a:rPr lang="en-US" sz="1800">
-                <a:latin typeface="Courier New" charset="0"/>
-              </a:rPr>
-              <a:t>}</a:t>
-            </a:r>
-          </a:p>
-        </p:txBody>
-      </p:sp>
-      <p:sp>
-        <p:nvSpPr>
-          <p:cNvPr id="4" name="Date Placeholder 3"/>
-          <p:cNvSpPr>
-            <a:spLocks noGrp="1"/>
-          </p:cNvSpPr>
-          <p:nvPr>
-            <p:ph type="dt" sz="quarter" idx="10"/>
-          </p:nvPr>
-        </p:nvSpPr>
-        <p:spPr/>
-        <p:txBody>
-          <a:bodyPr/>
-          <a:lstStyle>
-            <a:lvl1pPr eaLnBrk="0" hangingPunct="0">
-              <a:defRPr>
-                <a:solidFill>
-                  <a:schemeClr val="tx1"/>
-                </a:solidFill>
-                <a:latin typeface="Arial" charset="0"/>
-                <a:ea typeface="ＭＳ Ｐゴシック" charset="0"/>
-                <a:cs typeface="Arial" charset="0"/>
-              </a:defRPr>
-            </a:lvl1pPr>
-            <a:lvl2pPr marL="742950" indent="-285750" eaLnBrk="0" hangingPunct="0">
-              <a:defRPr>
-                <a:solidFill>
-                  <a:schemeClr val="tx1"/>
-                </a:solidFill>
-                <a:latin typeface="Arial" charset="0"/>
-                <a:ea typeface="Arial" charset="0"/>
-                <a:cs typeface="Arial" charset="0"/>
-              </a:defRPr>
-            </a:lvl2pPr>
-            <a:lvl3pPr marL="1143000" indent="-228600" eaLnBrk="0" hangingPunct="0">
-              <a:defRPr>
-                <a:solidFill>
-                  <a:schemeClr val="tx1"/>
-                </a:solidFill>
-                <a:latin typeface="Arial" charset="0"/>
-                <a:ea typeface="Arial" charset="0"/>
-                <a:cs typeface="Arial" charset="0"/>
-              </a:defRPr>
-            </a:lvl3pPr>
-            <a:lvl4pPr marL="1600200" indent="-228600" eaLnBrk="0" hangingPunct="0">
-              <a:defRPr>
-                <a:solidFill>
-                  <a:schemeClr val="tx1"/>
-                </a:solidFill>
-                <a:latin typeface="Arial" charset="0"/>
-                <a:ea typeface="Arial" charset="0"/>
-                <a:cs typeface="Arial" charset="0"/>
-              </a:defRPr>
-            </a:lvl4pPr>
-            <a:lvl5pPr marL="2057400" indent="-228600" eaLnBrk="0" hangingPunct="0">
-              <a:defRPr>
-                <a:solidFill>
-                  <a:schemeClr val="tx1"/>
-                </a:solidFill>
-                <a:latin typeface="Arial" charset="0"/>
-                <a:ea typeface="Arial" charset="0"/>
-                <a:cs typeface="Arial" charset="0"/>
-              </a:defRPr>
-            </a:lvl5pPr>
-            <a:lvl6pPr marL="2514600" indent="-228600" eaLnBrk="0" fontAlgn="base" hangingPunct="0">
-              <a:spcBef>
-                <a:spcPct val="0"/>
-              </a:spcBef>
-              <a:spcAft>
-                <a:spcPct val="0"/>
-              </a:spcAft>
-              <a:defRPr>
-                <a:solidFill>
-                  <a:schemeClr val="tx1"/>
-                </a:solidFill>
-                <a:latin typeface="Arial" charset="0"/>
-                <a:ea typeface="Arial" charset="0"/>
-                <a:cs typeface="Arial" charset="0"/>
-              </a:defRPr>
-            </a:lvl6pPr>
-            <a:lvl7pPr marL="2971800" indent="-228600" eaLnBrk="0" fontAlgn="base" hangingPunct="0">
-              <a:spcBef>
-                <a:spcPct val="0"/>
-              </a:spcBef>
-              <a:spcAft>
-                <a:spcPct val="0"/>
-              </a:spcAft>
-              <a:defRPr>
-                <a:solidFill>
-                  <a:schemeClr val="tx1"/>
-                </a:solidFill>
-                <a:latin typeface="Arial" charset="0"/>
-                <a:ea typeface="Arial" charset="0"/>
-                <a:cs typeface="Arial" charset="0"/>
-              </a:defRPr>
-            </a:lvl7pPr>
-            <a:lvl8pPr marL="3429000" indent="-228600" eaLnBrk="0" fontAlgn="base" hangingPunct="0">
-              <a:spcBef>
-                <a:spcPct val="0"/>
-              </a:spcBef>
-              <a:spcAft>
-                <a:spcPct val="0"/>
-              </a:spcAft>
-              <a:defRPr>
-                <a:solidFill>
-                  <a:schemeClr val="tx1"/>
-                </a:solidFill>
-                <a:latin typeface="Arial" charset="0"/>
-                <a:ea typeface="Arial" charset="0"/>
-                <a:cs typeface="Arial" charset="0"/>
-              </a:defRPr>
-            </a:lvl8pPr>
-            <a:lvl9pPr marL="3886200" indent="-228600" eaLnBrk="0" fontAlgn="base" hangingPunct="0">
-              <a:spcBef>
-                <a:spcPct val="0"/>
-              </a:spcBef>
-              <a:spcAft>
-                <a:spcPct val="0"/>
-              </a:spcAft>
-              <a:defRPr>
-                <a:solidFill>
-                  <a:schemeClr val="tx1"/>
-                </a:solidFill>
-                <a:latin typeface="Arial" charset="0"/>
-                <a:ea typeface="Arial" charset="0"/>
-                <a:cs typeface="Arial" charset="0"/>
-              </a:defRPr>
-            </a:lvl9pPr>
-          </a:lstStyle>
-          <a:p>
-            <a:pPr eaLnBrk="1" hangingPunct="1"/>
-            <a:fld id="{3A720A7B-EA01-2348-B5AA-FBCDF8BE2641}" type="datetime1">
-              <a:rPr lang="en-US">
-                <a:latin typeface="Garamond" charset="0"/>
-              </a:rPr>
-              <a:pPr eaLnBrk="1" hangingPunct="1"/>
-              <a:t>9/19/16</a:t>
-            </a:fld>
-            <a:endParaRPr lang="en-US">
-              <a:latin typeface="Garamond" charset="0"/>
-            </a:endParaRPr>
-          </a:p>
-        </p:txBody>
-      </p:sp>
-      <p:sp>
-        <p:nvSpPr>
-          <p:cNvPr id="5" name="Slide Number Placeholder 4"/>
-          <p:cNvSpPr>
-            <a:spLocks noGrp="1"/>
-          </p:cNvSpPr>
-          <p:nvPr>
-            <p:ph type="sldNum" sz="quarter" idx="12"/>
-          </p:nvPr>
-        </p:nvSpPr>
-        <p:spPr/>
-        <p:txBody>
-          <a:bodyPr/>
-          <a:lstStyle>
-            <a:lvl1pPr eaLnBrk="0" hangingPunct="0">
-              <a:defRPr>
-                <a:solidFill>
-                  <a:schemeClr val="tx1"/>
-                </a:solidFill>
-                <a:latin typeface="Arial" charset="0"/>
-                <a:ea typeface="ＭＳ Ｐゴシック" charset="0"/>
-                <a:cs typeface="Arial" charset="0"/>
-              </a:defRPr>
-            </a:lvl1pPr>
-            <a:lvl2pPr marL="742950" indent="-285750" eaLnBrk="0" hangingPunct="0">
-              <a:defRPr>
-                <a:solidFill>
-                  <a:schemeClr val="tx1"/>
-                </a:solidFill>
-                <a:latin typeface="Arial" charset="0"/>
-                <a:ea typeface="Arial" charset="0"/>
-                <a:cs typeface="Arial" charset="0"/>
-              </a:defRPr>
-            </a:lvl2pPr>
-            <a:lvl3pPr marL="1143000" indent="-228600" eaLnBrk="0" hangingPunct="0">
-              <a:defRPr>
-                <a:solidFill>
-                  <a:schemeClr val="tx1"/>
-                </a:solidFill>
-                <a:latin typeface="Arial" charset="0"/>
-                <a:ea typeface="Arial" charset="0"/>
-                <a:cs typeface="Arial" charset="0"/>
-              </a:defRPr>
-            </a:lvl3pPr>
-            <a:lvl4pPr marL="1600200" indent="-228600" eaLnBrk="0" hangingPunct="0">
-              <a:defRPr>
-                <a:solidFill>
-                  <a:schemeClr val="tx1"/>
-                </a:solidFill>
-                <a:latin typeface="Arial" charset="0"/>
-                <a:ea typeface="Arial" charset="0"/>
-                <a:cs typeface="Arial" charset="0"/>
-              </a:defRPr>
-            </a:lvl4pPr>
-            <a:lvl5pPr marL="2057400" indent="-228600" eaLnBrk="0" hangingPunct="0">
-              <a:defRPr>
-                <a:solidFill>
-                  <a:schemeClr val="tx1"/>
-                </a:solidFill>
-                <a:latin typeface="Arial" charset="0"/>
-                <a:ea typeface="Arial" charset="0"/>
-                <a:cs typeface="Arial" charset="0"/>
-              </a:defRPr>
-            </a:lvl5pPr>
-            <a:lvl6pPr marL="2514600" indent="-228600" eaLnBrk="0" fontAlgn="base" hangingPunct="0">
-              <a:spcBef>
-                <a:spcPct val="0"/>
-              </a:spcBef>
-              <a:spcAft>
-                <a:spcPct val="0"/>
-              </a:spcAft>
-              <a:defRPr>
-                <a:solidFill>
-                  <a:schemeClr val="tx1"/>
-                </a:solidFill>
-                <a:latin typeface="Arial" charset="0"/>
-                <a:ea typeface="Arial" charset="0"/>
-                <a:cs typeface="Arial" charset="0"/>
-              </a:defRPr>
-            </a:lvl6pPr>
-            <a:lvl7pPr marL="2971800" indent="-228600" eaLnBrk="0" fontAlgn="base" hangingPunct="0">
-              <a:spcBef>
-                <a:spcPct val="0"/>
-              </a:spcBef>
-              <a:spcAft>
-                <a:spcPct val="0"/>
-              </a:spcAft>
-              <a:defRPr>
-                <a:solidFill>
-                  <a:schemeClr val="tx1"/>
-                </a:solidFill>
-                <a:latin typeface="Arial" charset="0"/>
-                <a:ea typeface="Arial" charset="0"/>
-                <a:cs typeface="Arial" charset="0"/>
-              </a:defRPr>
-            </a:lvl7pPr>
-            <a:lvl8pPr marL="3429000" indent="-228600" eaLnBrk="0" fontAlgn="base" hangingPunct="0">
-              <a:spcBef>
-                <a:spcPct val="0"/>
-              </a:spcBef>
-              <a:spcAft>
-                <a:spcPct val="0"/>
-              </a:spcAft>
-              <a:defRPr>
-                <a:solidFill>
-                  <a:schemeClr val="tx1"/>
-                </a:solidFill>
-                <a:latin typeface="Arial" charset="0"/>
-                <a:ea typeface="Arial" charset="0"/>
-                <a:cs typeface="Arial" charset="0"/>
-              </a:defRPr>
-            </a:lvl8pPr>
-            <a:lvl9pPr marL="3886200" indent="-228600" eaLnBrk="0" fontAlgn="base" hangingPunct="0">
-              <a:spcBef>
-                <a:spcPct val="0"/>
-              </a:spcBef>
-              <a:spcAft>
-                <a:spcPct val="0"/>
-              </a:spcAft>
-              <a:defRPr>
-                <a:solidFill>
-                  <a:schemeClr val="tx1"/>
-                </a:solidFill>
-                <a:latin typeface="Arial" charset="0"/>
-                <a:ea typeface="Arial" charset="0"/>
-                <a:cs typeface="Arial" charset="0"/>
-              </a:defRPr>
-            </a:lvl9pPr>
-          </a:lstStyle>
-          <a:p>
-            <a:pPr eaLnBrk="1" hangingPunct="1"/>
-            <a:fld id="{F9339798-8113-0748-92EB-AD0DD2F74F2F}" type="slidenum">
-              <a:rPr lang="en-US">
-                <a:latin typeface="Garamond" charset="0"/>
-              </a:rPr>
-              <a:pPr eaLnBrk="1" hangingPunct="1"/>
-              <a:t>14</a:t>
-            </a:fld>
-            <a:endParaRPr lang="en-US">
-              <a:latin typeface="Garamond" charset="0"/>
-            </a:endParaRPr>
-          </a:p>
-        </p:txBody>
-      </p:sp>
-      <p:sp>
-        <p:nvSpPr>
-          <p:cNvPr id="6" name="Footer Placeholder 5"/>
-          <p:cNvSpPr>
-            <a:spLocks noGrp="1"/>
-          </p:cNvSpPr>
-          <p:nvPr>
-            <p:ph type="ftr" sz="quarter" idx="11"/>
-          </p:nvPr>
-        </p:nvSpPr>
-        <p:spPr/>
-        <p:txBody>
-          <a:bodyPr/>
-          <a:lstStyle/>
-          <a:p>
-            <a:pPr>
-              <a:defRPr/>
-            </a:pPr>
-            <a:r>
-              <a:rPr lang="en-US" altLang="en-US"/>
-              <a:t>ECE Application Programming: Lecture 8</a:t>
-            </a:r>
-          </a:p>
-        </p:txBody>
-      </p:sp>
-    </p:spTree>
-    <p:extLst>
-      <p:ext uri="{BB962C8B-B14F-4D97-AF65-F5344CB8AC3E}">
-        <p14:creationId xmlns:p14="http://schemas.microsoft.com/office/powerpoint/2010/main" val="3509288785"/>
-      </p:ext>
-    </p:extLst>
-  </p:cSld>
-  <p:clrMapOvr>
-    <a:masterClrMapping/>
-  </p:clrMapOvr>
-  <p:timing>
-    <p:tnLst>
-      <p:par>
-        <p:cTn xmlns:p14="http://schemas.microsoft.com/office/powerpoint/2010/main" id="1" dur="indefinite" restart="never" nodeType="tmRoot"/>
-      </p:par>
-    </p:tnLst>
-  </p:timing>
-</p:sld>
-</file>
-
-<file path=ppt/slides/slide15.xml><?xml version="1.0" encoding="utf-8"?>
-<p:sld xmlns:a="http://schemas.openxmlformats.org/drawingml/2006/main" xmlns:r="http://schemas.openxmlformats.org/officeDocument/2006/relationships" xmlns:p="http://schemas.openxmlformats.org/presentationml/2006/main">
-  <p:cSld>
-    <p:spTree>
-      <p:nvGrpSpPr>
-        <p:cNvPr id="1" name=""/>
-        <p:cNvGrpSpPr/>
-        <p:nvPr/>
-      </p:nvGrpSpPr>
-      <p:grpSpPr>
-        <a:xfrm>
-          <a:off x="0" y="0"/>
-          <a:ext cx="0" cy="0"/>
-          <a:chOff x="0" y="0"/>
-          <a:chExt cx="0" cy="0"/>
-        </a:xfrm>
-      </p:grpSpPr>
-      <p:sp>
-        <p:nvSpPr>
-          <p:cNvPr id="18434" name="Title 1"/>
-          <p:cNvSpPr>
-            <a:spLocks noGrp="1"/>
-          </p:cNvSpPr>
-          <p:nvPr>
-            <p:ph type="title"/>
-          </p:nvPr>
-        </p:nvSpPr>
-        <p:spPr/>
-        <p:txBody>
-          <a:bodyPr/>
-          <a:lstStyle/>
-          <a:p>
-            <a:r>
-              <a:rPr lang="en-US">
-                <a:latin typeface="Garamond" charset="0"/>
-              </a:rPr>
-              <a:t>switch/case statement</a:t>
-            </a:r>
-          </a:p>
-        </p:txBody>
-      </p:sp>
-      <p:sp>
-        <p:nvSpPr>
-          <p:cNvPr id="18435" name="Content Placeholder 5"/>
-          <p:cNvSpPr>
-            <a:spLocks noGrp="1"/>
-          </p:cNvSpPr>
-          <p:nvPr>
-            <p:ph idx="1"/>
-          </p:nvPr>
-        </p:nvSpPr>
-        <p:spPr/>
-        <p:txBody>
-          <a:bodyPr/>
-          <a:lstStyle/>
-          <a:p>
-            <a:r>
-              <a:rPr lang="en-US">
-                <a:latin typeface="Arial" charset="0"/>
-              </a:rPr>
-              <a:t>Check if </a:t>
-            </a:r>
-            <a:r>
-              <a:rPr lang="en-US">
-                <a:latin typeface="Courier New" charset="0"/>
-                <a:cs typeface="Courier New" charset="0"/>
-              </a:rPr>
-              <a:t>&lt;expression&gt;</a:t>
-            </a:r>
-            <a:r>
-              <a:rPr lang="en-US">
-                <a:latin typeface="Arial" charset="0"/>
-              </a:rPr>
-              <a:t> matches any value in case statements</a:t>
-            </a:r>
-          </a:p>
-          <a:p>
-            <a:pPr lvl="1"/>
-            <a:r>
-              <a:rPr lang="en-US">
-                <a:latin typeface="Arial" charset="0"/>
-              </a:rPr>
-              <a:t>If </a:t>
-            </a:r>
-            <a:r>
-              <a:rPr lang="en-US">
-                <a:latin typeface="Courier New" charset="0"/>
-                <a:cs typeface="Courier New" charset="0"/>
-              </a:rPr>
-              <a:t>&lt;expression&gt;</a:t>
-            </a:r>
-            <a:r>
-              <a:rPr lang="en-US">
-                <a:latin typeface="Arial" charset="0"/>
-              </a:rPr>
-              <a:t> == </a:t>
-            </a:r>
-            <a:r>
-              <a:rPr lang="en-US">
-                <a:latin typeface="Courier New" charset="0"/>
-                <a:cs typeface="Courier New" charset="0"/>
-              </a:rPr>
-              <a:t>&lt;value1&gt;</a:t>
-            </a:r>
-            <a:r>
-              <a:rPr lang="en-US">
-                <a:latin typeface="Arial" charset="0"/>
-              </a:rPr>
-              <a:t>, execute &lt;statements&gt; in that case</a:t>
-            </a:r>
-          </a:p>
-          <a:p>
-            <a:pPr lvl="1"/>
-            <a:r>
-              <a:rPr lang="en-US">
-                <a:latin typeface="Arial" charset="0"/>
-              </a:rPr>
-              <a:t>If </a:t>
-            </a:r>
-            <a:r>
-              <a:rPr lang="en-US">
-                <a:latin typeface="Courier New" charset="0"/>
-                <a:cs typeface="Courier New" charset="0"/>
-              </a:rPr>
-              <a:t>&lt;expression&gt;</a:t>
-            </a:r>
-            <a:r>
-              <a:rPr lang="en-US">
-                <a:latin typeface="Arial" charset="0"/>
-              </a:rPr>
-              <a:t> == </a:t>
-            </a:r>
-            <a:r>
-              <a:rPr lang="en-US">
-                <a:latin typeface="Courier New" charset="0"/>
-                <a:cs typeface="Courier New" charset="0"/>
-              </a:rPr>
-              <a:t>&lt;value2&gt;</a:t>
-            </a:r>
-            <a:r>
-              <a:rPr lang="en-US">
-                <a:latin typeface="Arial" charset="0"/>
-              </a:rPr>
-              <a:t>, execute &lt;statements&gt; in that case</a:t>
-            </a:r>
-          </a:p>
-          <a:p>
-            <a:r>
-              <a:rPr lang="en-US">
-                <a:latin typeface="Arial" charset="0"/>
-              </a:rPr>
-              <a:t>If </a:t>
-            </a:r>
-            <a:r>
-              <a:rPr lang="en-US">
-                <a:latin typeface="Courier New" charset="0"/>
-                <a:cs typeface="Courier New" charset="0"/>
-              </a:rPr>
-              <a:t>&lt;expression&gt;</a:t>
-            </a:r>
-            <a:r>
-              <a:rPr lang="en-US">
-                <a:latin typeface="Arial" charset="0"/>
-              </a:rPr>
-              <a:t> does not equal any of the values, go to </a:t>
-            </a:r>
-            <a:r>
-              <a:rPr lang="en-US">
-                <a:latin typeface="Courier New" charset="0"/>
-                <a:cs typeface="Courier New" charset="0"/>
-              </a:rPr>
-              <a:t>default</a:t>
-            </a:r>
-            <a:r>
-              <a:rPr lang="en-US">
-                <a:latin typeface="Arial" charset="0"/>
-              </a:rPr>
-              <a:t> case (if present)</a:t>
-            </a:r>
-          </a:p>
-        </p:txBody>
-      </p:sp>
-      <p:sp>
-        <p:nvSpPr>
-          <p:cNvPr id="3" name="Date Placeholder 2"/>
-          <p:cNvSpPr>
-            <a:spLocks noGrp="1"/>
-          </p:cNvSpPr>
-          <p:nvPr>
-            <p:ph type="dt" sz="quarter" idx="10"/>
-          </p:nvPr>
-        </p:nvSpPr>
-        <p:spPr/>
-        <p:txBody>
-          <a:bodyPr/>
-          <a:lstStyle>
-            <a:lvl1pPr eaLnBrk="0" hangingPunct="0">
-              <a:defRPr>
-                <a:solidFill>
-                  <a:schemeClr val="tx1"/>
-                </a:solidFill>
-                <a:latin typeface="Arial" charset="0"/>
-                <a:ea typeface="ＭＳ Ｐゴシック" charset="0"/>
-                <a:cs typeface="Arial" charset="0"/>
-              </a:defRPr>
-            </a:lvl1pPr>
-            <a:lvl2pPr marL="742950" indent="-285750" eaLnBrk="0" hangingPunct="0">
-              <a:defRPr>
-                <a:solidFill>
-                  <a:schemeClr val="tx1"/>
-                </a:solidFill>
-                <a:latin typeface="Arial" charset="0"/>
-                <a:ea typeface="Arial" charset="0"/>
-                <a:cs typeface="Arial" charset="0"/>
-              </a:defRPr>
-            </a:lvl2pPr>
-            <a:lvl3pPr marL="1143000" indent="-228600" eaLnBrk="0" hangingPunct="0">
-              <a:defRPr>
-                <a:solidFill>
-                  <a:schemeClr val="tx1"/>
-                </a:solidFill>
-                <a:latin typeface="Arial" charset="0"/>
-                <a:ea typeface="Arial" charset="0"/>
-                <a:cs typeface="Arial" charset="0"/>
-              </a:defRPr>
-            </a:lvl3pPr>
-            <a:lvl4pPr marL="1600200" indent="-228600" eaLnBrk="0" hangingPunct="0">
-              <a:defRPr>
-                <a:solidFill>
-                  <a:schemeClr val="tx1"/>
-                </a:solidFill>
-                <a:latin typeface="Arial" charset="0"/>
-                <a:ea typeface="Arial" charset="0"/>
-                <a:cs typeface="Arial" charset="0"/>
-              </a:defRPr>
-            </a:lvl4pPr>
-            <a:lvl5pPr marL="2057400" indent="-228600" eaLnBrk="0" hangingPunct="0">
-              <a:defRPr>
-                <a:solidFill>
-                  <a:schemeClr val="tx1"/>
-                </a:solidFill>
-                <a:latin typeface="Arial" charset="0"/>
-                <a:ea typeface="Arial" charset="0"/>
-                <a:cs typeface="Arial" charset="0"/>
-              </a:defRPr>
-            </a:lvl5pPr>
-            <a:lvl6pPr marL="2514600" indent="-228600" eaLnBrk="0" fontAlgn="base" hangingPunct="0">
-              <a:spcBef>
-                <a:spcPct val="0"/>
-              </a:spcBef>
-              <a:spcAft>
-                <a:spcPct val="0"/>
-              </a:spcAft>
-              <a:defRPr>
-                <a:solidFill>
-                  <a:schemeClr val="tx1"/>
-                </a:solidFill>
-                <a:latin typeface="Arial" charset="0"/>
-                <a:ea typeface="Arial" charset="0"/>
-                <a:cs typeface="Arial" charset="0"/>
-              </a:defRPr>
-            </a:lvl6pPr>
-            <a:lvl7pPr marL="2971800" indent="-228600" eaLnBrk="0" fontAlgn="base" hangingPunct="0">
-              <a:spcBef>
-                <a:spcPct val="0"/>
-              </a:spcBef>
-              <a:spcAft>
-                <a:spcPct val="0"/>
-              </a:spcAft>
-              <a:defRPr>
-                <a:solidFill>
-                  <a:schemeClr val="tx1"/>
-                </a:solidFill>
-                <a:latin typeface="Arial" charset="0"/>
-                <a:ea typeface="Arial" charset="0"/>
-                <a:cs typeface="Arial" charset="0"/>
-              </a:defRPr>
-            </a:lvl7pPr>
-            <a:lvl8pPr marL="3429000" indent="-228600" eaLnBrk="0" fontAlgn="base" hangingPunct="0">
-              <a:spcBef>
-                <a:spcPct val="0"/>
-              </a:spcBef>
-              <a:spcAft>
-                <a:spcPct val="0"/>
-              </a:spcAft>
-              <a:defRPr>
-                <a:solidFill>
-                  <a:schemeClr val="tx1"/>
-                </a:solidFill>
-                <a:latin typeface="Arial" charset="0"/>
-                <a:ea typeface="Arial" charset="0"/>
-                <a:cs typeface="Arial" charset="0"/>
-              </a:defRPr>
-            </a:lvl8pPr>
-            <a:lvl9pPr marL="3886200" indent="-228600" eaLnBrk="0" fontAlgn="base" hangingPunct="0">
-              <a:spcBef>
-                <a:spcPct val="0"/>
-              </a:spcBef>
-              <a:spcAft>
-                <a:spcPct val="0"/>
-              </a:spcAft>
-              <a:defRPr>
-                <a:solidFill>
-                  <a:schemeClr val="tx1"/>
-                </a:solidFill>
-                <a:latin typeface="Arial" charset="0"/>
-                <a:ea typeface="Arial" charset="0"/>
-                <a:cs typeface="Arial" charset="0"/>
-              </a:defRPr>
-            </a:lvl9pPr>
-          </a:lstStyle>
-          <a:p>
-            <a:pPr eaLnBrk="1" hangingPunct="1"/>
-            <a:fld id="{C013B4B9-9AE3-934F-9CCE-76D496C8D0BA}" type="datetime1">
-              <a:rPr lang="en-US">
-                <a:latin typeface="Garamond" charset="0"/>
-              </a:rPr>
-              <a:pPr eaLnBrk="1" hangingPunct="1"/>
-              <a:t>9/19/16</a:t>
-            </a:fld>
-            <a:endParaRPr lang="en-US">
-              <a:latin typeface="Garamond" charset="0"/>
-            </a:endParaRPr>
-          </a:p>
-        </p:txBody>
-      </p:sp>
-      <p:sp>
-        <p:nvSpPr>
-          <p:cNvPr id="4" name="Footer Placeholder 3"/>
-          <p:cNvSpPr>
-            <a:spLocks noGrp="1"/>
-          </p:cNvSpPr>
-          <p:nvPr>
-            <p:ph type="ftr" sz="quarter" idx="11"/>
-          </p:nvPr>
-        </p:nvSpPr>
-        <p:spPr/>
-        <p:txBody>
-          <a:bodyPr/>
-          <a:lstStyle/>
-          <a:p>
-            <a:pPr>
-              <a:defRPr/>
-            </a:pPr>
-            <a:r>
-              <a:rPr lang="en-US" altLang="en-US"/>
-              <a:t>ECE Application Programming: Lecture 8</a:t>
-            </a:r>
-          </a:p>
-        </p:txBody>
-      </p:sp>
-      <p:sp>
-        <p:nvSpPr>
-          <p:cNvPr id="5" name="Slide Number Placeholder 4"/>
-          <p:cNvSpPr>
-            <a:spLocks noGrp="1"/>
-          </p:cNvSpPr>
-          <p:nvPr>
-            <p:ph type="sldNum" sz="quarter" idx="12"/>
-          </p:nvPr>
-        </p:nvSpPr>
-        <p:spPr/>
-        <p:txBody>
-          <a:bodyPr/>
-          <a:lstStyle>
-            <a:lvl1pPr eaLnBrk="0" hangingPunct="0">
-              <a:defRPr>
-                <a:solidFill>
-                  <a:schemeClr val="tx1"/>
-                </a:solidFill>
-                <a:latin typeface="Arial" charset="0"/>
-                <a:ea typeface="ＭＳ Ｐゴシック" charset="0"/>
-                <a:cs typeface="Arial" charset="0"/>
-              </a:defRPr>
-            </a:lvl1pPr>
-            <a:lvl2pPr marL="742950" indent="-285750" eaLnBrk="0" hangingPunct="0">
-              <a:defRPr>
-                <a:solidFill>
-                  <a:schemeClr val="tx1"/>
-                </a:solidFill>
-                <a:latin typeface="Arial" charset="0"/>
-                <a:ea typeface="Arial" charset="0"/>
-                <a:cs typeface="Arial" charset="0"/>
-              </a:defRPr>
-            </a:lvl2pPr>
-            <a:lvl3pPr marL="1143000" indent="-228600" eaLnBrk="0" hangingPunct="0">
-              <a:defRPr>
-                <a:solidFill>
-                  <a:schemeClr val="tx1"/>
-                </a:solidFill>
-                <a:latin typeface="Arial" charset="0"/>
-                <a:ea typeface="Arial" charset="0"/>
-                <a:cs typeface="Arial" charset="0"/>
-              </a:defRPr>
-            </a:lvl3pPr>
-            <a:lvl4pPr marL="1600200" indent="-228600" eaLnBrk="0" hangingPunct="0">
-              <a:defRPr>
-                <a:solidFill>
-                  <a:schemeClr val="tx1"/>
-                </a:solidFill>
-                <a:latin typeface="Arial" charset="0"/>
-                <a:ea typeface="Arial" charset="0"/>
-                <a:cs typeface="Arial" charset="0"/>
-              </a:defRPr>
-            </a:lvl4pPr>
-            <a:lvl5pPr marL="2057400" indent="-228600" eaLnBrk="0" hangingPunct="0">
-              <a:defRPr>
-                <a:solidFill>
-                  <a:schemeClr val="tx1"/>
-                </a:solidFill>
-                <a:latin typeface="Arial" charset="0"/>
-                <a:ea typeface="Arial" charset="0"/>
-                <a:cs typeface="Arial" charset="0"/>
-              </a:defRPr>
-            </a:lvl5pPr>
-            <a:lvl6pPr marL="2514600" indent="-228600" eaLnBrk="0" fontAlgn="base" hangingPunct="0">
-              <a:spcBef>
-                <a:spcPct val="0"/>
-              </a:spcBef>
-              <a:spcAft>
-                <a:spcPct val="0"/>
-              </a:spcAft>
-              <a:defRPr>
-                <a:solidFill>
-                  <a:schemeClr val="tx1"/>
-                </a:solidFill>
-                <a:latin typeface="Arial" charset="0"/>
-                <a:ea typeface="Arial" charset="0"/>
-                <a:cs typeface="Arial" charset="0"/>
-              </a:defRPr>
-            </a:lvl6pPr>
-            <a:lvl7pPr marL="2971800" indent="-228600" eaLnBrk="0" fontAlgn="base" hangingPunct="0">
-              <a:spcBef>
-                <a:spcPct val="0"/>
-              </a:spcBef>
-              <a:spcAft>
-                <a:spcPct val="0"/>
-              </a:spcAft>
-              <a:defRPr>
-                <a:solidFill>
-                  <a:schemeClr val="tx1"/>
-                </a:solidFill>
-                <a:latin typeface="Arial" charset="0"/>
-                <a:ea typeface="Arial" charset="0"/>
-                <a:cs typeface="Arial" charset="0"/>
-              </a:defRPr>
-            </a:lvl7pPr>
-            <a:lvl8pPr marL="3429000" indent="-228600" eaLnBrk="0" fontAlgn="base" hangingPunct="0">
-              <a:spcBef>
-                <a:spcPct val="0"/>
-              </a:spcBef>
-              <a:spcAft>
-                <a:spcPct val="0"/>
-              </a:spcAft>
-              <a:defRPr>
-                <a:solidFill>
-                  <a:schemeClr val="tx1"/>
-                </a:solidFill>
-                <a:latin typeface="Arial" charset="0"/>
-                <a:ea typeface="Arial" charset="0"/>
-                <a:cs typeface="Arial" charset="0"/>
-              </a:defRPr>
-            </a:lvl8pPr>
-            <a:lvl9pPr marL="3886200" indent="-228600" eaLnBrk="0" fontAlgn="base" hangingPunct="0">
-              <a:spcBef>
-                <a:spcPct val="0"/>
-              </a:spcBef>
-              <a:spcAft>
-                <a:spcPct val="0"/>
-              </a:spcAft>
-              <a:defRPr>
-                <a:solidFill>
-                  <a:schemeClr val="tx1"/>
-                </a:solidFill>
-                <a:latin typeface="Arial" charset="0"/>
-                <a:ea typeface="Arial" charset="0"/>
-                <a:cs typeface="Arial" charset="0"/>
-              </a:defRPr>
-            </a:lvl9pPr>
-          </a:lstStyle>
-          <a:p>
-            <a:pPr eaLnBrk="1" hangingPunct="1"/>
-            <a:fld id="{9BEBCEAE-4BF6-A040-A8C5-EB8DFDA93A4D}" type="slidenum">
-              <a:rPr lang="en-US">
-                <a:latin typeface="Garamond" charset="0"/>
-              </a:rPr>
-              <a:pPr eaLnBrk="1" hangingPunct="1"/>
-              <a:t>15</a:t>
-            </a:fld>
-            <a:endParaRPr lang="en-US">
-              <a:latin typeface="Garamond" charset="0"/>
-            </a:endParaRPr>
-          </a:p>
-        </p:txBody>
-      </p:sp>
-    </p:spTree>
-    <p:extLst>
-      <p:ext uri="{BB962C8B-B14F-4D97-AF65-F5344CB8AC3E}">
-        <p14:creationId xmlns:p14="http://schemas.microsoft.com/office/powerpoint/2010/main" val="3296169786"/>
-      </p:ext>
-    </p:extLst>
-  </p:cSld>
-  <p:clrMapOvr>
-    <a:masterClrMapping/>
-  </p:clrMapOvr>
-  <p:timing>
-    <p:tnLst>
-      <p:par>
-        <p:cTn xmlns:p14="http://schemas.microsoft.com/office/powerpoint/2010/main" id="1" dur="indefinite" restart="never" nodeType="tmRoot"/>
-      </p:par>
-    </p:tnLst>
-  </p:timing>
-</p:sld>
-</file>
-
-<file path=ppt/slides/slide16.xml><?xml version="1.0" encoding="utf-8"?>
-<p:sld xmlns:a="http://schemas.openxmlformats.org/drawingml/2006/main" xmlns:r="http://schemas.openxmlformats.org/officeDocument/2006/relationships" xmlns:p="http://schemas.openxmlformats.org/presentationml/2006/main">
-  <p:cSld>
-    <p:spTree>
-      <p:nvGrpSpPr>
-        <p:cNvPr id="1" name=""/>
-        <p:cNvGrpSpPr/>
-        <p:nvPr/>
-      </p:nvGrpSpPr>
-      <p:grpSpPr>
-        <a:xfrm>
-          <a:off x="0" y="0"/>
-          <a:ext cx="0" cy="0"/>
-          <a:chOff x="0" y="0"/>
-          <a:chExt cx="0" cy="0"/>
-        </a:xfrm>
-      </p:grpSpPr>
-      <p:sp>
-        <p:nvSpPr>
-          <p:cNvPr id="19458" name="Title 1"/>
-          <p:cNvSpPr>
-            <a:spLocks noGrp="1"/>
-          </p:cNvSpPr>
-          <p:nvPr>
-            <p:ph type="title"/>
-          </p:nvPr>
-        </p:nvSpPr>
-        <p:spPr/>
-        <p:txBody>
-          <a:bodyPr/>
-          <a:lstStyle/>
-          <a:p>
-            <a:r>
-              <a:rPr lang="en-US">
-                <a:latin typeface="Garamond" charset="0"/>
-              </a:rPr>
-              <a:t>Switch statements and break</a:t>
-            </a:r>
-          </a:p>
-        </p:txBody>
-      </p:sp>
-      <p:sp>
-        <p:nvSpPr>
-          <p:cNvPr id="3" name="Content Placeholder 2"/>
-          <p:cNvSpPr>
-            <a:spLocks noGrp="1"/>
-          </p:cNvSpPr>
-          <p:nvPr>
-            <p:ph idx="1"/>
-          </p:nvPr>
-        </p:nvSpPr>
-        <p:spPr/>
-        <p:txBody>
-          <a:bodyPr>
-            <a:normAutofit/>
-          </a:bodyPr>
-          <a:lstStyle/>
-          <a:p>
-            <a:pPr>
-              <a:lnSpc>
-                <a:spcPct val="80000"/>
-              </a:lnSpc>
-            </a:pPr>
-            <a:r>
-              <a:rPr lang="en-US" sz="2100">
-                <a:latin typeface="Arial" charset="0"/>
-              </a:rPr>
-              <a:t>Each </a:t>
-            </a:r>
-            <a:r>
-              <a:rPr lang="en-US" sz="2100">
-                <a:latin typeface="Courier New" charset="0"/>
-                <a:cs typeface="Courier New" charset="0"/>
-              </a:rPr>
-              <a:t>case</a:t>
-            </a:r>
-            <a:r>
-              <a:rPr lang="en-US" sz="2100">
-                <a:latin typeface="Arial" charset="0"/>
-              </a:rPr>
-              <a:t> is just a starting point—</a:t>
-            </a:r>
-            <a:r>
-              <a:rPr lang="en-US" sz="2100">
-                <a:latin typeface="Courier New" charset="0"/>
-                <a:cs typeface="Courier New" charset="0"/>
-              </a:rPr>
-              <a:t>switch</a:t>
-            </a:r>
-            <a:r>
-              <a:rPr lang="en-US" sz="2100">
-                <a:latin typeface="Arial" charset="0"/>
-              </a:rPr>
-              <a:t> does </a:t>
-            </a:r>
-            <a:r>
-              <a:rPr lang="en-US" sz="2100" u="sng">
-                <a:latin typeface="Arial" charset="0"/>
-              </a:rPr>
-              <a:t>not</a:t>
-            </a:r>
-            <a:r>
-              <a:rPr lang="en-US" sz="2100">
-                <a:latin typeface="Arial" charset="0"/>
-              </a:rPr>
-              <a:t> automatically skip other cases!</a:t>
-            </a:r>
-          </a:p>
-          <a:p>
-            <a:pPr>
-              <a:lnSpc>
-                <a:spcPct val="80000"/>
-              </a:lnSpc>
-            </a:pPr>
-            <a:r>
-              <a:rPr lang="en-US" sz="2100">
-                <a:latin typeface="Arial" charset="0"/>
-              </a:rPr>
-              <a:t>Example:</a:t>
-            </a:r>
-          </a:p>
-          <a:p>
-            <a:pPr>
-              <a:lnSpc>
-                <a:spcPct val="80000"/>
-              </a:lnSpc>
-              <a:buFont typeface="Wingdings" charset="0"/>
-              <a:buNone/>
-            </a:pPr>
-            <a:r>
-              <a:rPr lang="en-US" sz="2100">
-                <a:latin typeface="Arial" charset="0"/>
-              </a:rPr>
-              <a:t>	</a:t>
-            </a:r>
-            <a:r>
-              <a:rPr lang="en-US" sz="2100">
-                <a:latin typeface="Courier New" charset="0"/>
-                <a:cs typeface="Courier New" charset="0"/>
-              </a:rPr>
-              <a:t>switch (x) {</a:t>
-            </a:r>
-          </a:p>
-          <a:p>
-            <a:pPr>
-              <a:lnSpc>
-                <a:spcPct val="80000"/>
-              </a:lnSpc>
-              <a:buFont typeface="Wingdings" charset="0"/>
-              <a:buNone/>
-            </a:pPr>
-            <a:r>
-              <a:rPr lang="en-US" sz="2100">
-                <a:latin typeface="Courier New" charset="0"/>
-                <a:cs typeface="Courier New" charset="0"/>
-              </a:rPr>
-              <a:t>	case 0:</a:t>
-            </a:r>
-          </a:p>
-          <a:p>
-            <a:pPr>
-              <a:lnSpc>
-                <a:spcPct val="80000"/>
-              </a:lnSpc>
-              <a:buFont typeface="Wingdings" charset="0"/>
-              <a:buNone/>
-            </a:pPr>
-            <a:r>
-              <a:rPr lang="en-US" sz="2100">
-                <a:latin typeface="Courier New" charset="0"/>
-                <a:cs typeface="Courier New" charset="0"/>
-              </a:rPr>
-              <a:t>		x = 3;</a:t>
-            </a:r>
-          </a:p>
-          <a:p>
-            <a:pPr>
-              <a:lnSpc>
-                <a:spcPct val="80000"/>
-              </a:lnSpc>
-              <a:buFont typeface="Wingdings" charset="0"/>
-              <a:buNone/>
-            </a:pPr>
-            <a:r>
-              <a:rPr lang="en-US" sz="2100">
-                <a:latin typeface="Courier New" charset="0"/>
-                <a:cs typeface="Courier New" charset="0"/>
-              </a:rPr>
-              <a:t>	case 1:</a:t>
-            </a:r>
-          </a:p>
-          <a:p>
-            <a:pPr>
-              <a:lnSpc>
-                <a:spcPct val="80000"/>
-              </a:lnSpc>
-              <a:buFont typeface="Wingdings" charset="0"/>
-              <a:buNone/>
-            </a:pPr>
-            <a:r>
-              <a:rPr lang="en-US" sz="2100">
-                <a:latin typeface="Courier New" charset="0"/>
-                <a:cs typeface="Courier New" charset="0"/>
-              </a:rPr>
-              <a:t>		x = x * 4;</a:t>
-            </a:r>
-          </a:p>
-          <a:p>
-            <a:pPr>
-              <a:lnSpc>
-                <a:spcPct val="80000"/>
-              </a:lnSpc>
-              <a:buFont typeface="Wingdings" charset="0"/>
-              <a:buNone/>
-            </a:pPr>
-            <a:r>
-              <a:rPr lang="en-US" sz="2100">
-                <a:latin typeface="Courier New" charset="0"/>
-                <a:cs typeface="Courier New" charset="0"/>
-              </a:rPr>
-              <a:t>	default:</a:t>
-            </a:r>
-          </a:p>
-          <a:p>
-            <a:pPr>
-              <a:lnSpc>
-                <a:spcPct val="80000"/>
-              </a:lnSpc>
-              <a:buFont typeface="Wingdings" charset="0"/>
-              <a:buNone/>
-            </a:pPr>
-            <a:r>
-              <a:rPr lang="en-US" sz="2100">
-                <a:latin typeface="Courier New" charset="0"/>
-                <a:cs typeface="Courier New" charset="0"/>
-              </a:rPr>
-              <a:t>		x = x – 1;</a:t>
-            </a:r>
-          </a:p>
-          <a:p>
-            <a:pPr>
-              <a:lnSpc>
-                <a:spcPct val="80000"/>
-              </a:lnSpc>
-              <a:buFont typeface="Wingdings" charset="0"/>
-              <a:buNone/>
-            </a:pPr>
-            <a:r>
-              <a:rPr lang="en-US" sz="2100">
-                <a:latin typeface="Courier New" charset="0"/>
-                <a:cs typeface="Courier New" charset="0"/>
-              </a:rPr>
-              <a:t>	}</a:t>
-            </a:r>
-          </a:p>
-          <a:p>
-            <a:pPr>
-              <a:lnSpc>
-                <a:spcPct val="80000"/>
-              </a:lnSpc>
-            </a:pPr>
-            <a:r>
-              <a:rPr lang="en-US" sz="2100">
-                <a:latin typeface="Arial" charset="0"/>
-                <a:cs typeface="Courier New" charset="0"/>
-              </a:rPr>
-              <a:t>If x == 0:</a:t>
-            </a:r>
-          </a:p>
-          <a:p>
-            <a:pPr lvl="1">
-              <a:lnSpc>
-                <a:spcPct val="80000"/>
-              </a:lnSpc>
-            </a:pPr>
-            <a:r>
-              <a:rPr lang="en-US" sz="1800">
-                <a:latin typeface="Arial" charset="0"/>
-                <a:cs typeface="Courier New" charset="0"/>
-              </a:rPr>
-              <a:t>Start at </a:t>
-            </a:r>
-            <a:r>
-              <a:rPr lang="en-US" sz="1800">
-                <a:latin typeface="Courier New" charset="0"/>
-                <a:cs typeface="Courier New" charset="0"/>
-              </a:rPr>
-              <a:t>case 0</a:t>
-            </a:r>
-            <a:r>
-              <a:rPr lang="en-US" sz="1800">
-                <a:latin typeface="Arial" charset="0"/>
-                <a:cs typeface="Courier New" charset="0"/>
-              </a:rPr>
-              <a:t> </a:t>
-            </a:r>
-            <a:r>
-              <a:rPr lang="en-US" sz="1800">
-                <a:latin typeface="Arial" charset="0"/>
-                <a:cs typeface="Courier New" charset="0"/>
-                <a:sym typeface="Wingdings" charset="0"/>
-              </a:rPr>
-              <a:t> </a:t>
-            </a:r>
-            <a:r>
-              <a:rPr lang="en-US" sz="1800">
-                <a:latin typeface="Courier New" charset="0"/>
-                <a:cs typeface="Courier New" charset="0"/>
-                <a:sym typeface="Wingdings" charset="0"/>
-              </a:rPr>
-              <a:t>x = 3;</a:t>
-            </a:r>
-          </a:p>
-          <a:p>
-            <a:pPr lvl="1">
-              <a:lnSpc>
-                <a:spcPct val="80000"/>
-              </a:lnSpc>
-            </a:pPr>
-            <a:r>
-              <a:rPr lang="en-US" sz="1800">
-                <a:latin typeface="Arial" charset="0"/>
-                <a:cs typeface="Courier New" charset="0"/>
-                <a:sym typeface="Wingdings" charset="0"/>
-              </a:rPr>
-              <a:t>Then, go to </a:t>
-            </a:r>
-            <a:r>
-              <a:rPr lang="en-US" sz="1800">
-                <a:latin typeface="Courier New" charset="0"/>
-                <a:cs typeface="Courier New" charset="0"/>
-                <a:sym typeface="Wingdings" charset="0"/>
-              </a:rPr>
-              <a:t>case 1</a:t>
-            </a:r>
-            <a:r>
-              <a:rPr lang="en-US" sz="1800">
-                <a:latin typeface="Arial" charset="0"/>
-                <a:cs typeface="Courier New" charset="0"/>
-                <a:sym typeface="Wingdings" charset="0"/>
-              </a:rPr>
-              <a:t>  </a:t>
-            </a:r>
-            <a:r>
-              <a:rPr lang="en-US" sz="1800">
-                <a:latin typeface="Courier New" charset="0"/>
-                <a:cs typeface="Courier New" charset="0"/>
-                <a:sym typeface="Wingdings" charset="0"/>
-              </a:rPr>
-              <a:t>x = x * 4 = 3 * 4 = 12</a:t>
-            </a:r>
-          </a:p>
-          <a:p>
-            <a:pPr lvl="1">
-              <a:lnSpc>
-                <a:spcPct val="80000"/>
-              </a:lnSpc>
-            </a:pPr>
-            <a:r>
-              <a:rPr lang="en-US" sz="1800">
-                <a:latin typeface="Arial" charset="0"/>
-                <a:cs typeface="Courier New" charset="0"/>
-              </a:rPr>
-              <a:t>Then, go to </a:t>
-            </a:r>
-            <a:r>
-              <a:rPr lang="en-US" sz="1800">
-                <a:latin typeface="Courier New" charset="0"/>
-                <a:cs typeface="Courier New" charset="0"/>
-              </a:rPr>
-              <a:t>default</a:t>
-            </a:r>
-            <a:r>
-              <a:rPr lang="en-US" sz="1800">
-                <a:latin typeface="Arial" charset="0"/>
-                <a:cs typeface="Courier New" charset="0"/>
-              </a:rPr>
-              <a:t>: </a:t>
-            </a:r>
-            <a:r>
-              <a:rPr lang="en-US" sz="1800">
-                <a:latin typeface="Arial" charset="0"/>
-                <a:cs typeface="Courier New" charset="0"/>
-                <a:sym typeface="Wingdings" charset="0"/>
-              </a:rPr>
-              <a:t> </a:t>
-            </a:r>
-            <a:r>
-              <a:rPr lang="en-US" sz="1800">
-                <a:latin typeface="Courier New" charset="0"/>
-                <a:cs typeface="Courier New" charset="0"/>
-                <a:sym typeface="Wingdings" charset="0"/>
-              </a:rPr>
-              <a:t>x = x – 1 = 12 – 1 = 11</a:t>
-            </a:r>
-            <a:r>
-              <a:rPr lang="en-US" sz="1800">
-                <a:latin typeface="Arial" charset="0"/>
-              </a:rPr>
-              <a:t>	</a:t>
-            </a:r>
-          </a:p>
-        </p:txBody>
-      </p:sp>
-      <p:sp>
-        <p:nvSpPr>
-          <p:cNvPr id="4" name="Date Placeholder 3"/>
-          <p:cNvSpPr>
-            <a:spLocks noGrp="1"/>
-          </p:cNvSpPr>
-          <p:nvPr>
-            <p:ph type="dt" sz="quarter" idx="10"/>
-          </p:nvPr>
-        </p:nvSpPr>
-        <p:spPr/>
-        <p:txBody>
-          <a:bodyPr/>
-          <a:lstStyle>
-            <a:lvl1pPr eaLnBrk="0" hangingPunct="0">
-              <a:defRPr>
-                <a:solidFill>
-                  <a:schemeClr val="tx1"/>
-                </a:solidFill>
-                <a:latin typeface="Arial" charset="0"/>
-                <a:ea typeface="ＭＳ Ｐゴシック" charset="0"/>
-                <a:cs typeface="Arial" charset="0"/>
-              </a:defRPr>
-            </a:lvl1pPr>
-            <a:lvl2pPr marL="742950" indent="-285750" eaLnBrk="0" hangingPunct="0">
-              <a:defRPr>
-                <a:solidFill>
-                  <a:schemeClr val="tx1"/>
-                </a:solidFill>
-                <a:latin typeface="Arial" charset="0"/>
-                <a:ea typeface="Arial" charset="0"/>
-                <a:cs typeface="Arial" charset="0"/>
-              </a:defRPr>
-            </a:lvl2pPr>
-            <a:lvl3pPr marL="1143000" indent="-228600" eaLnBrk="0" hangingPunct="0">
-              <a:defRPr>
-                <a:solidFill>
-                  <a:schemeClr val="tx1"/>
-                </a:solidFill>
-                <a:latin typeface="Arial" charset="0"/>
-                <a:ea typeface="Arial" charset="0"/>
-                <a:cs typeface="Arial" charset="0"/>
-              </a:defRPr>
-            </a:lvl3pPr>
-            <a:lvl4pPr marL="1600200" indent="-228600" eaLnBrk="0" hangingPunct="0">
-              <a:defRPr>
-                <a:solidFill>
-                  <a:schemeClr val="tx1"/>
-                </a:solidFill>
-                <a:latin typeface="Arial" charset="0"/>
-                <a:ea typeface="Arial" charset="0"/>
-                <a:cs typeface="Arial" charset="0"/>
-              </a:defRPr>
-            </a:lvl4pPr>
-            <a:lvl5pPr marL="2057400" indent="-228600" eaLnBrk="0" hangingPunct="0">
-              <a:defRPr>
-                <a:solidFill>
-                  <a:schemeClr val="tx1"/>
-                </a:solidFill>
-                <a:latin typeface="Arial" charset="0"/>
-                <a:ea typeface="Arial" charset="0"/>
-                <a:cs typeface="Arial" charset="0"/>
-              </a:defRPr>
-            </a:lvl5pPr>
-            <a:lvl6pPr marL="2514600" indent="-228600" eaLnBrk="0" fontAlgn="base" hangingPunct="0">
-              <a:spcBef>
-                <a:spcPct val="0"/>
-              </a:spcBef>
-              <a:spcAft>
-                <a:spcPct val="0"/>
-              </a:spcAft>
-              <a:defRPr>
-                <a:solidFill>
-                  <a:schemeClr val="tx1"/>
-                </a:solidFill>
-                <a:latin typeface="Arial" charset="0"/>
-                <a:ea typeface="Arial" charset="0"/>
-                <a:cs typeface="Arial" charset="0"/>
-              </a:defRPr>
-            </a:lvl6pPr>
-            <a:lvl7pPr marL="2971800" indent="-228600" eaLnBrk="0" fontAlgn="base" hangingPunct="0">
-              <a:spcBef>
-                <a:spcPct val="0"/>
-              </a:spcBef>
-              <a:spcAft>
-                <a:spcPct val="0"/>
-              </a:spcAft>
-              <a:defRPr>
-                <a:solidFill>
-                  <a:schemeClr val="tx1"/>
-                </a:solidFill>
-                <a:latin typeface="Arial" charset="0"/>
-                <a:ea typeface="Arial" charset="0"/>
-                <a:cs typeface="Arial" charset="0"/>
-              </a:defRPr>
-            </a:lvl7pPr>
-            <a:lvl8pPr marL="3429000" indent="-228600" eaLnBrk="0" fontAlgn="base" hangingPunct="0">
-              <a:spcBef>
-                <a:spcPct val="0"/>
-              </a:spcBef>
-              <a:spcAft>
-                <a:spcPct val="0"/>
-              </a:spcAft>
-              <a:defRPr>
-                <a:solidFill>
-                  <a:schemeClr val="tx1"/>
-                </a:solidFill>
-                <a:latin typeface="Arial" charset="0"/>
-                <a:ea typeface="Arial" charset="0"/>
-                <a:cs typeface="Arial" charset="0"/>
-              </a:defRPr>
-            </a:lvl8pPr>
-            <a:lvl9pPr marL="3886200" indent="-228600" eaLnBrk="0" fontAlgn="base" hangingPunct="0">
-              <a:spcBef>
-                <a:spcPct val="0"/>
-              </a:spcBef>
-              <a:spcAft>
-                <a:spcPct val="0"/>
-              </a:spcAft>
-              <a:defRPr>
-                <a:solidFill>
-                  <a:schemeClr val="tx1"/>
-                </a:solidFill>
-                <a:latin typeface="Arial" charset="0"/>
-                <a:ea typeface="Arial" charset="0"/>
-                <a:cs typeface="Arial" charset="0"/>
-              </a:defRPr>
-            </a:lvl9pPr>
-          </a:lstStyle>
-          <a:p>
-            <a:pPr eaLnBrk="1" hangingPunct="1"/>
-            <a:fld id="{0470048A-E2EE-5E4E-8807-67F710CA68D9}" type="datetime1">
-              <a:rPr lang="en-US">
-                <a:latin typeface="Garamond" charset="0"/>
-              </a:rPr>
-              <a:pPr eaLnBrk="1" hangingPunct="1"/>
-              <a:t>9/19/16</a:t>
-            </a:fld>
-            <a:endParaRPr lang="en-US">
-              <a:latin typeface="Garamond" charset="0"/>
-            </a:endParaRPr>
-          </a:p>
-        </p:txBody>
-      </p:sp>
-      <p:sp>
-        <p:nvSpPr>
-          <p:cNvPr id="5" name="Footer Placeholder 4"/>
-          <p:cNvSpPr>
-            <a:spLocks noGrp="1"/>
-          </p:cNvSpPr>
-          <p:nvPr>
-            <p:ph type="ftr" sz="quarter" idx="11"/>
-          </p:nvPr>
-        </p:nvSpPr>
-        <p:spPr/>
-        <p:txBody>
-          <a:bodyPr/>
-          <a:lstStyle/>
-          <a:p>
-            <a:pPr>
-              <a:defRPr/>
-            </a:pPr>
-            <a:r>
-              <a:rPr lang="en-US" altLang="en-US"/>
-              <a:t>ECE Application Programming: Lecture 8</a:t>
-            </a:r>
-          </a:p>
-        </p:txBody>
-      </p:sp>
-      <p:sp>
-        <p:nvSpPr>
-          <p:cNvPr id="6" name="Slide Number Placeholder 5"/>
-          <p:cNvSpPr>
-            <a:spLocks noGrp="1"/>
-          </p:cNvSpPr>
-          <p:nvPr>
-            <p:ph type="sldNum" sz="quarter" idx="12"/>
-          </p:nvPr>
-        </p:nvSpPr>
-        <p:spPr/>
-        <p:txBody>
-          <a:bodyPr/>
-          <a:lstStyle>
-            <a:lvl1pPr eaLnBrk="0" hangingPunct="0">
-              <a:defRPr>
-                <a:solidFill>
-                  <a:schemeClr val="tx1"/>
-                </a:solidFill>
-                <a:latin typeface="Arial" charset="0"/>
-                <a:ea typeface="ＭＳ Ｐゴシック" charset="0"/>
-                <a:cs typeface="Arial" charset="0"/>
-              </a:defRPr>
-            </a:lvl1pPr>
-            <a:lvl2pPr marL="742950" indent="-285750" eaLnBrk="0" hangingPunct="0">
-              <a:defRPr>
-                <a:solidFill>
-                  <a:schemeClr val="tx1"/>
-                </a:solidFill>
-                <a:latin typeface="Arial" charset="0"/>
-                <a:ea typeface="Arial" charset="0"/>
-                <a:cs typeface="Arial" charset="0"/>
-              </a:defRPr>
-            </a:lvl2pPr>
-            <a:lvl3pPr marL="1143000" indent="-228600" eaLnBrk="0" hangingPunct="0">
-              <a:defRPr>
-                <a:solidFill>
-                  <a:schemeClr val="tx1"/>
-                </a:solidFill>
-                <a:latin typeface="Arial" charset="0"/>
-                <a:ea typeface="Arial" charset="0"/>
-                <a:cs typeface="Arial" charset="0"/>
-              </a:defRPr>
-            </a:lvl3pPr>
-            <a:lvl4pPr marL="1600200" indent="-228600" eaLnBrk="0" hangingPunct="0">
-              <a:defRPr>
-                <a:solidFill>
-                  <a:schemeClr val="tx1"/>
-                </a:solidFill>
-                <a:latin typeface="Arial" charset="0"/>
-                <a:ea typeface="Arial" charset="0"/>
-                <a:cs typeface="Arial" charset="0"/>
-              </a:defRPr>
-            </a:lvl4pPr>
-            <a:lvl5pPr marL="2057400" indent="-228600" eaLnBrk="0" hangingPunct="0">
-              <a:defRPr>
-                <a:solidFill>
-                  <a:schemeClr val="tx1"/>
-                </a:solidFill>
-                <a:latin typeface="Arial" charset="0"/>
-                <a:ea typeface="Arial" charset="0"/>
-                <a:cs typeface="Arial" charset="0"/>
-              </a:defRPr>
-            </a:lvl5pPr>
-            <a:lvl6pPr marL="2514600" indent="-228600" eaLnBrk="0" fontAlgn="base" hangingPunct="0">
-              <a:spcBef>
-                <a:spcPct val="0"/>
-              </a:spcBef>
-              <a:spcAft>
-                <a:spcPct val="0"/>
-              </a:spcAft>
-              <a:defRPr>
-                <a:solidFill>
-                  <a:schemeClr val="tx1"/>
-                </a:solidFill>
-                <a:latin typeface="Arial" charset="0"/>
-                <a:ea typeface="Arial" charset="0"/>
-                <a:cs typeface="Arial" charset="0"/>
-              </a:defRPr>
-            </a:lvl6pPr>
-            <a:lvl7pPr marL="2971800" indent="-228600" eaLnBrk="0" fontAlgn="base" hangingPunct="0">
-              <a:spcBef>
-                <a:spcPct val="0"/>
-              </a:spcBef>
-              <a:spcAft>
-                <a:spcPct val="0"/>
-              </a:spcAft>
-              <a:defRPr>
-                <a:solidFill>
-                  <a:schemeClr val="tx1"/>
-                </a:solidFill>
-                <a:latin typeface="Arial" charset="0"/>
-                <a:ea typeface="Arial" charset="0"/>
-                <a:cs typeface="Arial" charset="0"/>
-              </a:defRPr>
-            </a:lvl7pPr>
-            <a:lvl8pPr marL="3429000" indent="-228600" eaLnBrk="0" fontAlgn="base" hangingPunct="0">
-              <a:spcBef>
-                <a:spcPct val="0"/>
-              </a:spcBef>
-              <a:spcAft>
-                <a:spcPct val="0"/>
-              </a:spcAft>
-              <a:defRPr>
-                <a:solidFill>
-                  <a:schemeClr val="tx1"/>
-                </a:solidFill>
-                <a:latin typeface="Arial" charset="0"/>
-                <a:ea typeface="Arial" charset="0"/>
-                <a:cs typeface="Arial" charset="0"/>
-              </a:defRPr>
-            </a:lvl8pPr>
-            <a:lvl9pPr marL="3886200" indent="-228600" eaLnBrk="0" fontAlgn="base" hangingPunct="0">
-              <a:spcBef>
-                <a:spcPct val="0"/>
-              </a:spcBef>
-              <a:spcAft>
-                <a:spcPct val="0"/>
-              </a:spcAft>
-              <a:defRPr>
-                <a:solidFill>
-                  <a:schemeClr val="tx1"/>
-                </a:solidFill>
-                <a:latin typeface="Arial" charset="0"/>
-                <a:ea typeface="Arial" charset="0"/>
-                <a:cs typeface="Arial" charset="0"/>
-              </a:defRPr>
-            </a:lvl9pPr>
-          </a:lstStyle>
-          <a:p>
-            <a:pPr eaLnBrk="1" hangingPunct="1"/>
-            <a:fld id="{407CC019-910E-0F4E-8EB5-A28D37561D95}" type="slidenum">
-              <a:rPr lang="en-US">
-                <a:latin typeface="Garamond" charset="0"/>
-              </a:rPr>
-              <a:pPr eaLnBrk="1" hangingPunct="1"/>
-              <a:t>16</a:t>
-            </a:fld>
-            <a:endParaRPr lang="en-US">
-              <a:latin typeface="Garamond" charset="0"/>
-            </a:endParaRPr>
-          </a:p>
-        </p:txBody>
-      </p:sp>
-    </p:spTree>
-    <p:extLst>
-      <p:ext uri="{BB962C8B-B14F-4D97-AF65-F5344CB8AC3E}">
-        <p14:creationId xmlns:p14="http://schemas.microsoft.com/office/powerpoint/2010/main" val="4083699629"/>
-      </p:ext>
-    </p:extLst>
-  </p:cSld>
-  <p:clrMapOvr>
-    <a:masterClrMapping/>
-  </p:clrMapOvr>
-  <p:timing>
-    <p:tnLst>
-      <p:par>
-        <p:cTn xmlns:p14="http://schemas.microsoft.com/office/powerpoint/2010/main" id="1" dur="indefinite" restart="never" nodeType="tmRoot"/>
-      </p:par>
-    </p:tnLst>
-  </p:timing>
-</p:sld>
-</file>
-
-<file path=ppt/slides/slide17.xml><?xml version="1.0" encoding="utf-8"?>
-<p:sld xmlns:a="http://schemas.openxmlformats.org/drawingml/2006/main" xmlns:r="http://schemas.openxmlformats.org/officeDocument/2006/relationships" xmlns:p="http://schemas.openxmlformats.org/presentationml/2006/main">
-  <p:cSld>
-    <p:spTree>
-      <p:nvGrpSpPr>
-        <p:cNvPr id="1" name=""/>
-        <p:cNvGrpSpPr/>
-        <p:nvPr/>
-      </p:nvGrpSpPr>
-      <p:grpSpPr>
-        <a:xfrm>
-          <a:off x="0" y="0"/>
-          <a:ext cx="0" cy="0"/>
-          <a:chOff x="0" y="0"/>
-          <a:chExt cx="0" cy="0"/>
-        </a:xfrm>
-      </p:grpSpPr>
-      <p:sp>
-        <p:nvSpPr>
-          <p:cNvPr id="20482" name="Title 1"/>
-          <p:cNvSpPr>
-            <a:spLocks noGrp="1"/>
-          </p:cNvSpPr>
-          <p:nvPr>
-            <p:ph type="title"/>
-          </p:nvPr>
-        </p:nvSpPr>
-        <p:spPr/>
-        <p:txBody>
-          <a:bodyPr/>
-          <a:lstStyle/>
-          <a:p>
-            <a:r>
-              <a:rPr lang="en-US">
-                <a:latin typeface="Garamond" charset="0"/>
-              </a:rPr>
-              <a:t>Switch statements and break</a:t>
-            </a:r>
-          </a:p>
-        </p:txBody>
-      </p:sp>
-      <p:sp>
-        <p:nvSpPr>
-          <p:cNvPr id="3" name="Content Placeholder 2"/>
-          <p:cNvSpPr>
-            <a:spLocks noGrp="1"/>
-          </p:cNvSpPr>
-          <p:nvPr>
-            <p:ph idx="1"/>
-          </p:nvPr>
-        </p:nvSpPr>
-        <p:spPr/>
-        <p:txBody>
-          <a:bodyPr>
-            <a:normAutofit/>
-          </a:bodyPr>
-          <a:lstStyle/>
-          <a:p>
-            <a:pPr>
-              <a:lnSpc>
-                <a:spcPct val="80000"/>
-              </a:lnSpc>
-            </a:pPr>
-            <a:r>
-              <a:rPr lang="en-US" sz="2300">
-                <a:latin typeface="Arial" charset="0"/>
-              </a:rPr>
-              <a:t>Use </a:t>
-            </a:r>
-            <a:r>
-              <a:rPr lang="en-US" sz="2300">
-                <a:latin typeface="Courier New" charset="0"/>
-                <a:cs typeface="Courier New" charset="0"/>
-              </a:rPr>
-              <a:t>break</a:t>
-            </a:r>
-            <a:r>
-              <a:rPr lang="en-US" sz="2300">
-                <a:latin typeface="Arial" charset="0"/>
-              </a:rPr>
-              <a:t> to exit at end of case</a:t>
-            </a:r>
-          </a:p>
-          <a:p>
-            <a:pPr lvl="1">
-              <a:lnSpc>
-                <a:spcPct val="80000"/>
-              </a:lnSpc>
-            </a:pPr>
-            <a:r>
-              <a:rPr lang="en-US" sz="2000">
-                <a:latin typeface="Arial" charset="0"/>
-              </a:rPr>
-              <a:t>You may not always want to use </a:t>
-            </a:r>
-            <a:r>
-              <a:rPr lang="en-US" sz="2000">
-                <a:latin typeface="Courier New" charset="0"/>
-                <a:cs typeface="Courier New" charset="0"/>
-              </a:rPr>
-              <a:t>break</a:t>
-            </a:r>
-            <a:r>
-              <a:rPr lang="en-US" sz="2000">
-                <a:latin typeface="Arial" charset="0"/>
-              </a:rPr>
-              <a:t>—will see examples later</a:t>
-            </a:r>
-          </a:p>
-          <a:p>
-            <a:pPr>
-              <a:lnSpc>
-                <a:spcPct val="80000"/>
-              </a:lnSpc>
-            </a:pPr>
-            <a:r>
-              <a:rPr lang="en-US" sz="2300">
-                <a:latin typeface="Arial" charset="0"/>
-              </a:rPr>
-              <a:t>Rewriting previous example:</a:t>
-            </a:r>
-          </a:p>
-          <a:p>
-            <a:pPr>
-              <a:lnSpc>
-                <a:spcPct val="80000"/>
-              </a:lnSpc>
-              <a:buFont typeface="Wingdings" charset="0"/>
-              <a:buNone/>
-            </a:pPr>
-            <a:r>
-              <a:rPr lang="en-US" sz="2300">
-                <a:latin typeface="Arial" charset="0"/>
-              </a:rPr>
-              <a:t>	</a:t>
-            </a:r>
-            <a:r>
-              <a:rPr lang="en-US" sz="2300">
-                <a:latin typeface="Courier New" charset="0"/>
-                <a:cs typeface="Courier New" charset="0"/>
-              </a:rPr>
-              <a:t>switch (x) {</a:t>
-            </a:r>
-          </a:p>
-          <a:p>
-            <a:pPr>
-              <a:lnSpc>
-                <a:spcPct val="80000"/>
-              </a:lnSpc>
-              <a:buFont typeface="Wingdings" charset="0"/>
-              <a:buNone/>
-            </a:pPr>
-            <a:r>
-              <a:rPr lang="en-US" sz="2300">
-                <a:latin typeface="Courier New" charset="0"/>
-                <a:cs typeface="Courier New" charset="0"/>
-              </a:rPr>
-              <a:t>	case 0:</a:t>
-            </a:r>
-          </a:p>
-          <a:p>
-            <a:pPr>
-              <a:lnSpc>
-                <a:spcPct val="80000"/>
-              </a:lnSpc>
-              <a:buFont typeface="Wingdings" charset="0"/>
-              <a:buNone/>
-            </a:pPr>
-            <a:r>
-              <a:rPr lang="en-US" sz="2300">
-                <a:latin typeface="Courier New" charset="0"/>
-                <a:cs typeface="Courier New" charset="0"/>
-              </a:rPr>
-              <a:t>		x = 3;</a:t>
-            </a:r>
-          </a:p>
-          <a:p>
-            <a:pPr>
-              <a:lnSpc>
-                <a:spcPct val="80000"/>
-              </a:lnSpc>
-              <a:buFont typeface="Wingdings" charset="0"/>
-              <a:buNone/>
-            </a:pPr>
-            <a:r>
-              <a:rPr lang="en-US" sz="2300">
-                <a:latin typeface="Courier New" charset="0"/>
-                <a:cs typeface="Courier New" charset="0"/>
-              </a:rPr>
-              <a:t>		</a:t>
-            </a:r>
-            <a:r>
-              <a:rPr lang="en-US" sz="2300" b="1">
-                <a:solidFill>
-                  <a:srgbClr val="FF0000"/>
-                </a:solidFill>
-                <a:latin typeface="Courier New" charset="0"/>
-                <a:cs typeface="Courier New" charset="0"/>
-              </a:rPr>
-              <a:t>break;</a:t>
-            </a:r>
-          </a:p>
-          <a:p>
-            <a:pPr>
-              <a:lnSpc>
-                <a:spcPct val="80000"/>
-              </a:lnSpc>
-              <a:buFont typeface="Wingdings" charset="0"/>
-              <a:buNone/>
-            </a:pPr>
-            <a:r>
-              <a:rPr lang="en-US" sz="2300">
-                <a:latin typeface="Courier New" charset="0"/>
-                <a:cs typeface="Courier New" charset="0"/>
-              </a:rPr>
-              <a:t>	case 1:</a:t>
-            </a:r>
-          </a:p>
-          <a:p>
-            <a:pPr>
-              <a:lnSpc>
-                <a:spcPct val="80000"/>
-              </a:lnSpc>
-              <a:buFont typeface="Wingdings" charset="0"/>
-              <a:buNone/>
-            </a:pPr>
-            <a:r>
-              <a:rPr lang="en-US" sz="2300">
-                <a:latin typeface="Courier New" charset="0"/>
-                <a:cs typeface="Courier New" charset="0"/>
-              </a:rPr>
-              <a:t>		x = x * 4;</a:t>
-            </a:r>
-          </a:p>
-          <a:p>
-            <a:pPr>
-              <a:lnSpc>
-                <a:spcPct val="80000"/>
-              </a:lnSpc>
-              <a:buFont typeface="Wingdings" charset="0"/>
-              <a:buNone/>
-            </a:pPr>
-            <a:r>
-              <a:rPr lang="en-US" sz="2300">
-                <a:latin typeface="Courier New" charset="0"/>
-                <a:cs typeface="Courier New" charset="0"/>
-              </a:rPr>
-              <a:t>		</a:t>
-            </a:r>
-            <a:r>
-              <a:rPr lang="en-US" sz="2300" b="1">
-                <a:solidFill>
-                  <a:srgbClr val="FF0000"/>
-                </a:solidFill>
-                <a:latin typeface="Courier New" charset="0"/>
-                <a:cs typeface="Courier New" charset="0"/>
-              </a:rPr>
-              <a:t>break;</a:t>
-            </a:r>
-            <a:endParaRPr lang="en-US" sz="2300">
-              <a:latin typeface="Courier New" charset="0"/>
-              <a:cs typeface="Courier New" charset="0"/>
-            </a:endParaRPr>
-          </a:p>
-          <a:p>
-            <a:pPr>
-              <a:lnSpc>
-                <a:spcPct val="80000"/>
-              </a:lnSpc>
-              <a:buFont typeface="Wingdings" charset="0"/>
-              <a:buNone/>
-            </a:pPr>
-            <a:r>
-              <a:rPr lang="en-US" sz="2300">
-                <a:latin typeface="Courier New" charset="0"/>
-                <a:cs typeface="Courier New" charset="0"/>
-              </a:rPr>
-              <a:t>	default:</a:t>
-            </a:r>
-          </a:p>
-          <a:p>
-            <a:pPr>
-              <a:lnSpc>
-                <a:spcPct val="80000"/>
-              </a:lnSpc>
-              <a:buFont typeface="Wingdings" charset="0"/>
-              <a:buNone/>
-            </a:pPr>
-            <a:r>
-              <a:rPr lang="en-US" sz="2300">
-                <a:latin typeface="Courier New" charset="0"/>
-                <a:cs typeface="Courier New" charset="0"/>
-              </a:rPr>
-              <a:t>		x = x – 1;</a:t>
-            </a:r>
-          </a:p>
-          <a:p>
-            <a:pPr>
-              <a:lnSpc>
-                <a:spcPct val="80000"/>
-              </a:lnSpc>
-              <a:buFont typeface="Wingdings" charset="0"/>
-              <a:buNone/>
-            </a:pPr>
-            <a:r>
-              <a:rPr lang="en-US" sz="2300">
-                <a:latin typeface="Courier New" charset="0"/>
-                <a:cs typeface="Courier New" charset="0"/>
-              </a:rPr>
-              <a:t>	}</a:t>
-            </a:r>
-          </a:p>
-          <a:p>
-            <a:pPr>
-              <a:lnSpc>
-                <a:spcPct val="80000"/>
-              </a:lnSpc>
-            </a:pPr>
-            <a:endParaRPr lang="en-US" sz="2300">
-              <a:latin typeface="Arial" charset="0"/>
-            </a:endParaRPr>
-          </a:p>
-        </p:txBody>
-      </p:sp>
-      <p:sp>
-        <p:nvSpPr>
-          <p:cNvPr id="4" name="Date Placeholder 3"/>
-          <p:cNvSpPr>
-            <a:spLocks noGrp="1"/>
-          </p:cNvSpPr>
-          <p:nvPr>
-            <p:ph type="dt" sz="quarter" idx="10"/>
-          </p:nvPr>
-        </p:nvSpPr>
-        <p:spPr/>
-        <p:txBody>
-          <a:bodyPr/>
-          <a:lstStyle>
-            <a:lvl1pPr eaLnBrk="0" hangingPunct="0">
-              <a:defRPr>
-                <a:solidFill>
-                  <a:schemeClr val="tx1"/>
-                </a:solidFill>
-                <a:latin typeface="Arial" charset="0"/>
-                <a:ea typeface="ＭＳ Ｐゴシック" charset="0"/>
-                <a:cs typeface="Arial" charset="0"/>
-              </a:defRPr>
-            </a:lvl1pPr>
-            <a:lvl2pPr marL="742950" indent="-285750" eaLnBrk="0" hangingPunct="0">
-              <a:defRPr>
-                <a:solidFill>
-                  <a:schemeClr val="tx1"/>
-                </a:solidFill>
-                <a:latin typeface="Arial" charset="0"/>
-                <a:ea typeface="Arial" charset="0"/>
-                <a:cs typeface="Arial" charset="0"/>
-              </a:defRPr>
-            </a:lvl2pPr>
-            <a:lvl3pPr marL="1143000" indent="-228600" eaLnBrk="0" hangingPunct="0">
-              <a:defRPr>
-                <a:solidFill>
-                  <a:schemeClr val="tx1"/>
-                </a:solidFill>
-                <a:latin typeface="Arial" charset="0"/>
-                <a:ea typeface="Arial" charset="0"/>
-                <a:cs typeface="Arial" charset="0"/>
-              </a:defRPr>
-            </a:lvl3pPr>
-            <a:lvl4pPr marL="1600200" indent="-228600" eaLnBrk="0" hangingPunct="0">
-              <a:defRPr>
-                <a:solidFill>
-                  <a:schemeClr val="tx1"/>
-                </a:solidFill>
-                <a:latin typeface="Arial" charset="0"/>
-                <a:ea typeface="Arial" charset="0"/>
-                <a:cs typeface="Arial" charset="0"/>
-              </a:defRPr>
-            </a:lvl4pPr>
-            <a:lvl5pPr marL="2057400" indent="-228600" eaLnBrk="0" hangingPunct="0">
-              <a:defRPr>
-                <a:solidFill>
-                  <a:schemeClr val="tx1"/>
-                </a:solidFill>
-                <a:latin typeface="Arial" charset="0"/>
-                <a:ea typeface="Arial" charset="0"/>
-                <a:cs typeface="Arial" charset="0"/>
-              </a:defRPr>
-            </a:lvl5pPr>
-            <a:lvl6pPr marL="2514600" indent="-228600" eaLnBrk="0" fontAlgn="base" hangingPunct="0">
-              <a:spcBef>
-                <a:spcPct val="0"/>
-              </a:spcBef>
-              <a:spcAft>
-                <a:spcPct val="0"/>
-              </a:spcAft>
-              <a:defRPr>
-                <a:solidFill>
-                  <a:schemeClr val="tx1"/>
-                </a:solidFill>
-                <a:latin typeface="Arial" charset="0"/>
-                <a:ea typeface="Arial" charset="0"/>
-                <a:cs typeface="Arial" charset="0"/>
-              </a:defRPr>
-            </a:lvl6pPr>
-            <a:lvl7pPr marL="2971800" indent="-228600" eaLnBrk="0" fontAlgn="base" hangingPunct="0">
-              <a:spcBef>
-                <a:spcPct val="0"/>
-              </a:spcBef>
-              <a:spcAft>
-                <a:spcPct val="0"/>
-              </a:spcAft>
-              <a:defRPr>
-                <a:solidFill>
-                  <a:schemeClr val="tx1"/>
-                </a:solidFill>
-                <a:latin typeface="Arial" charset="0"/>
-                <a:ea typeface="Arial" charset="0"/>
-                <a:cs typeface="Arial" charset="0"/>
-              </a:defRPr>
-            </a:lvl7pPr>
-            <a:lvl8pPr marL="3429000" indent="-228600" eaLnBrk="0" fontAlgn="base" hangingPunct="0">
-              <a:spcBef>
-                <a:spcPct val="0"/>
-              </a:spcBef>
-              <a:spcAft>
-                <a:spcPct val="0"/>
-              </a:spcAft>
-              <a:defRPr>
-                <a:solidFill>
-                  <a:schemeClr val="tx1"/>
-                </a:solidFill>
-                <a:latin typeface="Arial" charset="0"/>
-                <a:ea typeface="Arial" charset="0"/>
-                <a:cs typeface="Arial" charset="0"/>
-              </a:defRPr>
-            </a:lvl8pPr>
-            <a:lvl9pPr marL="3886200" indent="-228600" eaLnBrk="0" fontAlgn="base" hangingPunct="0">
-              <a:spcBef>
-                <a:spcPct val="0"/>
-              </a:spcBef>
-              <a:spcAft>
-                <a:spcPct val="0"/>
-              </a:spcAft>
-              <a:defRPr>
-                <a:solidFill>
-                  <a:schemeClr val="tx1"/>
-                </a:solidFill>
-                <a:latin typeface="Arial" charset="0"/>
-                <a:ea typeface="Arial" charset="0"/>
-                <a:cs typeface="Arial" charset="0"/>
-              </a:defRPr>
-            </a:lvl9pPr>
-          </a:lstStyle>
-          <a:p>
-            <a:pPr eaLnBrk="1" hangingPunct="1"/>
-            <a:fld id="{D7465A47-9A8E-FB44-89E6-A48B5EBC782F}" type="datetime1">
-              <a:rPr lang="en-US">
-                <a:latin typeface="Garamond" charset="0"/>
-              </a:rPr>
-              <a:pPr eaLnBrk="1" hangingPunct="1"/>
-              <a:t>9/19/16</a:t>
-            </a:fld>
-            <a:endParaRPr lang="en-US">
-              <a:latin typeface="Garamond" charset="0"/>
-            </a:endParaRPr>
-          </a:p>
-        </p:txBody>
-      </p:sp>
-      <p:sp>
-        <p:nvSpPr>
-          <p:cNvPr id="5" name="Footer Placeholder 4"/>
-          <p:cNvSpPr>
-            <a:spLocks noGrp="1"/>
-          </p:cNvSpPr>
-          <p:nvPr>
-            <p:ph type="ftr" sz="quarter" idx="11"/>
-          </p:nvPr>
-        </p:nvSpPr>
-        <p:spPr/>
-        <p:txBody>
-          <a:bodyPr/>
-          <a:lstStyle/>
-          <a:p>
-            <a:pPr>
-              <a:defRPr/>
-            </a:pPr>
-            <a:r>
-              <a:rPr lang="en-US" altLang="en-US"/>
-              <a:t>ECE Application Programming: Lecture 8</a:t>
-            </a:r>
-          </a:p>
-        </p:txBody>
-      </p:sp>
-      <p:sp>
-        <p:nvSpPr>
-          <p:cNvPr id="6" name="Slide Number Placeholder 5"/>
-          <p:cNvSpPr>
-            <a:spLocks noGrp="1"/>
-          </p:cNvSpPr>
-          <p:nvPr>
-            <p:ph type="sldNum" sz="quarter" idx="12"/>
-          </p:nvPr>
-        </p:nvSpPr>
-        <p:spPr/>
-        <p:txBody>
-          <a:bodyPr/>
-          <a:lstStyle>
-            <a:lvl1pPr eaLnBrk="0" hangingPunct="0">
-              <a:defRPr>
-                <a:solidFill>
-                  <a:schemeClr val="tx1"/>
-                </a:solidFill>
-                <a:latin typeface="Arial" charset="0"/>
-                <a:ea typeface="ＭＳ Ｐゴシック" charset="0"/>
-                <a:cs typeface="Arial" charset="0"/>
-              </a:defRPr>
-            </a:lvl1pPr>
-            <a:lvl2pPr marL="742950" indent="-285750" eaLnBrk="0" hangingPunct="0">
-              <a:defRPr>
-                <a:solidFill>
-                  <a:schemeClr val="tx1"/>
-                </a:solidFill>
-                <a:latin typeface="Arial" charset="0"/>
-                <a:ea typeface="Arial" charset="0"/>
-                <a:cs typeface="Arial" charset="0"/>
-              </a:defRPr>
-            </a:lvl2pPr>
-            <a:lvl3pPr marL="1143000" indent="-228600" eaLnBrk="0" hangingPunct="0">
-              <a:defRPr>
-                <a:solidFill>
-                  <a:schemeClr val="tx1"/>
-                </a:solidFill>
-                <a:latin typeface="Arial" charset="0"/>
-                <a:ea typeface="Arial" charset="0"/>
-                <a:cs typeface="Arial" charset="0"/>
-              </a:defRPr>
-            </a:lvl3pPr>
-            <a:lvl4pPr marL="1600200" indent="-228600" eaLnBrk="0" hangingPunct="0">
-              <a:defRPr>
-                <a:solidFill>
-                  <a:schemeClr val="tx1"/>
-                </a:solidFill>
-                <a:latin typeface="Arial" charset="0"/>
-                <a:ea typeface="Arial" charset="0"/>
-                <a:cs typeface="Arial" charset="0"/>
-              </a:defRPr>
-            </a:lvl4pPr>
-            <a:lvl5pPr marL="2057400" indent="-228600" eaLnBrk="0" hangingPunct="0">
-              <a:defRPr>
-                <a:solidFill>
-                  <a:schemeClr val="tx1"/>
-                </a:solidFill>
-                <a:latin typeface="Arial" charset="0"/>
-                <a:ea typeface="Arial" charset="0"/>
-                <a:cs typeface="Arial" charset="0"/>
-              </a:defRPr>
-            </a:lvl5pPr>
-            <a:lvl6pPr marL="2514600" indent="-228600" eaLnBrk="0" fontAlgn="base" hangingPunct="0">
-              <a:spcBef>
-                <a:spcPct val="0"/>
-              </a:spcBef>
-              <a:spcAft>
-                <a:spcPct val="0"/>
-              </a:spcAft>
-              <a:defRPr>
-                <a:solidFill>
-                  <a:schemeClr val="tx1"/>
-                </a:solidFill>
-                <a:latin typeface="Arial" charset="0"/>
-                <a:ea typeface="Arial" charset="0"/>
-                <a:cs typeface="Arial" charset="0"/>
-              </a:defRPr>
-            </a:lvl6pPr>
-            <a:lvl7pPr marL="2971800" indent="-228600" eaLnBrk="0" fontAlgn="base" hangingPunct="0">
-              <a:spcBef>
-                <a:spcPct val="0"/>
-              </a:spcBef>
-              <a:spcAft>
-                <a:spcPct val="0"/>
-              </a:spcAft>
-              <a:defRPr>
-                <a:solidFill>
-                  <a:schemeClr val="tx1"/>
-                </a:solidFill>
-                <a:latin typeface="Arial" charset="0"/>
-                <a:ea typeface="Arial" charset="0"/>
-                <a:cs typeface="Arial" charset="0"/>
-              </a:defRPr>
-            </a:lvl7pPr>
-            <a:lvl8pPr marL="3429000" indent="-228600" eaLnBrk="0" fontAlgn="base" hangingPunct="0">
-              <a:spcBef>
-                <a:spcPct val="0"/>
-              </a:spcBef>
-              <a:spcAft>
-                <a:spcPct val="0"/>
-              </a:spcAft>
-              <a:defRPr>
-                <a:solidFill>
-                  <a:schemeClr val="tx1"/>
-                </a:solidFill>
-                <a:latin typeface="Arial" charset="0"/>
-                <a:ea typeface="Arial" charset="0"/>
-                <a:cs typeface="Arial" charset="0"/>
-              </a:defRPr>
-            </a:lvl8pPr>
-            <a:lvl9pPr marL="3886200" indent="-228600" eaLnBrk="0" fontAlgn="base" hangingPunct="0">
-              <a:spcBef>
-                <a:spcPct val="0"/>
-              </a:spcBef>
-              <a:spcAft>
-                <a:spcPct val="0"/>
-              </a:spcAft>
-              <a:defRPr>
-                <a:solidFill>
-                  <a:schemeClr val="tx1"/>
-                </a:solidFill>
-                <a:latin typeface="Arial" charset="0"/>
-                <a:ea typeface="Arial" charset="0"/>
-                <a:cs typeface="Arial" charset="0"/>
-              </a:defRPr>
-            </a:lvl9pPr>
-          </a:lstStyle>
-          <a:p>
-            <a:pPr eaLnBrk="1" hangingPunct="1"/>
-            <a:fld id="{BB0A11B2-FAB9-D64E-975E-9A783362DD6E}" type="slidenum">
-              <a:rPr lang="en-US">
-                <a:latin typeface="Garamond" charset="0"/>
-              </a:rPr>
-              <a:pPr eaLnBrk="1" hangingPunct="1"/>
-              <a:t>17</a:t>
-            </a:fld>
-            <a:endParaRPr lang="en-US">
-              <a:latin typeface="Garamond" charset="0"/>
-            </a:endParaRPr>
-          </a:p>
-        </p:txBody>
-      </p:sp>
-    </p:spTree>
-    <p:extLst>
-      <p:ext uri="{BB962C8B-B14F-4D97-AF65-F5344CB8AC3E}">
-        <p14:creationId xmlns:p14="http://schemas.microsoft.com/office/powerpoint/2010/main" val="2896384201"/>
-      </p:ext>
-    </p:extLst>
-  </p:cSld>
-  <p:clrMapOvr>
-    <a:masterClrMapping/>
-  </p:clrMapOvr>
-  <p:timing>
-    <p:tnLst>
-      <p:par>
-        <p:cTn xmlns:p14="http://schemas.microsoft.com/office/powerpoint/2010/main" id="1" dur="indefinite" restart="never" nodeType="tmRoot"/>
-      </p:par>
-    </p:tnLst>
-  </p:timing>
-</p:sld>
-</file>
-
-<file path=ppt/slides/slide18.xml><?xml version="1.0" encoding="utf-8"?>
-<p:sld xmlns:a="http://schemas.openxmlformats.org/drawingml/2006/main" xmlns:r="http://schemas.openxmlformats.org/officeDocument/2006/relationships" xmlns:p="http://schemas.openxmlformats.org/presentationml/2006/main">
-  <p:cSld>
-    <p:spTree>
-      <p:nvGrpSpPr>
-        <p:cNvPr id="1" name=""/>
-        <p:cNvGrpSpPr/>
-        <p:nvPr/>
-      </p:nvGrpSpPr>
-      <p:grpSpPr>
-        <a:xfrm>
-          <a:off x="0" y="0"/>
-          <a:ext cx="0" cy="0"/>
-          <a:chOff x="0" y="0"/>
-          <a:chExt cx="0" cy="0"/>
-        </a:xfrm>
-      </p:grpSpPr>
-      <p:sp>
-        <p:nvSpPr>
-          <p:cNvPr id="21506" name="Rectangle 2"/>
-          <p:cNvSpPr>
-            <a:spLocks noGrp="1" noChangeArrowheads="1"/>
-          </p:cNvSpPr>
-          <p:nvPr>
-            <p:ph type="title"/>
-          </p:nvPr>
-        </p:nvSpPr>
-        <p:spPr>
-          <a:xfrm>
-            <a:off x="381000" y="228600"/>
-            <a:ext cx="8763000" cy="685800"/>
-          </a:xfrm>
-        </p:spPr>
-        <p:txBody>
-          <a:bodyPr/>
-          <a:lstStyle/>
-          <a:p>
-            <a:r>
-              <a:rPr lang="en-US">
-                <a:latin typeface="Garamond" charset="0"/>
-              </a:rPr>
-              <a:t>switch/case statement - example</a:t>
-            </a:r>
-          </a:p>
-        </p:txBody>
-      </p:sp>
-      <p:sp>
-        <p:nvSpPr>
-          <p:cNvPr id="21507" name="Text Box 3"/>
-          <p:cNvSpPr txBox="1">
-            <a:spLocks noChangeArrowheads="1"/>
-          </p:cNvSpPr>
-          <p:nvPr/>
-        </p:nvSpPr>
-        <p:spPr bwMode="auto">
-          <a:xfrm>
-            <a:off x="609600" y="914400"/>
-            <a:ext cx="7924800" cy="3278188"/>
-          </a:xfrm>
-          <a:prstGeom prst="rect">
-            <a:avLst/>
-          </a:prstGeom>
-          <a:noFill/>
-          <a:ln>
-            <a:noFill/>
-          </a:ln>
-          <a:extLst>
-            <a:ext uri="{909E8E84-426E-40dd-AFC4-6F175D3DCCD1}">
-              <a14:hiddenFill xmlns:a14="http://schemas.microsoft.com/office/drawing/2010/main">
-                <a:solidFill>
-                  <a:srgbClr val="FFFFFF"/>
-                </a:solidFill>
-              </a14:hiddenFill>
-            </a:ext>
-            <a:ext uri="{91240B29-F687-4f45-9708-019B960494DF}">
-              <a14:hiddenLine xmlns:a14="http://schemas.microsoft.com/office/drawing/2010/main" w="9525">
-                <a:solidFill>
-                  <a:srgbClr val="000000"/>
-                </a:solidFill>
-                <a:miter lim="800000"/>
-                <a:headEnd/>
-                <a:tailEnd/>
-              </a14:hiddenLine>
-            </a:ext>
-          </a:extLst>
-        </p:spPr>
-        <p:txBody>
-          <a:bodyPr>
-            <a:spAutoFit/>
-          </a:bodyPr>
-          <a:lstStyle>
-            <a:lvl1pPr>
-              <a:defRPr sz="3000">
-                <a:solidFill>
-                  <a:schemeClr val="tx1"/>
-                </a:solidFill>
-                <a:latin typeface="Arial" charset="0"/>
-                <a:ea typeface="ＭＳ Ｐゴシック" charset="0"/>
-              </a:defRPr>
-            </a:lvl1pPr>
-            <a:lvl2pPr marL="742950" indent="-285750">
-              <a:defRPr sz="2600">
-                <a:solidFill>
-                  <a:schemeClr val="tx1"/>
-                </a:solidFill>
-                <a:latin typeface="Arial" charset="0"/>
-                <a:ea typeface="ＭＳ Ｐゴシック" charset="0"/>
-              </a:defRPr>
-            </a:lvl2pPr>
-            <a:lvl3pPr marL="1143000" indent="-228600">
-              <a:defRPr sz="2200">
-                <a:solidFill>
-                  <a:schemeClr val="tx1"/>
-                </a:solidFill>
-                <a:latin typeface="Arial" charset="0"/>
-                <a:ea typeface="ＭＳ Ｐゴシック" charset="0"/>
-              </a:defRPr>
-            </a:lvl3pPr>
-            <a:lvl4pPr marL="1600200" indent="-228600">
-              <a:defRPr sz="2000">
-                <a:solidFill>
-                  <a:schemeClr val="tx1"/>
-                </a:solidFill>
-                <a:latin typeface="Arial" charset="0"/>
-                <a:ea typeface="ＭＳ Ｐゴシック" charset="0"/>
-              </a:defRPr>
-            </a:lvl4pPr>
-            <a:lvl5pPr marL="2057400" indent="-228600">
-              <a:defRPr sz="2000">
-                <a:solidFill>
-                  <a:schemeClr val="tx1"/>
-                </a:solidFill>
-                <a:latin typeface="Arial" charset="0"/>
-                <a:ea typeface="ＭＳ Ｐゴシック" charset="0"/>
-              </a:defRPr>
-            </a:lvl5pPr>
-            <a:lvl6pPr marL="2514600" indent="-228600" eaLnBrk="0" hangingPunct="0">
-              <a:buFont typeface="Wingdings" charset="0"/>
-              <a:defRPr sz="2000">
-                <a:solidFill>
-                  <a:schemeClr val="tx1"/>
-                </a:solidFill>
-                <a:latin typeface="Arial" charset="0"/>
-                <a:ea typeface="ＭＳ Ｐゴシック" charset="0"/>
-              </a:defRPr>
-            </a:lvl6pPr>
-            <a:lvl7pPr marL="2971800" indent="-228600" eaLnBrk="0" hangingPunct="0">
-              <a:buFont typeface="Wingdings" charset="0"/>
-              <a:defRPr sz="2000">
-                <a:solidFill>
-                  <a:schemeClr val="tx1"/>
-                </a:solidFill>
-                <a:latin typeface="Arial" charset="0"/>
-                <a:ea typeface="ＭＳ Ｐゴシック" charset="0"/>
-              </a:defRPr>
-            </a:lvl7pPr>
-            <a:lvl8pPr marL="3429000" indent="-228600" eaLnBrk="0" hangingPunct="0">
-              <a:buFont typeface="Wingdings" charset="0"/>
-              <a:defRPr sz="2000">
-                <a:solidFill>
-                  <a:schemeClr val="tx1"/>
-                </a:solidFill>
-                <a:latin typeface="Arial" charset="0"/>
-                <a:ea typeface="ＭＳ Ｐゴシック" charset="0"/>
-              </a:defRPr>
-            </a:lvl8pPr>
-            <a:lvl9pPr marL="3886200" indent="-228600" eaLnBrk="0" hangingPunct="0">
-              <a:buFont typeface="Wingdings" charset="0"/>
-              <a:defRPr sz="2000">
-                <a:solidFill>
-                  <a:schemeClr val="tx1"/>
-                </a:solidFill>
-                <a:latin typeface="Arial" charset="0"/>
-                <a:ea typeface="ＭＳ Ｐゴシック" charset="0"/>
-              </a:defRPr>
-            </a:lvl9pPr>
-          </a:lstStyle>
-          <a:p>
-            <a:pPr>
-              <a:spcBef>
-                <a:spcPct val="50000"/>
-              </a:spcBef>
-            </a:pPr>
-            <a:r>
-              <a:rPr lang="en-US" sz="1800">
-                <a:solidFill>
-                  <a:srgbClr val="FF0000"/>
-                </a:solidFill>
-                <a:latin typeface="Courier New" charset="0"/>
-              </a:rPr>
-              <a:t>#include </a:t>
-            </a:r>
-            <a:r>
-              <a:rPr lang="en-US" sz="1800"/>
-              <a:t>&lt;stdio.h&gt;</a:t>
-            </a:r>
-          </a:p>
-          <a:p>
-            <a:pPr>
-              <a:spcBef>
-                <a:spcPct val="50000"/>
-              </a:spcBef>
-            </a:pPr>
-            <a:r>
-              <a:rPr lang="en-US" sz="1800">
-                <a:solidFill>
-                  <a:srgbClr val="FF0000"/>
-                </a:solidFill>
-                <a:latin typeface="Courier New" charset="0"/>
-              </a:rPr>
-              <a:t>int </a:t>
-            </a:r>
-            <a:r>
-              <a:rPr lang="en-US" sz="1800">
-                <a:latin typeface="Courier New" charset="0"/>
-              </a:rPr>
-              <a:t>main()</a:t>
-            </a:r>
-            <a:br>
-              <a:rPr lang="en-US" sz="1800">
-                <a:latin typeface="Courier New" charset="0"/>
-              </a:rPr>
-            </a:br>
-            <a:r>
-              <a:rPr lang="en-US" sz="1800">
-                <a:latin typeface="Courier New" charset="0"/>
-              </a:rPr>
-              <a:t>{</a:t>
-            </a:r>
-            <a:br>
-              <a:rPr lang="en-US" sz="1800">
-                <a:latin typeface="Courier New" charset="0"/>
-              </a:rPr>
-            </a:br>
-            <a:r>
-              <a:rPr lang="en-US" sz="1800">
-                <a:latin typeface="Courier New" charset="0"/>
-              </a:rPr>
-              <a:t>	</a:t>
-            </a:r>
-            <a:r>
-              <a:rPr lang="en-US" sz="1800">
-                <a:solidFill>
-                  <a:srgbClr val="FF0000"/>
-                </a:solidFill>
-                <a:latin typeface="Courier New" charset="0"/>
-              </a:rPr>
-              <a:t>char</a:t>
-            </a:r>
-            <a:r>
-              <a:rPr lang="en-US" sz="1800">
-                <a:latin typeface="Courier New" charset="0"/>
-              </a:rPr>
-              <a:t> grd;</a:t>
-            </a:r>
-            <a:br>
-              <a:rPr lang="en-US" sz="1800">
-                <a:latin typeface="Courier New" charset="0"/>
-              </a:rPr>
-            </a:br>
-            <a:r>
-              <a:rPr lang="en-US" sz="1800">
-                <a:latin typeface="Courier New" charset="0"/>
-              </a:rPr>
-              <a:t>	printf("Enter Letter Grade: ");</a:t>
-            </a:r>
-            <a:br>
-              <a:rPr lang="en-US" sz="1800">
-                <a:latin typeface="Courier New" charset="0"/>
-              </a:rPr>
-            </a:br>
-            <a:r>
-              <a:rPr lang="en-US" sz="1800">
-                <a:latin typeface="Courier New" charset="0"/>
-              </a:rPr>
-              <a:t>	scanf("%c",&amp;grd);</a:t>
-            </a:r>
-            <a:br>
-              <a:rPr lang="en-US" sz="1800">
-                <a:latin typeface="Courier New" charset="0"/>
-              </a:rPr>
-            </a:br>
-            <a:r>
-              <a:rPr lang="en-US" sz="1800">
-                <a:latin typeface="Courier New" charset="0"/>
-              </a:rPr>
-              <a:t>	printf(“You are ");</a:t>
-            </a:r>
-            <a:br>
-              <a:rPr lang="en-US" sz="1800">
-                <a:latin typeface="Courier New" charset="0"/>
-              </a:rPr>
-            </a:br>
-            <a:endParaRPr lang="en-US" sz="1800">
-              <a:latin typeface="Courier New" charset="0"/>
-            </a:endParaRPr>
-          </a:p>
-          <a:p>
-            <a:pPr>
-              <a:spcBef>
-                <a:spcPct val="50000"/>
-              </a:spcBef>
-            </a:pPr>
-            <a:r>
-              <a:rPr lang="en-US" sz="1800">
-                <a:latin typeface="Courier New" charset="0"/>
-              </a:rPr>
-              <a:t>	</a:t>
-            </a:r>
-            <a:r>
-              <a:rPr lang="en-US" sz="1800">
-                <a:solidFill>
-                  <a:schemeClr val="accent1"/>
-                </a:solidFill>
-                <a:latin typeface="Courier New" charset="0"/>
-              </a:rPr>
-              <a:t>// continued next slide</a:t>
-            </a:r>
-          </a:p>
-          <a:p>
-            <a:pPr>
-              <a:spcBef>
-                <a:spcPct val="50000"/>
-              </a:spcBef>
-            </a:pPr>
-            <a:r>
-              <a:rPr lang="en-US" sz="1800"/>
-              <a:t>	</a:t>
-            </a:r>
-            <a:endParaRPr lang="en-US" sz="1800">
-              <a:latin typeface="Courier New" charset="0"/>
-            </a:endParaRPr>
-          </a:p>
-        </p:txBody>
-      </p:sp>
-      <p:sp>
-        <p:nvSpPr>
-          <p:cNvPr id="4" name="Date Placeholder 3"/>
-          <p:cNvSpPr>
-            <a:spLocks noGrp="1"/>
-          </p:cNvSpPr>
-          <p:nvPr>
-            <p:ph type="dt" sz="quarter" idx="10"/>
-          </p:nvPr>
-        </p:nvSpPr>
-        <p:spPr/>
-        <p:txBody>
-          <a:bodyPr/>
-          <a:lstStyle>
-            <a:lvl1pPr eaLnBrk="0" hangingPunct="0">
-              <a:defRPr>
-                <a:solidFill>
-                  <a:schemeClr val="tx1"/>
-                </a:solidFill>
-                <a:latin typeface="Arial" charset="0"/>
-                <a:ea typeface="ＭＳ Ｐゴシック" charset="0"/>
-                <a:cs typeface="Arial" charset="0"/>
-              </a:defRPr>
-            </a:lvl1pPr>
-            <a:lvl2pPr marL="742950" indent="-285750" eaLnBrk="0" hangingPunct="0">
-              <a:defRPr>
-                <a:solidFill>
-                  <a:schemeClr val="tx1"/>
-                </a:solidFill>
-                <a:latin typeface="Arial" charset="0"/>
-                <a:ea typeface="Arial" charset="0"/>
-                <a:cs typeface="Arial" charset="0"/>
-              </a:defRPr>
-            </a:lvl2pPr>
-            <a:lvl3pPr marL="1143000" indent="-228600" eaLnBrk="0" hangingPunct="0">
-              <a:defRPr>
-                <a:solidFill>
-                  <a:schemeClr val="tx1"/>
-                </a:solidFill>
-                <a:latin typeface="Arial" charset="0"/>
-                <a:ea typeface="Arial" charset="0"/>
-                <a:cs typeface="Arial" charset="0"/>
-              </a:defRPr>
-            </a:lvl3pPr>
-            <a:lvl4pPr marL="1600200" indent="-228600" eaLnBrk="0" hangingPunct="0">
-              <a:defRPr>
-                <a:solidFill>
-                  <a:schemeClr val="tx1"/>
-                </a:solidFill>
-                <a:latin typeface="Arial" charset="0"/>
-                <a:ea typeface="Arial" charset="0"/>
-                <a:cs typeface="Arial" charset="0"/>
-              </a:defRPr>
-            </a:lvl4pPr>
-            <a:lvl5pPr marL="2057400" indent="-228600" eaLnBrk="0" hangingPunct="0">
-              <a:defRPr>
-                <a:solidFill>
-                  <a:schemeClr val="tx1"/>
-                </a:solidFill>
-                <a:latin typeface="Arial" charset="0"/>
-                <a:ea typeface="Arial" charset="0"/>
-                <a:cs typeface="Arial" charset="0"/>
-              </a:defRPr>
-            </a:lvl5pPr>
-            <a:lvl6pPr marL="2514600" indent="-228600" eaLnBrk="0" fontAlgn="base" hangingPunct="0">
-              <a:spcBef>
-                <a:spcPct val="0"/>
-              </a:spcBef>
-              <a:spcAft>
-                <a:spcPct val="0"/>
-              </a:spcAft>
-              <a:defRPr>
-                <a:solidFill>
-                  <a:schemeClr val="tx1"/>
-                </a:solidFill>
-                <a:latin typeface="Arial" charset="0"/>
-                <a:ea typeface="Arial" charset="0"/>
-                <a:cs typeface="Arial" charset="0"/>
-              </a:defRPr>
-            </a:lvl6pPr>
-            <a:lvl7pPr marL="2971800" indent="-228600" eaLnBrk="0" fontAlgn="base" hangingPunct="0">
-              <a:spcBef>
-                <a:spcPct val="0"/>
-              </a:spcBef>
-              <a:spcAft>
-                <a:spcPct val="0"/>
-              </a:spcAft>
-              <a:defRPr>
-                <a:solidFill>
-                  <a:schemeClr val="tx1"/>
-                </a:solidFill>
-                <a:latin typeface="Arial" charset="0"/>
-                <a:ea typeface="Arial" charset="0"/>
-                <a:cs typeface="Arial" charset="0"/>
-              </a:defRPr>
-            </a:lvl7pPr>
-            <a:lvl8pPr marL="3429000" indent="-228600" eaLnBrk="0" fontAlgn="base" hangingPunct="0">
-              <a:spcBef>
-                <a:spcPct val="0"/>
-              </a:spcBef>
-              <a:spcAft>
-                <a:spcPct val="0"/>
-              </a:spcAft>
-              <a:defRPr>
-                <a:solidFill>
-                  <a:schemeClr val="tx1"/>
-                </a:solidFill>
-                <a:latin typeface="Arial" charset="0"/>
-                <a:ea typeface="Arial" charset="0"/>
-                <a:cs typeface="Arial" charset="0"/>
-              </a:defRPr>
-            </a:lvl8pPr>
-            <a:lvl9pPr marL="3886200" indent="-228600" eaLnBrk="0" fontAlgn="base" hangingPunct="0">
-              <a:spcBef>
-                <a:spcPct val="0"/>
-              </a:spcBef>
-              <a:spcAft>
-                <a:spcPct val="0"/>
-              </a:spcAft>
-              <a:defRPr>
-                <a:solidFill>
-                  <a:schemeClr val="tx1"/>
-                </a:solidFill>
-                <a:latin typeface="Arial" charset="0"/>
-                <a:ea typeface="Arial" charset="0"/>
-                <a:cs typeface="Arial" charset="0"/>
-              </a:defRPr>
-            </a:lvl9pPr>
-          </a:lstStyle>
-          <a:p>
-            <a:pPr eaLnBrk="1" hangingPunct="1"/>
-            <a:fld id="{60D1E075-BCAC-D445-A9AB-3197A2B796B9}" type="datetime1">
-              <a:rPr lang="en-US">
-                <a:latin typeface="Garamond" charset="0"/>
-              </a:rPr>
-              <a:pPr eaLnBrk="1" hangingPunct="1"/>
-              <a:t>9/19/16</a:t>
-            </a:fld>
-            <a:endParaRPr lang="en-US">
-              <a:latin typeface="Garamond" charset="0"/>
-            </a:endParaRPr>
-          </a:p>
-        </p:txBody>
-      </p:sp>
-      <p:sp>
-        <p:nvSpPr>
-          <p:cNvPr id="5" name="Slide Number Placeholder 4"/>
-          <p:cNvSpPr>
-            <a:spLocks noGrp="1"/>
-          </p:cNvSpPr>
-          <p:nvPr>
-            <p:ph type="sldNum" sz="quarter" idx="12"/>
-          </p:nvPr>
-        </p:nvSpPr>
-        <p:spPr/>
-        <p:txBody>
-          <a:bodyPr/>
-          <a:lstStyle>
-            <a:lvl1pPr eaLnBrk="0" hangingPunct="0">
-              <a:defRPr>
-                <a:solidFill>
-                  <a:schemeClr val="tx1"/>
-                </a:solidFill>
-                <a:latin typeface="Arial" charset="0"/>
-                <a:ea typeface="ＭＳ Ｐゴシック" charset="0"/>
-                <a:cs typeface="Arial" charset="0"/>
-              </a:defRPr>
-            </a:lvl1pPr>
-            <a:lvl2pPr marL="742950" indent="-285750" eaLnBrk="0" hangingPunct="0">
-              <a:defRPr>
-                <a:solidFill>
-                  <a:schemeClr val="tx1"/>
-                </a:solidFill>
-                <a:latin typeface="Arial" charset="0"/>
-                <a:ea typeface="Arial" charset="0"/>
-                <a:cs typeface="Arial" charset="0"/>
-              </a:defRPr>
-            </a:lvl2pPr>
-            <a:lvl3pPr marL="1143000" indent="-228600" eaLnBrk="0" hangingPunct="0">
-              <a:defRPr>
-                <a:solidFill>
-                  <a:schemeClr val="tx1"/>
-                </a:solidFill>
-                <a:latin typeface="Arial" charset="0"/>
-                <a:ea typeface="Arial" charset="0"/>
-                <a:cs typeface="Arial" charset="0"/>
-              </a:defRPr>
-            </a:lvl3pPr>
-            <a:lvl4pPr marL="1600200" indent="-228600" eaLnBrk="0" hangingPunct="0">
-              <a:defRPr>
-                <a:solidFill>
-                  <a:schemeClr val="tx1"/>
-                </a:solidFill>
-                <a:latin typeface="Arial" charset="0"/>
-                <a:ea typeface="Arial" charset="0"/>
-                <a:cs typeface="Arial" charset="0"/>
-              </a:defRPr>
-            </a:lvl4pPr>
-            <a:lvl5pPr marL="2057400" indent="-228600" eaLnBrk="0" hangingPunct="0">
-              <a:defRPr>
-                <a:solidFill>
-                  <a:schemeClr val="tx1"/>
-                </a:solidFill>
-                <a:latin typeface="Arial" charset="0"/>
-                <a:ea typeface="Arial" charset="0"/>
-                <a:cs typeface="Arial" charset="0"/>
-              </a:defRPr>
-            </a:lvl5pPr>
-            <a:lvl6pPr marL="2514600" indent="-228600" eaLnBrk="0" fontAlgn="base" hangingPunct="0">
-              <a:spcBef>
-                <a:spcPct val="0"/>
-              </a:spcBef>
-              <a:spcAft>
-                <a:spcPct val="0"/>
-              </a:spcAft>
-              <a:defRPr>
-                <a:solidFill>
-                  <a:schemeClr val="tx1"/>
-                </a:solidFill>
-                <a:latin typeface="Arial" charset="0"/>
-                <a:ea typeface="Arial" charset="0"/>
-                <a:cs typeface="Arial" charset="0"/>
-              </a:defRPr>
-            </a:lvl6pPr>
-            <a:lvl7pPr marL="2971800" indent="-228600" eaLnBrk="0" fontAlgn="base" hangingPunct="0">
-              <a:spcBef>
-                <a:spcPct val="0"/>
-              </a:spcBef>
-              <a:spcAft>
-                <a:spcPct val="0"/>
-              </a:spcAft>
-              <a:defRPr>
-                <a:solidFill>
-                  <a:schemeClr val="tx1"/>
-                </a:solidFill>
-                <a:latin typeface="Arial" charset="0"/>
-                <a:ea typeface="Arial" charset="0"/>
-                <a:cs typeface="Arial" charset="0"/>
-              </a:defRPr>
-            </a:lvl7pPr>
-            <a:lvl8pPr marL="3429000" indent="-228600" eaLnBrk="0" fontAlgn="base" hangingPunct="0">
-              <a:spcBef>
-                <a:spcPct val="0"/>
-              </a:spcBef>
-              <a:spcAft>
-                <a:spcPct val="0"/>
-              </a:spcAft>
-              <a:defRPr>
-                <a:solidFill>
-                  <a:schemeClr val="tx1"/>
-                </a:solidFill>
-                <a:latin typeface="Arial" charset="0"/>
-                <a:ea typeface="Arial" charset="0"/>
-                <a:cs typeface="Arial" charset="0"/>
-              </a:defRPr>
-            </a:lvl8pPr>
-            <a:lvl9pPr marL="3886200" indent="-228600" eaLnBrk="0" fontAlgn="base" hangingPunct="0">
-              <a:spcBef>
-                <a:spcPct val="0"/>
-              </a:spcBef>
-              <a:spcAft>
-                <a:spcPct val="0"/>
-              </a:spcAft>
-              <a:defRPr>
-                <a:solidFill>
-                  <a:schemeClr val="tx1"/>
-                </a:solidFill>
-                <a:latin typeface="Arial" charset="0"/>
-                <a:ea typeface="Arial" charset="0"/>
-                <a:cs typeface="Arial" charset="0"/>
-              </a:defRPr>
-            </a:lvl9pPr>
-          </a:lstStyle>
-          <a:p>
-            <a:pPr eaLnBrk="1" hangingPunct="1"/>
-            <a:fld id="{325D2D2B-5220-0348-8C33-95B2078C3E23}" type="slidenum">
-              <a:rPr lang="en-US">
-                <a:latin typeface="Garamond" charset="0"/>
-              </a:rPr>
-              <a:pPr eaLnBrk="1" hangingPunct="1"/>
-              <a:t>18</a:t>
-            </a:fld>
-            <a:endParaRPr lang="en-US">
-              <a:latin typeface="Garamond" charset="0"/>
-            </a:endParaRPr>
-          </a:p>
-        </p:txBody>
-      </p:sp>
-      <p:sp>
-        <p:nvSpPr>
-          <p:cNvPr id="6" name="Footer Placeholder 5"/>
-          <p:cNvSpPr>
-            <a:spLocks noGrp="1"/>
-          </p:cNvSpPr>
-          <p:nvPr>
-            <p:ph type="ftr" sz="quarter" idx="11"/>
-          </p:nvPr>
-        </p:nvSpPr>
-        <p:spPr/>
-        <p:txBody>
-          <a:bodyPr/>
-          <a:lstStyle/>
-          <a:p>
-            <a:pPr>
-              <a:defRPr/>
-            </a:pPr>
-            <a:r>
-              <a:rPr lang="en-US" altLang="en-US"/>
-              <a:t>ECE Application Programming: Lecture 8</a:t>
-            </a:r>
-          </a:p>
-        </p:txBody>
-      </p:sp>
-    </p:spTree>
-    <p:extLst>
-      <p:ext uri="{BB962C8B-B14F-4D97-AF65-F5344CB8AC3E}">
-        <p14:creationId xmlns:p14="http://schemas.microsoft.com/office/powerpoint/2010/main" val="2418427765"/>
-      </p:ext>
-    </p:extLst>
-  </p:cSld>
-  <p:clrMapOvr>
-    <a:masterClrMapping/>
-  </p:clrMapOvr>
-  <p:timing>
-    <p:tnLst>
-      <p:par>
-        <p:cTn xmlns:p14="http://schemas.microsoft.com/office/powerpoint/2010/main" id="1" dur="indefinite" restart="never" nodeType="tmRoot"/>
-      </p:par>
-    </p:tnLst>
-  </p:timing>
-</p:sld>
-</file>
-
-<file path=ppt/slides/slide19.xml><?xml version="1.0" encoding="utf-8"?>
-<p:sld xmlns:a="http://schemas.openxmlformats.org/drawingml/2006/main" xmlns:r="http://schemas.openxmlformats.org/officeDocument/2006/relationships" xmlns:p="http://schemas.openxmlformats.org/presentationml/2006/main">
-  <p:cSld>
-    <p:spTree>
-      <p:nvGrpSpPr>
-        <p:cNvPr id="1" name=""/>
-        <p:cNvGrpSpPr/>
-        <p:nvPr/>
-      </p:nvGrpSpPr>
-      <p:grpSpPr>
-        <a:xfrm>
-          <a:off x="0" y="0"/>
-          <a:ext cx="0" cy="0"/>
-          <a:chOff x="0" y="0"/>
-          <a:chExt cx="0" cy="0"/>
-        </a:xfrm>
-      </p:grpSpPr>
-      <p:sp>
-        <p:nvSpPr>
-          <p:cNvPr id="22530" name="Rectangle 2"/>
-          <p:cNvSpPr>
-            <a:spLocks noGrp="1" noChangeArrowheads="1"/>
-          </p:cNvSpPr>
-          <p:nvPr>
-            <p:ph type="title"/>
-          </p:nvPr>
-        </p:nvSpPr>
-        <p:spPr>
-          <a:xfrm>
-            <a:off x="381000" y="228600"/>
-            <a:ext cx="8763000" cy="533400"/>
-          </a:xfrm>
-        </p:spPr>
-        <p:txBody>
-          <a:bodyPr/>
-          <a:lstStyle/>
-          <a:p>
-            <a:r>
-              <a:rPr lang="en-US">
-                <a:latin typeface="Garamond" charset="0"/>
-              </a:rPr>
-              <a:t>switch/case statement - example</a:t>
-            </a:r>
-          </a:p>
-        </p:txBody>
-      </p:sp>
-      <p:sp>
-        <p:nvSpPr>
-          <p:cNvPr id="22531" name="Text Box 3"/>
-          <p:cNvSpPr txBox="1">
-            <a:spLocks noChangeArrowheads="1"/>
-          </p:cNvSpPr>
-          <p:nvPr/>
-        </p:nvSpPr>
-        <p:spPr bwMode="auto">
-          <a:xfrm>
-            <a:off x="228600" y="955675"/>
-            <a:ext cx="8686800" cy="5924550"/>
-          </a:xfrm>
-          <a:prstGeom prst="rect">
-            <a:avLst/>
-          </a:prstGeom>
-          <a:noFill/>
-          <a:ln>
-            <a:noFill/>
-          </a:ln>
-          <a:extLst>
-            <a:ext uri="{909E8E84-426E-40dd-AFC4-6F175D3DCCD1}">
-              <a14:hiddenFill xmlns:a14="http://schemas.microsoft.com/office/drawing/2010/main">
-                <a:solidFill>
-                  <a:srgbClr val="FFFFFF"/>
-                </a:solidFill>
-              </a14:hiddenFill>
-            </a:ext>
-            <a:ext uri="{91240B29-F687-4f45-9708-019B960494DF}">
-              <a14:hiddenLine xmlns:a14="http://schemas.microsoft.com/office/drawing/2010/main" w="9525">
-                <a:solidFill>
-                  <a:srgbClr val="000000"/>
-                </a:solidFill>
-                <a:miter lim="800000"/>
-                <a:headEnd/>
-                <a:tailEnd/>
-              </a14:hiddenLine>
-            </a:ext>
-          </a:extLst>
-        </p:spPr>
-        <p:txBody>
-          <a:bodyPr>
-            <a:spAutoFit/>
-          </a:bodyPr>
-          <a:lstStyle>
-            <a:lvl1pPr>
-              <a:defRPr sz="3000">
-                <a:solidFill>
-                  <a:schemeClr val="tx1"/>
-                </a:solidFill>
-                <a:latin typeface="Arial" charset="0"/>
-                <a:ea typeface="ＭＳ Ｐゴシック" charset="0"/>
-              </a:defRPr>
-            </a:lvl1pPr>
-            <a:lvl2pPr marL="742950" indent="-285750">
-              <a:defRPr sz="2600">
-                <a:solidFill>
-                  <a:schemeClr val="tx1"/>
-                </a:solidFill>
-                <a:latin typeface="Arial" charset="0"/>
-                <a:ea typeface="ＭＳ Ｐゴシック" charset="0"/>
-              </a:defRPr>
-            </a:lvl2pPr>
-            <a:lvl3pPr marL="1143000" indent="-228600">
-              <a:defRPr sz="2200">
-                <a:solidFill>
-                  <a:schemeClr val="tx1"/>
-                </a:solidFill>
-                <a:latin typeface="Arial" charset="0"/>
-                <a:ea typeface="ＭＳ Ｐゴシック" charset="0"/>
-              </a:defRPr>
-            </a:lvl3pPr>
-            <a:lvl4pPr marL="1600200" indent="-228600">
-              <a:defRPr sz="2000">
-                <a:solidFill>
-                  <a:schemeClr val="tx1"/>
-                </a:solidFill>
-                <a:latin typeface="Arial" charset="0"/>
-                <a:ea typeface="ＭＳ Ｐゴシック" charset="0"/>
-              </a:defRPr>
-            </a:lvl4pPr>
-            <a:lvl5pPr marL="2057400" indent="-228600">
-              <a:defRPr sz="2000">
-                <a:solidFill>
-                  <a:schemeClr val="tx1"/>
-                </a:solidFill>
-                <a:latin typeface="Arial" charset="0"/>
-                <a:ea typeface="ＭＳ Ｐゴシック" charset="0"/>
-              </a:defRPr>
-            </a:lvl5pPr>
-            <a:lvl6pPr marL="2514600" indent="-228600" eaLnBrk="0" hangingPunct="0">
-              <a:buFont typeface="Wingdings" charset="0"/>
-              <a:defRPr sz="2000">
-                <a:solidFill>
-                  <a:schemeClr val="tx1"/>
-                </a:solidFill>
-                <a:latin typeface="Arial" charset="0"/>
-                <a:ea typeface="ＭＳ Ｐゴシック" charset="0"/>
-              </a:defRPr>
-            </a:lvl6pPr>
-            <a:lvl7pPr marL="2971800" indent="-228600" eaLnBrk="0" hangingPunct="0">
-              <a:buFont typeface="Wingdings" charset="0"/>
-              <a:defRPr sz="2000">
-                <a:solidFill>
-                  <a:schemeClr val="tx1"/>
-                </a:solidFill>
-                <a:latin typeface="Arial" charset="0"/>
-                <a:ea typeface="ＭＳ Ｐゴシック" charset="0"/>
-              </a:defRPr>
-            </a:lvl7pPr>
-            <a:lvl8pPr marL="3429000" indent="-228600" eaLnBrk="0" hangingPunct="0">
-              <a:buFont typeface="Wingdings" charset="0"/>
-              <a:defRPr sz="2000">
-                <a:solidFill>
-                  <a:schemeClr val="tx1"/>
-                </a:solidFill>
-                <a:latin typeface="Arial" charset="0"/>
-                <a:ea typeface="ＭＳ Ｐゴシック" charset="0"/>
-              </a:defRPr>
-            </a:lvl8pPr>
-            <a:lvl9pPr marL="3886200" indent="-228600" eaLnBrk="0" hangingPunct="0">
-              <a:buFont typeface="Wingdings" charset="0"/>
-              <a:defRPr sz="2000">
-                <a:solidFill>
-                  <a:schemeClr val="tx1"/>
-                </a:solidFill>
-                <a:latin typeface="Arial" charset="0"/>
-                <a:ea typeface="ＭＳ Ｐゴシック" charset="0"/>
-              </a:defRPr>
-            </a:lvl9pPr>
-          </a:lstStyle>
-          <a:p>
-            <a:pPr>
-              <a:spcBef>
-                <a:spcPct val="50000"/>
-              </a:spcBef>
-            </a:pPr>
-            <a:r>
-              <a:rPr lang="en-US" sz="1600" b="1">
-                <a:latin typeface="Courier New" charset="0"/>
-              </a:rPr>
-              <a:t>	</a:t>
-            </a:r>
-            <a:r>
-              <a:rPr lang="en-US" sz="1600" b="1">
-                <a:solidFill>
-                  <a:srgbClr val="FF0000"/>
-                </a:solidFill>
-                <a:latin typeface="Courier New" charset="0"/>
-              </a:rPr>
-              <a:t>switch</a:t>
-            </a:r>
-            <a:r>
-              <a:rPr lang="en-US" sz="1600" b="1">
-                <a:latin typeface="Courier New" charset="0"/>
-              </a:rPr>
-              <a:t> (grd)</a:t>
-            </a:r>
-            <a:br>
-              <a:rPr lang="en-US" sz="1600" b="1">
-                <a:latin typeface="Courier New" charset="0"/>
-              </a:rPr>
-            </a:br>
-            <a:r>
-              <a:rPr lang="en-US" sz="1600" b="1">
-                <a:latin typeface="Courier New" charset="0"/>
-              </a:rPr>
-              <a:t>	{</a:t>
-            </a:r>
-            <a:br>
-              <a:rPr lang="en-US" sz="1600" b="1">
-                <a:latin typeface="Courier New" charset="0"/>
-              </a:rPr>
-            </a:br>
-            <a:r>
-              <a:rPr lang="en-US" sz="1600" b="1">
-                <a:latin typeface="Courier New" charset="0"/>
-              </a:rPr>
-              <a:t>	</a:t>
-            </a:r>
-            <a:r>
-              <a:rPr lang="en-US" sz="1600" b="1">
-                <a:solidFill>
-                  <a:srgbClr val="FF0000"/>
-                </a:solidFill>
-                <a:latin typeface="Courier New" charset="0"/>
-              </a:rPr>
-              <a:t>case</a:t>
-            </a:r>
-            <a:r>
-              <a:rPr lang="en-US" sz="1600" b="1">
-                <a:latin typeface="Courier New" charset="0"/>
-              </a:rPr>
-              <a:t> 'A' : </a:t>
-            </a:r>
-          </a:p>
-          <a:p>
-            <a:r>
-              <a:rPr lang="en-US" sz="1600" b="1">
-                <a:latin typeface="Courier New" charset="0"/>
-              </a:rPr>
-              <a:t>		printf("excellent");</a:t>
-            </a:r>
-            <a:br>
-              <a:rPr lang="en-US" sz="1600" b="1">
-                <a:latin typeface="Courier New" charset="0"/>
-              </a:rPr>
-            </a:br>
-            <a:r>
-              <a:rPr lang="en-US" sz="1600" b="1">
-                <a:latin typeface="Courier New" charset="0"/>
-              </a:rPr>
-              <a:t>		</a:t>
-            </a:r>
-            <a:r>
-              <a:rPr lang="en-US" sz="1600" b="1">
-                <a:solidFill>
-                  <a:srgbClr val="FF0000"/>
-                </a:solidFill>
-                <a:latin typeface="Courier New" charset="0"/>
-              </a:rPr>
-              <a:t>break</a:t>
-            </a:r>
-            <a:r>
-              <a:rPr lang="en-US" sz="1600" b="1">
-                <a:latin typeface="Courier New" charset="0"/>
-              </a:rPr>
-              <a:t>;</a:t>
-            </a:r>
-            <a:br>
-              <a:rPr lang="en-US" sz="1600" b="1">
-                <a:latin typeface="Courier New" charset="0"/>
-              </a:rPr>
-            </a:br>
-            <a:r>
-              <a:rPr lang="en-US" sz="1600" b="1">
-                <a:latin typeface="Courier New" charset="0"/>
-              </a:rPr>
-              <a:t>	</a:t>
-            </a:r>
-            <a:r>
-              <a:rPr lang="en-US" sz="1600" b="1">
-                <a:solidFill>
-                  <a:srgbClr val="FF0000"/>
-                </a:solidFill>
-                <a:latin typeface="Courier New" charset="0"/>
-              </a:rPr>
-              <a:t>case</a:t>
-            </a:r>
-            <a:r>
-              <a:rPr lang="en-US" sz="1600" b="1">
-                <a:latin typeface="Courier New" charset="0"/>
-              </a:rPr>
-              <a:t> 'B' : </a:t>
-            </a:r>
-          </a:p>
-          <a:p>
-            <a:r>
-              <a:rPr lang="en-US" sz="1600" b="1">
-                <a:latin typeface="Courier New" charset="0"/>
-              </a:rPr>
-              <a:t>		printf("good");</a:t>
-            </a:r>
-            <a:br>
-              <a:rPr lang="en-US" sz="1600" b="1">
-                <a:latin typeface="Courier New" charset="0"/>
-              </a:rPr>
-            </a:br>
-            <a:r>
-              <a:rPr lang="en-US" sz="1600" b="1">
-                <a:latin typeface="Courier New" charset="0"/>
-              </a:rPr>
-              <a:t>		</a:t>
-            </a:r>
-            <a:r>
-              <a:rPr lang="en-US" sz="1600" b="1">
-                <a:solidFill>
-                  <a:srgbClr val="FF0000"/>
-                </a:solidFill>
-                <a:latin typeface="Courier New" charset="0"/>
-              </a:rPr>
-              <a:t>break</a:t>
-            </a:r>
-            <a:r>
-              <a:rPr lang="en-US" sz="1600" b="1">
-                <a:latin typeface="Courier New" charset="0"/>
-              </a:rPr>
-              <a:t>;</a:t>
-            </a:r>
-            <a:br>
-              <a:rPr lang="en-US" sz="1600" b="1">
-                <a:latin typeface="Courier New" charset="0"/>
-              </a:rPr>
-            </a:br>
-            <a:r>
-              <a:rPr lang="en-US" sz="1600" b="1">
-                <a:latin typeface="Courier New" charset="0"/>
-              </a:rPr>
-              <a:t>	</a:t>
-            </a:r>
-            <a:r>
-              <a:rPr lang="en-US" sz="1600" b="1">
-                <a:solidFill>
-                  <a:srgbClr val="FF0000"/>
-                </a:solidFill>
-                <a:latin typeface="Courier New" charset="0"/>
-              </a:rPr>
-              <a:t>case</a:t>
-            </a:r>
-            <a:r>
-              <a:rPr lang="en-US" sz="1600" b="1">
-                <a:latin typeface="Courier New" charset="0"/>
-              </a:rPr>
-              <a:t> 'C' : </a:t>
-            </a:r>
-          </a:p>
-          <a:p>
-            <a:r>
-              <a:rPr lang="en-US" sz="1600" b="1">
-                <a:latin typeface="Courier New" charset="0"/>
-              </a:rPr>
-              <a:t>		printf("average");</a:t>
-            </a:r>
-            <a:br>
-              <a:rPr lang="en-US" sz="1600" b="1">
-                <a:latin typeface="Courier New" charset="0"/>
-              </a:rPr>
-            </a:br>
-            <a:r>
-              <a:rPr lang="en-US" sz="1600" b="1">
-                <a:latin typeface="Courier New" charset="0"/>
-              </a:rPr>
-              <a:t>		</a:t>
-            </a:r>
-            <a:r>
-              <a:rPr lang="en-US" sz="1600" b="1">
-                <a:solidFill>
-                  <a:srgbClr val="FF0000"/>
-                </a:solidFill>
-                <a:latin typeface="Courier New" charset="0"/>
-              </a:rPr>
-              <a:t>break</a:t>
-            </a:r>
-            <a:r>
-              <a:rPr lang="en-US" sz="1600" b="1">
-                <a:latin typeface="Courier New" charset="0"/>
-              </a:rPr>
-              <a:t>;</a:t>
-            </a:r>
-            <a:br>
-              <a:rPr lang="en-US" sz="1600" b="1">
-                <a:latin typeface="Courier New" charset="0"/>
-              </a:rPr>
-            </a:br>
-            <a:r>
-              <a:rPr lang="en-US" sz="1600" b="1">
-                <a:latin typeface="Courier New" charset="0"/>
-              </a:rPr>
-              <a:t>	</a:t>
-            </a:r>
-            <a:r>
-              <a:rPr lang="en-US" sz="1600" b="1">
-                <a:solidFill>
-                  <a:srgbClr val="FF0000"/>
-                </a:solidFill>
-                <a:latin typeface="Courier New" charset="0"/>
-              </a:rPr>
-              <a:t>case</a:t>
-            </a:r>
-            <a:r>
-              <a:rPr lang="en-US" sz="1600" b="1">
-                <a:latin typeface="Courier New" charset="0"/>
-              </a:rPr>
-              <a:t> 'D' : </a:t>
-            </a:r>
-          </a:p>
-          <a:p>
-            <a:r>
-              <a:rPr lang="en-US" sz="1600" b="1">
-                <a:latin typeface="Courier New" charset="0"/>
-              </a:rPr>
-              <a:t>		printf("poor");</a:t>
-            </a:r>
-            <a:br>
-              <a:rPr lang="en-US" sz="1600" b="1">
-                <a:latin typeface="Courier New" charset="0"/>
-              </a:rPr>
-            </a:br>
-            <a:r>
-              <a:rPr lang="en-US" sz="1600" b="1">
-                <a:latin typeface="Courier New" charset="0"/>
-              </a:rPr>
-              <a:t>		</a:t>
-            </a:r>
-            <a:r>
-              <a:rPr lang="en-US" sz="1600" b="1">
-                <a:solidFill>
-                  <a:srgbClr val="FF0000"/>
-                </a:solidFill>
-                <a:latin typeface="Courier New" charset="0"/>
-              </a:rPr>
-              <a:t>break</a:t>
-            </a:r>
-            <a:r>
-              <a:rPr lang="en-US" sz="1600" b="1">
-                <a:latin typeface="Courier New" charset="0"/>
-              </a:rPr>
-              <a:t>;</a:t>
-            </a:r>
-            <a:br>
-              <a:rPr lang="en-US" sz="1600" b="1">
-                <a:latin typeface="Courier New" charset="0"/>
-              </a:rPr>
-            </a:br>
-            <a:r>
-              <a:rPr lang="en-US" sz="1600" b="1">
-                <a:latin typeface="Courier New" charset="0"/>
-              </a:rPr>
-              <a:t>	</a:t>
-            </a:r>
-            <a:r>
-              <a:rPr lang="en-US" sz="1600" b="1">
-                <a:solidFill>
-                  <a:srgbClr val="FF0000"/>
-                </a:solidFill>
-                <a:latin typeface="Courier New" charset="0"/>
-              </a:rPr>
-              <a:t>case</a:t>
-            </a:r>
-            <a:r>
-              <a:rPr lang="en-US" sz="1600" b="1">
-                <a:latin typeface="Courier New" charset="0"/>
-              </a:rPr>
-              <a:t> 'F' : </a:t>
-            </a:r>
-          </a:p>
-          <a:p>
-            <a:r>
-              <a:rPr lang="en-US" sz="1600" b="1">
-                <a:latin typeface="Courier New" charset="0"/>
-              </a:rPr>
-              <a:t>		printf("failing");</a:t>
-            </a:r>
-            <a:br>
-              <a:rPr lang="en-US" sz="1600" b="1">
-                <a:latin typeface="Courier New" charset="0"/>
-              </a:rPr>
-            </a:br>
-            <a:r>
-              <a:rPr lang="en-US" sz="1600" b="1">
-                <a:latin typeface="Courier New" charset="0"/>
-              </a:rPr>
-              <a:t>		</a:t>
-            </a:r>
-            <a:r>
-              <a:rPr lang="en-US" sz="1600" b="1">
-                <a:solidFill>
-                  <a:srgbClr val="FF0000"/>
-                </a:solidFill>
-                <a:latin typeface="Courier New" charset="0"/>
-              </a:rPr>
-              <a:t>break</a:t>
-            </a:r>
-            <a:r>
-              <a:rPr lang="en-US" sz="1600" b="1">
-                <a:latin typeface="Courier New" charset="0"/>
-              </a:rPr>
-              <a:t>;</a:t>
-            </a:r>
-            <a:br>
-              <a:rPr lang="en-US" sz="1600" b="1">
-                <a:latin typeface="Courier New" charset="0"/>
-              </a:rPr>
-            </a:br>
-            <a:r>
-              <a:rPr lang="en-US" sz="1600" b="1">
-                <a:latin typeface="Courier New" charset="0"/>
-              </a:rPr>
-              <a:t>	</a:t>
-            </a:r>
-            <a:r>
-              <a:rPr lang="en-US" sz="1600" b="1">
-                <a:solidFill>
-                  <a:srgbClr val="FF0000"/>
-                </a:solidFill>
-                <a:latin typeface="Courier New" charset="0"/>
-              </a:rPr>
-              <a:t>default</a:t>
-            </a:r>
-            <a:r>
-              <a:rPr lang="en-US" sz="1600" b="1">
-                <a:latin typeface="Courier New" charset="0"/>
-              </a:rPr>
-              <a:t> : </a:t>
-            </a:r>
-          </a:p>
-          <a:p>
-            <a:r>
-              <a:rPr lang="en-US" sz="1600" b="1">
-                <a:latin typeface="Courier New" charset="0"/>
-              </a:rPr>
-              <a:t>		printf(“incapable of reading directions");</a:t>
-            </a:r>
-            <a:br>
-              <a:rPr lang="en-US" sz="1600" b="1">
-                <a:latin typeface="Courier New" charset="0"/>
-              </a:rPr>
-            </a:br>
-            <a:r>
-              <a:rPr lang="en-US" sz="1600" b="1">
-                <a:latin typeface="Courier New" charset="0"/>
-              </a:rPr>
-              <a:t>		</a:t>
-            </a:r>
-            <a:r>
-              <a:rPr lang="en-US" sz="1600" b="1">
-                <a:solidFill>
-                  <a:srgbClr val="FF0000"/>
-                </a:solidFill>
-                <a:latin typeface="Courier New" charset="0"/>
-              </a:rPr>
-              <a:t>break</a:t>
-            </a:r>
-            <a:r>
-              <a:rPr lang="en-US" sz="1600" b="1">
-                <a:latin typeface="Courier New" charset="0"/>
-              </a:rPr>
-              <a:t>;</a:t>
-            </a:r>
-            <a:br>
-              <a:rPr lang="en-US" sz="1600" b="1">
-                <a:latin typeface="Courier New" charset="0"/>
-              </a:rPr>
-            </a:br>
-            <a:r>
-              <a:rPr lang="en-US" sz="1600" b="1">
-                <a:latin typeface="Courier New" charset="0"/>
-              </a:rPr>
-              <a:t>	}</a:t>
-            </a:r>
-            <a:br>
-              <a:rPr lang="en-US" sz="1600" b="1">
-                <a:latin typeface="Courier New" charset="0"/>
-              </a:rPr>
-            </a:br>
-            <a:r>
-              <a:rPr lang="en-US" sz="1600" b="1">
-                <a:latin typeface="Courier New" charset="0"/>
-              </a:rPr>
-              <a:t>	return 0;</a:t>
-            </a:r>
-          </a:p>
-          <a:p>
-            <a:pPr>
-              <a:spcBef>
-                <a:spcPct val="50000"/>
-              </a:spcBef>
-            </a:pPr>
-            <a:r>
-              <a:rPr lang="en-US" sz="1800">
-                <a:latin typeface="Courier New" charset="0"/>
-              </a:rPr>
-              <a:t>}</a:t>
-            </a:r>
-          </a:p>
-        </p:txBody>
-      </p:sp>
-      <p:sp>
-        <p:nvSpPr>
-          <p:cNvPr id="4" name="Date Placeholder 3"/>
-          <p:cNvSpPr>
-            <a:spLocks noGrp="1"/>
-          </p:cNvSpPr>
-          <p:nvPr>
-            <p:ph type="dt" sz="quarter" idx="10"/>
-          </p:nvPr>
-        </p:nvSpPr>
-        <p:spPr/>
-        <p:txBody>
-          <a:bodyPr/>
-          <a:lstStyle>
-            <a:lvl1pPr eaLnBrk="0" hangingPunct="0">
-              <a:defRPr>
-                <a:solidFill>
-                  <a:schemeClr val="tx1"/>
-                </a:solidFill>
-                <a:latin typeface="Arial" charset="0"/>
-                <a:ea typeface="ＭＳ Ｐゴシック" charset="0"/>
-                <a:cs typeface="Arial" charset="0"/>
-              </a:defRPr>
-            </a:lvl1pPr>
-            <a:lvl2pPr marL="742950" indent="-285750" eaLnBrk="0" hangingPunct="0">
-              <a:defRPr>
-                <a:solidFill>
-                  <a:schemeClr val="tx1"/>
-                </a:solidFill>
-                <a:latin typeface="Arial" charset="0"/>
-                <a:ea typeface="Arial" charset="0"/>
-                <a:cs typeface="Arial" charset="0"/>
-              </a:defRPr>
-            </a:lvl2pPr>
-            <a:lvl3pPr marL="1143000" indent="-228600" eaLnBrk="0" hangingPunct="0">
-              <a:defRPr>
-                <a:solidFill>
-                  <a:schemeClr val="tx1"/>
-                </a:solidFill>
-                <a:latin typeface="Arial" charset="0"/>
-                <a:ea typeface="Arial" charset="0"/>
-                <a:cs typeface="Arial" charset="0"/>
-              </a:defRPr>
-            </a:lvl3pPr>
-            <a:lvl4pPr marL="1600200" indent="-228600" eaLnBrk="0" hangingPunct="0">
-              <a:defRPr>
-                <a:solidFill>
-                  <a:schemeClr val="tx1"/>
-                </a:solidFill>
-                <a:latin typeface="Arial" charset="0"/>
-                <a:ea typeface="Arial" charset="0"/>
-                <a:cs typeface="Arial" charset="0"/>
-              </a:defRPr>
-            </a:lvl4pPr>
-            <a:lvl5pPr marL="2057400" indent="-228600" eaLnBrk="0" hangingPunct="0">
-              <a:defRPr>
-                <a:solidFill>
-                  <a:schemeClr val="tx1"/>
-                </a:solidFill>
-                <a:latin typeface="Arial" charset="0"/>
-                <a:ea typeface="Arial" charset="0"/>
-                <a:cs typeface="Arial" charset="0"/>
-              </a:defRPr>
-            </a:lvl5pPr>
-            <a:lvl6pPr marL="2514600" indent="-228600" eaLnBrk="0" fontAlgn="base" hangingPunct="0">
-              <a:spcBef>
-                <a:spcPct val="0"/>
-              </a:spcBef>
-              <a:spcAft>
-                <a:spcPct val="0"/>
-              </a:spcAft>
-              <a:defRPr>
-                <a:solidFill>
-                  <a:schemeClr val="tx1"/>
-                </a:solidFill>
-                <a:latin typeface="Arial" charset="0"/>
-                <a:ea typeface="Arial" charset="0"/>
-                <a:cs typeface="Arial" charset="0"/>
-              </a:defRPr>
-            </a:lvl6pPr>
-            <a:lvl7pPr marL="2971800" indent="-228600" eaLnBrk="0" fontAlgn="base" hangingPunct="0">
-              <a:spcBef>
-                <a:spcPct val="0"/>
-              </a:spcBef>
-              <a:spcAft>
-                <a:spcPct val="0"/>
-              </a:spcAft>
-              <a:defRPr>
-                <a:solidFill>
-                  <a:schemeClr val="tx1"/>
-                </a:solidFill>
-                <a:latin typeface="Arial" charset="0"/>
-                <a:ea typeface="Arial" charset="0"/>
-                <a:cs typeface="Arial" charset="0"/>
-              </a:defRPr>
-            </a:lvl7pPr>
-            <a:lvl8pPr marL="3429000" indent="-228600" eaLnBrk="0" fontAlgn="base" hangingPunct="0">
-              <a:spcBef>
-                <a:spcPct val="0"/>
-              </a:spcBef>
-              <a:spcAft>
-                <a:spcPct val="0"/>
-              </a:spcAft>
-              <a:defRPr>
-                <a:solidFill>
-                  <a:schemeClr val="tx1"/>
-                </a:solidFill>
-                <a:latin typeface="Arial" charset="0"/>
-                <a:ea typeface="Arial" charset="0"/>
-                <a:cs typeface="Arial" charset="0"/>
-              </a:defRPr>
-            </a:lvl8pPr>
-            <a:lvl9pPr marL="3886200" indent="-228600" eaLnBrk="0" fontAlgn="base" hangingPunct="0">
-              <a:spcBef>
-                <a:spcPct val="0"/>
-              </a:spcBef>
-              <a:spcAft>
-                <a:spcPct val="0"/>
-              </a:spcAft>
-              <a:defRPr>
-                <a:solidFill>
-                  <a:schemeClr val="tx1"/>
-                </a:solidFill>
-                <a:latin typeface="Arial" charset="0"/>
-                <a:ea typeface="Arial" charset="0"/>
-                <a:cs typeface="Arial" charset="0"/>
-              </a:defRPr>
-            </a:lvl9pPr>
-          </a:lstStyle>
-          <a:p>
-            <a:pPr eaLnBrk="1" hangingPunct="1"/>
-            <a:fld id="{67A9765E-EEF2-3245-B3A2-F32EC4F7A293}" type="datetime1">
-              <a:rPr lang="en-US">
-                <a:latin typeface="Garamond" charset="0"/>
-              </a:rPr>
-              <a:pPr eaLnBrk="1" hangingPunct="1"/>
-              <a:t>9/19/16</a:t>
-            </a:fld>
-            <a:endParaRPr lang="en-US">
-              <a:latin typeface="Garamond" charset="0"/>
-            </a:endParaRPr>
-          </a:p>
-        </p:txBody>
-      </p:sp>
-      <p:sp>
-        <p:nvSpPr>
-          <p:cNvPr id="5" name="Slide Number Placeholder 4"/>
-          <p:cNvSpPr>
-            <a:spLocks noGrp="1"/>
-          </p:cNvSpPr>
-          <p:nvPr>
-            <p:ph type="sldNum" sz="quarter" idx="12"/>
-          </p:nvPr>
-        </p:nvSpPr>
-        <p:spPr/>
-        <p:txBody>
-          <a:bodyPr/>
-          <a:lstStyle>
-            <a:lvl1pPr eaLnBrk="0" hangingPunct="0">
-              <a:defRPr>
-                <a:solidFill>
-                  <a:schemeClr val="tx1"/>
-                </a:solidFill>
-                <a:latin typeface="Arial" charset="0"/>
-                <a:ea typeface="ＭＳ Ｐゴシック" charset="0"/>
-                <a:cs typeface="Arial" charset="0"/>
-              </a:defRPr>
-            </a:lvl1pPr>
-            <a:lvl2pPr marL="742950" indent="-285750" eaLnBrk="0" hangingPunct="0">
-              <a:defRPr>
-                <a:solidFill>
-                  <a:schemeClr val="tx1"/>
-                </a:solidFill>
-                <a:latin typeface="Arial" charset="0"/>
-                <a:ea typeface="Arial" charset="0"/>
-                <a:cs typeface="Arial" charset="0"/>
-              </a:defRPr>
-            </a:lvl2pPr>
-            <a:lvl3pPr marL="1143000" indent="-228600" eaLnBrk="0" hangingPunct="0">
-              <a:defRPr>
-                <a:solidFill>
-                  <a:schemeClr val="tx1"/>
-                </a:solidFill>
-                <a:latin typeface="Arial" charset="0"/>
-                <a:ea typeface="Arial" charset="0"/>
-                <a:cs typeface="Arial" charset="0"/>
-              </a:defRPr>
-            </a:lvl3pPr>
-            <a:lvl4pPr marL="1600200" indent="-228600" eaLnBrk="0" hangingPunct="0">
-              <a:defRPr>
-                <a:solidFill>
-                  <a:schemeClr val="tx1"/>
-                </a:solidFill>
-                <a:latin typeface="Arial" charset="0"/>
-                <a:ea typeface="Arial" charset="0"/>
-                <a:cs typeface="Arial" charset="0"/>
-              </a:defRPr>
-            </a:lvl4pPr>
-            <a:lvl5pPr marL="2057400" indent="-228600" eaLnBrk="0" hangingPunct="0">
-              <a:defRPr>
-                <a:solidFill>
-                  <a:schemeClr val="tx1"/>
-                </a:solidFill>
-                <a:latin typeface="Arial" charset="0"/>
-                <a:ea typeface="Arial" charset="0"/>
-                <a:cs typeface="Arial" charset="0"/>
-              </a:defRPr>
-            </a:lvl5pPr>
-            <a:lvl6pPr marL="2514600" indent="-228600" eaLnBrk="0" fontAlgn="base" hangingPunct="0">
-              <a:spcBef>
-                <a:spcPct val="0"/>
-              </a:spcBef>
-              <a:spcAft>
-                <a:spcPct val="0"/>
-              </a:spcAft>
-              <a:defRPr>
-                <a:solidFill>
-                  <a:schemeClr val="tx1"/>
-                </a:solidFill>
-                <a:latin typeface="Arial" charset="0"/>
-                <a:ea typeface="Arial" charset="0"/>
-                <a:cs typeface="Arial" charset="0"/>
-              </a:defRPr>
-            </a:lvl6pPr>
-            <a:lvl7pPr marL="2971800" indent="-228600" eaLnBrk="0" fontAlgn="base" hangingPunct="0">
-              <a:spcBef>
-                <a:spcPct val="0"/>
-              </a:spcBef>
-              <a:spcAft>
-                <a:spcPct val="0"/>
-              </a:spcAft>
-              <a:defRPr>
-                <a:solidFill>
-                  <a:schemeClr val="tx1"/>
-                </a:solidFill>
-                <a:latin typeface="Arial" charset="0"/>
-                <a:ea typeface="Arial" charset="0"/>
-                <a:cs typeface="Arial" charset="0"/>
-              </a:defRPr>
-            </a:lvl7pPr>
-            <a:lvl8pPr marL="3429000" indent="-228600" eaLnBrk="0" fontAlgn="base" hangingPunct="0">
-              <a:spcBef>
-                <a:spcPct val="0"/>
-              </a:spcBef>
-              <a:spcAft>
-                <a:spcPct val="0"/>
-              </a:spcAft>
-              <a:defRPr>
-                <a:solidFill>
-                  <a:schemeClr val="tx1"/>
-                </a:solidFill>
-                <a:latin typeface="Arial" charset="0"/>
-                <a:ea typeface="Arial" charset="0"/>
-                <a:cs typeface="Arial" charset="0"/>
-              </a:defRPr>
-            </a:lvl8pPr>
-            <a:lvl9pPr marL="3886200" indent="-228600" eaLnBrk="0" fontAlgn="base" hangingPunct="0">
-              <a:spcBef>
-                <a:spcPct val="0"/>
-              </a:spcBef>
-              <a:spcAft>
-                <a:spcPct val="0"/>
-              </a:spcAft>
-              <a:defRPr>
-                <a:solidFill>
-                  <a:schemeClr val="tx1"/>
-                </a:solidFill>
-                <a:latin typeface="Arial" charset="0"/>
-                <a:ea typeface="Arial" charset="0"/>
-                <a:cs typeface="Arial" charset="0"/>
-              </a:defRPr>
-            </a:lvl9pPr>
-          </a:lstStyle>
-          <a:p>
-            <a:pPr eaLnBrk="1" hangingPunct="1"/>
-            <a:fld id="{EABEBC66-A185-3140-8156-795D1FE1752F}" type="slidenum">
-              <a:rPr lang="en-US">
-                <a:latin typeface="Garamond" charset="0"/>
-              </a:rPr>
-              <a:pPr eaLnBrk="1" hangingPunct="1"/>
-              <a:t>19</a:t>
-            </a:fld>
-            <a:endParaRPr lang="en-US">
-              <a:latin typeface="Garamond" charset="0"/>
-            </a:endParaRPr>
-          </a:p>
-        </p:txBody>
-      </p:sp>
-      <p:sp>
-        <p:nvSpPr>
-          <p:cNvPr id="6" name="Footer Placeholder 5"/>
-          <p:cNvSpPr>
-            <a:spLocks noGrp="1"/>
-          </p:cNvSpPr>
-          <p:nvPr>
-            <p:ph type="ftr" sz="quarter" idx="11"/>
-          </p:nvPr>
-        </p:nvSpPr>
-        <p:spPr/>
-        <p:txBody>
-          <a:bodyPr/>
-          <a:lstStyle/>
-          <a:p>
-            <a:pPr>
-              <a:defRPr/>
-            </a:pPr>
-            <a:r>
-              <a:rPr lang="en-US" altLang="en-US"/>
-              <a:t>ECE Application Programming: Lecture 8</a:t>
-            </a:r>
-          </a:p>
-        </p:txBody>
-      </p:sp>
-    </p:spTree>
-    <p:extLst>
-      <p:ext uri="{BB962C8B-B14F-4D97-AF65-F5344CB8AC3E}">
-        <p14:creationId xmlns:p14="http://schemas.microsoft.com/office/powerpoint/2010/main" val="2398597823"/>
-      </p:ext>
-    </p:extLst>
   </p:cSld>
   <p:clrMapOvr>
     <a:masterClrMapping/>
@@ -12631,12 +8378,6 @@
               </a:rPr>
               <a:t>9/28</a:t>
             </a:r>
-            <a:endParaRPr lang="en-US" b="1" dirty="0" smtClean="0">
-              <a:solidFill>
-                <a:srgbClr val="FF0000"/>
-              </a:solidFill>
-              <a:latin typeface="Arial" charset="0"/>
-            </a:endParaRPr>
           </a:p>
           <a:p>
             <a:pPr lvl="2"/>
@@ -12644,13 +8385,7 @@
               <a:rPr lang="en-US" dirty="0" smtClean="0">
                 <a:latin typeface="Arial" charset="0"/>
               </a:rPr>
-              <a:t>Late penalties capped at -1 from </a:t>
-            </a:r>
-            <a:r>
-              <a:rPr lang="en-US" dirty="0" smtClean="0">
-                <a:latin typeface="Arial" charset="0"/>
-              </a:rPr>
-              <a:t>9/29 through 10/3</a:t>
+              <a:t>Late penalties capped at -1 from 9/29 through 10/3</a:t>
             </a:r>
             <a:endParaRPr lang="en-US" dirty="0">
               <a:latin typeface="Arial" charset="0"/>
@@ -12674,13 +8409,7 @@
               <a:rPr lang="en-US" dirty="0" smtClean="0">
                 <a:latin typeface="Arial" charset="0"/>
               </a:rPr>
-              <a:t>Friday, </a:t>
-            </a:r>
-            <a:r>
-              <a:rPr lang="en-US" dirty="0" smtClean="0">
-                <a:latin typeface="Arial" charset="0"/>
-              </a:rPr>
-              <a:t>9/30</a:t>
+              <a:t>Friday, 9/30</a:t>
             </a:r>
             <a:endParaRPr lang="en-US" dirty="0">
               <a:latin typeface="Arial" charset="0"/>
@@ -12909,7 +8638,7 @@
                 <a:latin typeface="Garamond" charset="0"/>
               </a:rPr>
               <a:pPr eaLnBrk="1" hangingPunct="1"/>
-              <a:t>9/19/16</a:t>
+              <a:t>9/21/16</a:t>
             </a:fld>
             <a:endParaRPr lang="en-US">
               <a:latin typeface="Garamond" charset="0"/>
@@ -13080,2644 +8809,6 @@
               </a:rPr>
               <a:pPr eaLnBrk="1" hangingPunct="1"/>
               <a:t>2</a:t>
-            </a:fld>
-            <a:endParaRPr lang="en-US">
-              <a:latin typeface="Garamond" charset="0"/>
-            </a:endParaRPr>
-          </a:p>
-        </p:txBody>
-      </p:sp>
-    </p:spTree>
-  </p:cSld>
-  <p:clrMapOvr>
-    <a:masterClrMapping/>
-  </p:clrMapOvr>
-  <p:timing>
-    <p:tnLst>
-      <p:par>
-        <p:cTn xmlns:p14="http://schemas.microsoft.com/office/powerpoint/2010/main" id="1" dur="indefinite" restart="never" nodeType="tmRoot"/>
-      </p:par>
-    </p:tnLst>
-  </p:timing>
-</p:sld>
-</file>
-
-<file path=ppt/slides/slide20.xml><?xml version="1.0" encoding="utf-8"?>
-<p:sld xmlns:a="http://schemas.openxmlformats.org/drawingml/2006/main" xmlns:r="http://schemas.openxmlformats.org/officeDocument/2006/relationships" xmlns:p="http://schemas.openxmlformats.org/presentationml/2006/main">
-  <p:cSld>
-    <p:spTree>
-      <p:nvGrpSpPr>
-        <p:cNvPr id="1" name=""/>
-        <p:cNvGrpSpPr/>
-        <p:nvPr/>
-      </p:nvGrpSpPr>
-      <p:grpSpPr>
-        <a:xfrm>
-          <a:off x="0" y="0"/>
-          <a:ext cx="0" cy="0"/>
-          <a:chOff x="0" y="0"/>
-          <a:chExt cx="0" cy="0"/>
-        </a:xfrm>
-      </p:grpSpPr>
-      <p:sp>
-        <p:nvSpPr>
-          <p:cNvPr id="23554" name="Title 5"/>
-          <p:cNvSpPr>
-            <a:spLocks noGrp="1"/>
-          </p:cNvSpPr>
-          <p:nvPr>
-            <p:ph type="title"/>
-          </p:nvPr>
-        </p:nvSpPr>
-        <p:spPr/>
-        <p:txBody>
-          <a:bodyPr/>
-          <a:lstStyle/>
-          <a:p>
-            <a:r>
-              <a:rPr lang="en-US">
-                <a:latin typeface="Garamond" charset="0"/>
-              </a:rPr>
-              <a:t>Example: switch statement</a:t>
-            </a:r>
-          </a:p>
-        </p:txBody>
-      </p:sp>
-      <p:sp>
-        <p:nvSpPr>
-          <p:cNvPr id="7" name="Content Placeholder 6"/>
-          <p:cNvSpPr>
-            <a:spLocks noGrp="1"/>
-          </p:cNvSpPr>
-          <p:nvPr>
-            <p:ph idx="1"/>
-          </p:nvPr>
-        </p:nvSpPr>
-        <p:spPr/>
-        <p:txBody>
-          <a:bodyPr/>
-          <a:lstStyle/>
-          <a:p>
-            <a:pPr>
-              <a:buFont typeface="Wingdings" pitchFamily="2" charset="2"/>
-              <a:buChar char="n"/>
-              <a:defRPr/>
-            </a:pPr>
-            <a:r>
-              <a:rPr lang="en-US" dirty="0" smtClean="0">
-                <a:ea typeface="+mn-ea"/>
-              </a:rPr>
-              <a:t>What does the program on the previous slides print if the user enters:</a:t>
-            </a:r>
-          </a:p>
-          <a:p>
-            <a:pPr lvl="1">
-              <a:buFont typeface="Wingdings" pitchFamily="2" charset="2"/>
-              <a:buChar char="q"/>
-              <a:defRPr/>
-            </a:pPr>
-            <a:r>
-              <a:rPr lang="en-US" dirty="0" smtClean="0"/>
-              <a:t>A</a:t>
-            </a:r>
-          </a:p>
-          <a:p>
-            <a:pPr lvl="1">
-              <a:buFont typeface="Wingdings" pitchFamily="2" charset="2"/>
-              <a:buChar char="q"/>
-              <a:defRPr/>
-            </a:pPr>
-            <a:r>
-              <a:rPr lang="en-US" dirty="0" smtClean="0"/>
-              <a:t>B+</a:t>
-            </a:r>
-          </a:p>
-          <a:p>
-            <a:pPr lvl="1">
-              <a:buFont typeface="Wingdings" pitchFamily="2" charset="2"/>
-              <a:buChar char="q"/>
-              <a:defRPr/>
-            </a:pPr>
-            <a:r>
-              <a:rPr lang="en-US" dirty="0" smtClean="0"/>
-              <a:t>c</a:t>
-            </a:r>
-          </a:p>
-          <a:p>
-            <a:pPr lvl="1">
-              <a:buFont typeface="Wingdings" pitchFamily="2" charset="2"/>
-              <a:buChar char="q"/>
-              <a:defRPr/>
-            </a:pPr>
-            <a:r>
-              <a:rPr lang="en-US" dirty="0" smtClean="0"/>
-              <a:t>X</a:t>
-            </a:r>
-          </a:p>
-          <a:p>
-            <a:pPr>
-              <a:buFont typeface="Wingdings" pitchFamily="2" charset="2"/>
-              <a:buChar char="n"/>
-              <a:defRPr/>
-            </a:pPr>
-            <a:r>
-              <a:rPr lang="en-US" dirty="0" smtClean="0">
-                <a:ea typeface="+mn-ea"/>
-              </a:rPr>
-              <a:t>Recognize, of course, that it always prints:</a:t>
-            </a:r>
-          </a:p>
-          <a:p>
-            <a:pPr marL="0" indent="0">
-              <a:buFont typeface="Wingdings" pitchFamily="2" charset="2"/>
-              <a:buNone/>
-              <a:defRPr/>
-            </a:pPr>
-            <a:r>
-              <a:rPr lang="en-US" dirty="0">
-                <a:ea typeface="+mn-ea"/>
-              </a:rPr>
-              <a:t>	</a:t>
-            </a:r>
-            <a:r>
-              <a:rPr lang="en-US" dirty="0" smtClean="0">
-                <a:latin typeface="Courier New" pitchFamily="49" charset="0"/>
-                <a:ea typeface="+mn-ea"/>
-                <a:cs typeface="Courier New" pitchFamily="49" charset="0"/>
-              </a:rPr>
-              <a:t>Enter Letter </a:t>
-            </a:r>
-            <a:r>
-              <a:rPr lang="en-US" dirty="0">
-                <a:latin typeface="Courier New" pitchFamily="49" charset="0"/>
-                <a:ea typeface="+mn-ea"/>
-                <a:cs typeface="Courier New" pitchFamily="49" charset="0"/>
-              </a:rPr>
-              <a:t>G</a:t>
-            </a:r>
-            <a:r>
-              <a:rPr lang="en-US" dirty="0" smtClean="0">
-                <a:latin typeface="Courier New" pitchFamily="49" charset="0"/>
-                <a:ea typeface="+mn-ea"/>
-                <a:cs typeface="Courier New" pitchFamily="49" charset="0"/>
-              </a:rPr>
-              <a:t>rade:</a:t>
-            </a:r>
-          </a:p>
-          <a:p>
-            <a:pPr marL="0" indent="0">
-              <a:buFont typeface="Wingdings" pitchFamily="2" charset="2"/>
-              <a:buNone/>
-              <a:defRPr/>
-            </a:pPr>
-            <a:endParaRPr lang="en-US" dirty="0">
-              <a:latin typeface="Courier New" pitchFamily="49" charset="0"/>
-              <a:ea typeface="+mn-ea"/>
-              <a:cs typeface="Courier New" pitchFamily="49" charset="0"/>
-            </a:endParaRPr>
-          </a:p>
-        </p:txBody>
-      </p:sp>
-      <p:sp>
-        <p:nvSpPr>
-          <p:cNvPr id="3" name="Date Placeholder 2"/>
-          <p:cNvSpPr>
-            <a:spLocks noGrp="1"/>
-          </p:cNvSpPr>
-          <p:nvPr>
-            <p:ph type="dt" sz="quarter" idx="10"/>
-          </p:nvPr>
-        </p:nvSpPr>
-        <p:spPr/>
-        <p:txBody>
-          <a:bodyPr/>
-          <a:lstStyle>
-            <a:lvl1pPr eaLnBrk="0" hangingPunct="0">
-              <a:defRPr>
-                <a:solidFill>
-                  <a:schemeClr val="tx1"/>
-                </a:solidFill>
-                <a:latin typeface="Arial" charset="0"/>
-                <a:ea typeface="ＭＳ Ｐゴシック" charset="0"/>
-                <a:cs typeface="Arial" charset="0"/>
-              </a:defRPr>
-            </a:lvl1pPr>
-            <a:lvl2pPr marL="742950" indent="-285750" eaLnBrk="0" hangingPunct="0">
-              <a:defRPr>
-                <a:solidFill>
-                  <a:schemeClr val="tx1"/>
-                </a:solidFill>
-                <a:latin typeface="Arial" charset="0"/>
-                <a:ea typeface="Arial" charset="0"/>
-                <a:cs typeface="Arial" charset="0"/>
-              </a:defRPr>
-            </a:lvl2pPr>
-            <a:lvl3pPr marL="1143000" indent="-228600" eaLnBrk="0" hangingPunct="0">
-              <a:defRPr>
-                <a:solidFill>
-                  <a:schemeClr val="tx1"/>
-                </a:solidFill>
-                <a:latin typeface="Arial" charset="0"/>
-                <a:ea typeface="Arial" charset="0"/>
-                <a:cs typeface="Arial" charset="0"/>
-              </a:defRPr>
-            </a:lvl3pPr>
-            <a:lvl4pPr marL="1600200" indent="-228600" eaLnBrk="0" hangingPunct="0">
-              <a:defRPr>
-                <a:solidFill>
-                  <a:schemeClr val="tx1"/>
-                </a:solidFill>
-                <a:latin typeface="Arial" charset="0"/>
-                <a:ea typeface="Arial" charset="0"/>
-                <a:cs typeface="Arial" charset="0"/>
-              </a:defRPr>
-            </a:lvl4pPr>
-            <a:lvl5pPr marL="2057400" indent="-228600" eaLnBrk="0" hangingPunct="0">
-              <a:defRPr>
-                <a:solidFill>
-                  <a:schemeClr val="tx1"/>
-                </a:solidFill>
-                <a:latin typeface="Arial" charset="0"/>
-                <a:ea typeface="Arial" charset="0"/>
-                <a:cs typeface="Arial" charset="0"/>
-              </a:defRPr>
-            </a:lvl5pPr>
-            <a:lvl6pPr marL="2514600" indent="-228600" eaLnBrk="0" fontAlgn="base" hangingPunct="0">
-              <a:spcBef>
-                <a:spcPct val="0"/>
-              </a:spcBef>
-              <a:spcAft>
-                <a:spcPct val="0"/>
-              </a:spcAft>
-              <a:defRPr>
-                <a:solidFill>
-                  <a:schemeClr val="tx1"/>
-                </a:solidFill>
-                <a:latin typeface="Arial" charset="0"/>
-                <a:ea typeface="Arial" charset="0"/>
-                <a:cs typeface="Arial" charset="0"/>
-              </a:defRPr>
-            </a:lvl6pPr>
-            <a:lvl7pPr marL="2971800" indent="-228600" eaLnBrk="0" fontAlgn="base" hangingPunct="0">
-              <a:spcBef>
-                <a:spcPct val="0"/>
-              </a:spcBef>
-              <a:spcAft>
-                <a:spcPct val="0"/>
-              </a:spcAft>
-              <a:defRPr>
-                <a:solidFill>
-                  <a:schemeClr val="tx1"/>
-                </a:solidFill>
-                <a:latin typeface="Arial" charset="0"/>
-                <a:ea typeface="Arial" charset="0"/>
-                <a:cs typeface="Arial" charset="0"/>
-              </a:defRPr>
-            </a:lvl7pPr>
-            <a:lvl8pPr marL="3429000" indent="-228600" eaLnBrk="0" fontAlgn="base" hangingPunct="0">
-              <a:spcBef>
-                <a:spcPct val="0"/>
-              </a:spcBef>
-              <a:spcAft>
-                <a:spcPct val="0"/>
-              </a:spcAft>
-              <a:defRPr>
-                <a:solidFill>
-                  <a:schemeClr val="tx1"/>
-                </a:solidFill>
-                <a:latin typeface="Arial" charset="0"/>
-                <a:ea typeface="Arial" charset="0"/>
-                <a:cs typeface="Arial" charset="0"/>
-              </a:defRPr>
-            </a:lvl8pPr>
-            <a:lvl9pPr marL="3886200" indent="-228600" eaLnBrk="0" fontAlgn="base" hangingPunct="0">
-              <a:spcBef>
-                <a:spcPct val="0"/>
-              </a:spcBef>
-              <a:spcAft>
-                <a:spcPct val="0"/>
-              </a:spcAft>
-              <a:defRPr>
-                <a:solidFill>
-                  <a:schemeClr val="tx1"/>
-                </a:solidFill>
-                <a:latin typeface="Arial" charset="0"/>
-                <a:ea typeface="Arial" charset="0"/>
-                <a:cs typeface="Arial" charset="0"/>
-              </a:defRPr>
-            </a:lvl9pPr>
-          </a:lstStyle>
-          <a:p>
-            <a:pPr eaLnBrk="1" hangingPunct="1"/>
-            <a:fld id="{A90912B9-D72E-A946-81E6-496FC68B9389}" type="datetime1">
-              <a:rPr lang="en-US">
-                <a:latin typeface="Garamond" charset="0"/>
-              </a:rPr>
-              <a:pPr eaLnBrk="1" hangingPunct="1"/>
-              <a:t>9/19/16</a:t>
-            </a:fld>
-            <a:endParaRPr lang="en-US">
-              <a:latin typeface="Garamond" charset="0"/>
-            </a:endParaRPr>
-          </a:p>
-        </p:txBody>
-      </p:sp>
-      <p:sp>
-        <p:nvSpPr>
-          <p:cNvPr id="4" name="Footer Placeholder 3"/>
-          <p:cNvSpPr>
-            <a:spLocks noGrp="1"/>
-          </p:cNvSpPr>
-          <p:nvPr>
-            <p:ph type="ftr" sz="quarter" idx="11"/>
-          </p:nvPr>
-        </p:nvSpPr>
-        <p:spPr/>
-        <p:txBody>
-          <a:bodyPr/>
-          <a:lstStyle/>
-          <a:p>
-            <a:pPr>
-              <a:defRPr/>
-            </a:pPr>
-            <a:r>
-              <a:rPr lang="en-US" altLang="en-US"/>
-              <a:t>ECE Application Programming: Lecture 8</a:t>
-            </a:r>
-          </a:p>
-        </p:txBody>
-      </p:sp>
-      <p:sp>
-        <p:nvSpPr>
-          <p:cNvPr id="5" name="Slide Number Placeholder 4"/>
-          <p:cNvSpPr>
-            <a:spLocks noGrp="1"/>
-          </p:cNvSpPr>
-          <p:nvPr>
-            <p:ph type="sldNum" sz="quarter" idx="12"/>
-          </p:nvPr>
-        </p:nvSpPr>
-        <p:spPr/>
-        <p:txBody>
-          <a:bodyPr/>
-          <a:lstStyle>
-            <a:lvl1pPr eaLnBrk="0" hangingPunct="0">
-              <a:defRPr>
-                <a:solidFill>
-                  <a:schemeClr val="tx1"/>
-                </a:solidFill>
-                <a:latin typeface="Arial" charset="0"/>
-                <a:ea typeface="ＭＳ Ｐゴシック" charset="0"/>
-                <a:cs typeface="Arial" charset="0"/>
-              </a:defRPr>
-            </a:lvl1pPr>
-            <a:lvl2pPr marL="742950" indent="-285750" eaLnBrk="0" hangingPunct="0">
-              <a:defRPr>
-                <a:solidFill>
-                  <a:schemeClr val="tx1"/>
-                </a:solidFill>
-                <a:latin typeface="Arial" charset="0"/>
-                <a:ea typeface="Arial" charset="0"/>
-                <a:cs typeface="Arial" charset="0"/>
-              </a:defRPr>
-            </a:lvl2pPr>
-            <a:lvl3pPr marL="1143000" indent="-228600" eaLnBrk="0" hangingPunct="0">
-              <a:defRPr>
-                <a:solidFill>
-                  <a:schemeClr val="tx1"/>
-                </a:solidFill>
-                <a:latin typeface="Arial" charset="0"/>
-                <a:ea typeface="Arial" charset="0"/>
-                <a:cs typeface="Arial" charset="0"/>
-              </a:defRPr>
-            </a:lvl3pPr>
-            <a:lvl4pPr marL="1600200" indent="-228600" eaLnBrk="0" hangingPunct="0">
-              <a:defRPr>
-                <a:solidFill>
-                  <a:schemeClr val="tx1"/>
-                </a:solidFill>
-                <a:latin typeface="Arial" charset="0"/>
-                <a:ea typeface="Arial" charset="0"/>
-                <a:cs typeface="Arial" charset="0"/>
-              </a:defRPr>
-            </a:lvl4pPr>
-            <a:lvl5pPr marL="2057400" indent="-228600" eaLnBrk="0" hangingPunct="0">
-              <a:defRPr>
-                <a:solidFill>
-                  <a:schemeClr val="tx1"/>
-                </a:solidFill>
-                <a:latin typeface="Arial" charset="0"/>
-                <a:ea typeface="Arial" charset="0"/>
-                <a:cs typeface="Arial" charset="0"/>
-              </a:defRPr>
-            </a:lvl5pPr>
-            <a:lvl6pPr marL="2514600" indent="-228600" eaLnBrk="0" fontAlgn="base" hangingPunct="0">
-              <a:spcBef>
-                <a:spcPct val="0"/>
-              </a:spcBef>
-              <a:spcAft>
-                <a:spcPct val="0"/>
-              </a:spcAft>
-              <a:defRPr>
-                <a:solidFill>
-                  <a:schemeClr val="tx1"/>
-                </a:solidFill>
-                <a:latin typeface="Arial" charset="0"/>
-                <a:ea typeface="Arial" charset="0"/>
-                <a:cs typeface="Arial" charset="0"/>
-              </a:defRPr>
-            </a:lvl6pPr>
-            <a:lvl7pPr marL="2971800" indent="-228600" eaLnBrk="0" fontAlgn="base" hangingPunct="0">
-              <a:spcBef>
-                <a:spcPct val="0"/>
-              </a:spcBef>
-              <a:spcAft>
-                <a:spcPct val="0"/>
-              </a:spcAft>
-              <a:defRPr>
-                <a:solidFill>
-                  <a:schemeClr val="tx1"/>
-                </a:solidFill>
-                <a:latin typeface="Arial" charset="0"/>
-                <a:ea typeface="Arial" charset="0"/>
-                <a:cs typeface="Arial" charset="0"/>
-              </a:defRPr>
-            </a:lvl7pPr>
-            <a:lvl8pPr marL="3429000" indent="-228600" eaLnBrk="0" fontAlgn="base" hangingPunct="0">
-              <a:spcBef>
-                <a:spcPct val="0"/>
-              </a:spcBef>
-              <a:spcAft>
-                <a:spcPct val="0"/>
-              </a:spcAft>
-              <a:defRPr>
-                <a:solidFill>
-                  <a:schemeClr val="tx1"/>
-                </a:solidFill>
-                <a:latin typeface="Arial" charset="0"/>
-                <a:ea typeface="Arial" charset="0"/>
-                <a:cs typeface="Arial" charset="0"/>
-              </a:defRPr>
-            </a:lvl8pPr>
-            <a:lvl9pPr marL="3886200" indent="-228600" eaLnBrk="0" fontAlgn="base" hangingPunct="0">
-              <a:spcBef>
-                <a:spcPct val="0"/>
-              </a:spcBef>
-              <a:spcAft>
-                <a:spcPct val="0"/>
-              </a:spcAft>
-              <a:defRPr>
-                <a:solidFill>
-                  <a:schemeClr val="tx1"/>
-                </a:solidFill>
-                <a:latin typeface="Arial" charset="0"/>
-                <a:ea typeface="Arial" charset="0"/>
-                <a:cs typeface="Arial" charset="0"/>
-              </a:defRPr>
-            </a:lvl9pPr>
-          </a:lstStyle>
-          <a:p>
-            <a:pPr eaLnBrk="1" hangingPunct="1"/>
-            <a:fld id="{87B7EFE4-A972-184A-BCDD-DE8B277BF7B1}" type="slidenum">
-              <a:rPr lang="en-US">
-                <a:latin typeface="Garamond" charset="0"/>
-              </a:rPr>
-              <a:pPr eaLnBrk="1" hangingPunct="1"/>
-              <a:t>20</a:t>
-            </a:fld>
-            <a:endParaRPr lang="en-US">
-              <a:latin typeface="Garamond" charset="0"/>
-            </a:endParaRPr>
-          </a:p>
-        </p:txBody>
-      </p:sp>
-    </p:spTree>
-    <p:extLst>
-      <p:ext uri="{BB962C8B-B14F-4D97-AF65-F5344CB8AC3E}">
-        <p14:creationId xmlns:p14="http://schemas.microsoft.com/office/powerpoint/2010/main" val="2114939583"/>
-      </p:ext>
-    </p:extLst>
-  </p:cSld>
-  <p:clrMapOvr>
-    <a:masterClrMapping/>
-  </p:clrMapOvr>
-  <p:timing>
-    <p:tnLst>
-      <p:par>
-        <p:cTn xmlns:p14="http://schemas.microsoft.com/office/powerpoint/2010/main" id="1" dur="indefinite" restart="never" nodeType="tmRoot"/>
-      </p:par>
-    </p:tnLst>
-  </p:timing>
-</p:sld>
-</file>
-
-<file path=ppt/slides/slide21.xml><?xml version="1.0" encoding="utf-8"?>
-<p:sld xmlns:a="http://schemas.openxmlformats.org/drawingml/2006/main" xmlns:r="http://schemas.openxmlformats.org/officeDocument/2006/relationships" xmlns:p="http://schemas.openxmlformats.org/presentationml/2006/main">
-  <p:cSld>
-    <p:spTree>
-      <p:nvGrpSpPr>
-        <p:cNvPr id="1" name=""/>
-        <p:cNvGrpSpPr/>
-        <p:nvPr/>
-      </p:nvGrpSpPr>
-      <p:grpSpPr>
-        <a:xfrm>
-          <a:off x="0" y="0"/>
-          <a:ext cx="0" cy="0"/>
-          <a:chOff x="0" y="0"/>
-          <a:chExt cx="0" cy="0"/>
-        </a:xfrm>
-      </p:grpSpPr>
-      <p:sp>
-        <p:nvSpPr>
-          <p:cNvPr id="24578" name="Title 5"/>
-          <p:cNvSpPr>
-            <a:spLocks noGrp="1"/>
-          </p:cNvSpPr>
-          <p:nvPr>
-            <p:ph type="title"/>
-          </p:nvPr>
-        </p:nvSpPr>
-        <p:spPr/>
-        <p:txBody>
-          <a:bodyPr/>
-          <a:lstStyle/>
-          <a:p>
-            <a:r>
-              <a:rPr lang="en-US">
-                <a:latin typeface="Garamond" charset="0"/>
-              </a:rPr>
-              <a:t>Example solution</a:t>
-            </a:r>
-          </a:p>
-        </p:txBody>
-      </p:sp>
-      <p:sp>
-        <p:nvSpPr>
-          <p:cNvPr id="7" name="Content Placeholder 6"/>
-          <p:cNvSpPr>
-            <a:spLocks noGrp="1"/>
-          </p:cNvSpPr>
-          <p:nvPr>
-            <p:ph idx="1"/>
-          </p:nvPr>
-        </p:nvSpPr>
-        <p:spPr/>
-        <p:txBody>
-          <a:bodyPr>
-            <a:normAutofit/>
-          </a:bodyPr>
-          <a:lstStyle/>
-          <a:p>
-            <a:pPr>
-              <a:lnSpc>
-                <a:spcPct val="80000"/>
-              </a:lnSpc>
-            </a:pPr>
-            <a:r>
-              <a:rPr lang="en-US" sz="2800">
-                <a:latin typeface="Arial" charset="0"/>
-              </a:rPr>
-              <a:t>What does the program on the previous slides print if the user enters:</a:t>
-            </a:r>
-          </a:p>
-          <a:p>
-            <a:pPr lvl="1">
-              <a:lnSpc>
-                <a:spcPct val="80000"/>
-              </a:lnSpc>
-            </a:pPr>
-            <a:r>
-              <a:rPr lang="en-US" sz="2400">
-                <a:latin typeface="Arial" charset="0"/>
-              </a:rPr>
-              <a:t>A</a:t>
-            </a:r>
-          </a:p>
-          <a:p>
-            <a:pPr lvl="2">
-              <a:lnSpc>
-                <a:spcPct val="80000"/>
-              </a:lnSpc>
-            </a:pPr>
-            <a:r>
-              <a:rPr lang="en-US" sz="2000" b="1">
-                <a:solidFill>
-                  <a:srgbClr val="FF0000"/>
-                </a:solidFill>
-                <a:latin typeface="Courier New" charset="0"/>
-                <a:cs typeface="Courier New" charset="0"/>
-              </a:rPr>
-              <a:t>You are excellent</a:t>
-            </a:r>
-          </a:p>
-          <a:p>
-            <a:pPr lvl="1">
-              <a:lnSpc>
-                <a:spcPct val="80000"/>
-              </a:lnSpc>
-            </a:pPr>
-            <a:r>
-              <a:rPr lang="en-US" sz="2400">
-                <a:latin typeface="Arial" charset="0"/>
-              </a:rPr>
-              <a:t>B+</a:t>
-            </a:r>
-          </a:p>
-          <a:p>
-            <a:pPr lvl="2">
-              <a:lnSpc>
-                <a:spcPct val="80000"/>
-              </a:lnSpc>
-            </a:pPr>
-            <a:r>
-              <a:rPr lang="en-US" sz="2000">
-                <a:latin typeface="Arial" charset="0"/>
-              </a:rPr>
-              <a:t>Only first character is read—</a:t>
-            </a:r>
-            <a:r>
-              <a:rPr lang="ja-JP" altLang="en-US" sz="2000">
-                <a:latin typeface="Courier New" charset="0"/>
-                <a:cs typeface="Courier New" charset="0"/>
-              </a:rPr>
-              <a:t>’</a:t>
-            </a:r>
-            <a:r>
-              <a:rPr lang="en-US" sz="2000">
-                <a:latin typeface="Courier New" charset="0"/>
-                <a:cs typeface="Courier New" charset="0"/>
-              </a:rPr>
-              <a:t>B</a:t>
-            </a:r>
-            <a:r>
-              <a:rPr lang="ja-JP" altLang="en-US" sz="2000">
-                <a:latin typeface="Courier New" charset="0"/>
-                <a:cs typeface="Courier New" charset="0"/>
-              </a:rPr>
-              <a:t>’</a:t>
-            </a:r>
-            <a:endParaRPr lang="en-US" sz="2000">
-              <a:latin typeface="Courier New" charset="0"/>
-              <a:cs typeface="Courier New" charset="0"/>
-            </a:endParaRPr>
-          </a:p>
-          <a:p>
-            <a:pPr lvl="2">
-              <a:lnSpc>
-                <a:spcPct val="80000"/>
-              </a:lnSpc>
-            </a:pPr>
-            <a:r>
-              <a:rPr lang="en-US" sz="2000" b="1">
-                <a:solidFill>
-                  <a:srgbClr val="FF0000"/>
-                </a:solidFill>
-                <a:latin typeface="Courier New" charset="0"/>
-                <a:cs typeface="Courier New" charset="0"/>
-              </a:rPr>
-              <a:t>You are good</a:t>
-            </a:r>
-            <a:endParaRPr lang="en-US" sz="2000">
-              <a:latin typeface="Courier New" charset="0"/>
-              <a:cs typeface="Courier New" charset="0"/>
-            </a:endParaRPr>
-          </a:p>
-          <a:p>
-            <a:pPr lvl="1">
-              <a:lnSpc>
-                <a:spcPct val="80000"/>
-              </a:lnSpc>
-            </a:pPr>
-            <a:r>
-              <a:rPr lang="en-US" sz="2400">
-                <a:latin typeface="Arial" charset="0"/>
-              </a:rPr>
-              <a:t>c</a:t>
-            </a:r>
-          </a:p>
-          <a:p>
-            <a:pPr lvl="2">
-              <a:lnSpc>
-                <a:spcPct val="80000"/>
-              </a:lnSpc>
-            </a:pPr>
-            <a:r>
-              <a:rPr lang="en-US" sz="2000">
-                <a:latin typeface="Arial" charset="0"/>
-              </a:rPr>
-              <a:t>This program is case-sensitive—</a:t>
-            </a:r>
-            <a:r>
-              <a:rPr lang="ja-JP" altLang="en-US" sz="2000">
-                <a:latin typeface="Courier New" charset="0"/>
-                <a:cs typeface="Courier New" charset="0"/>
-              </a:rPr>
-              <a:t>’</a:t>
-            </a:r>
-            <a:r>
-              <a:rPr lang="en-US" sz="2000">
-                <a:latin typeface="Courier New" charset="0"/>
-                <a:cs typeface="Courier New" charset="0"/>
-              </a:rPr>
-              <a:t>C</a:t>
-            </a:r>
-            <a:r>
-              <a:rPr lang="ja-JP" altLang="en-US" sz="2000">
-                <a:latin typeface="Courier New" charset="0"/>
-                <a:cs typeface="Courier New" charset="0"/>
-              </a:rPr>
-              <a:t>’</a:t>
-            </a:r>
-            <a:r>
-              <a:rPr lang="en-US" sz="2000">
-                <a:latin typeface="Arial" charset="0"/>
-              </a:rPr>
-              <a:t> and </a:t>
-            </a:r>
-            <a:r>
-              <a:rPr lang="ja-JP" altLang="en-US" sz="2000">
-                <a:latin typeface="Courier New" charset="0"/>
-                <a:cs typeface="Courier New" charset="0"/>
-              </a:rPr>
-              <a:t>‘</a:t>
-            </a:r>
-            <a:r>
-              <a:rPr lang="en-US" sz="2000">
-                <a:latin typeface="Courier New" charset="0"/>
-                <a:cs typeface="Courier New" charset="0"/>
-              </a:rPr>
-              <a:t>c</a:t>
-            </a:r>
-            <a:r>
-              <a:rPr lang="ja-JP" altLang="en-US" sz="2000">
-                <a:latin typeface="Courier New" charset="0"/>
-                <a:cs typeface="Courier New" charset="0"/>
-              </a:rPr>
-              <a:t>’</a:t>
-            </a:r>
-            <a:r>
-              <a:rPr lang="en-US" sz="2000">
-                <a:latin typeface="Arial" charset="0"/>
-              </a:rPr>
-              <a:t> are two different characters!</a:t>
-            </a:r>
-          </a:p>
-          <a:p>
-            <a:pPr lvl="3">
-              <a:lnSpc>
-                <a:spcPct val="80000"/>
-              </a:lnSpc>
-            </a:pPr>
-            <a:r>
-              <a:rPr lang="en-US" sz="1900">
-                <a:latin typeface="Arial" charset="0"/>
-              </a:rPr>
-              <a:t>Will go to default case</a:t>
-            </a:r>
-          </a:p>
-          <a:p>
-            <a:pPr lvl="2">
-              <a:lnSpc>
-                <a:spcPct val="80000"/>
-              </a:lnSpc>
-            </a:pPr>
-            <a:r>
-              <a:rPr lang="en-US" sz="2000" b="1">
-                <a:solidFill>
-                  <a:srgbClr val="FF0000"/>
-                </a:solidFill>
-                <a:latin typeface="Courier New" charset="0"/>
-                <a:cs typeface="Courier New" charset="0"/>
-              </a:rPr>
-              <a:t>You are incapable of reading directions</a:t>
-            </a:r>
-            <a:endParaRPr lang="en-US" sz="2000">
-              <a:latin typeface="Arial" charset="0"/>
-            </a:endParaRPr>
-          </a:p>
-          <a:p>
-            <a:pPr lvl="1">
-              <a:lnSpc>
-                <a:spcPct val="80000"/>
-              </a:lnSpc>
-            </a:pPr>
-            <a:r>
-              <a:rPr lang="en-US" sz="2400">
-                <a:latin typeface="Arial" charset="0"/>
-              </a:rPr>
-              <a:t>X</a:t>
-            </a:r>
-          </a:p>
-          <a:p>
-            <a:pPr lvl="2">
-              <a:lnSpc>
-                <a:spcPct val="80000"/>
-              </a:lnSpc>
-            </a:pPr>
-            <a:r>
-              <a:rPr lang="en-US" sz="2000">
-                <a:latin typeface="Arial" charset="0"/>
-              </a:rPr>
-              <a:t>No case for </a:t>
-            </a:r>
-            <a:r>
-              <a:rPr lang="ja-JP" altLang="en-US" sz="2000">
-                <a:latin typeface="Courier New" charset="0"/>
-                <a:cs typeface="Courier New" charset="0"/>
-              </a:rPr>
-              <a:t>‘</a:t>
-            </a:r>
-            <a:r>
-              <a:rPr lang="en-US" sz="2000">
-                <a:latin typeface="Courier New" charset="0"/>
-                <a:cs typeface="Courier New" charset="0"/>
-              </a:rPr>
-              <a:t>X</a:t>
-            </a:r>
-            <a:r>
-              <a:rPr lang="ja-JP" altLang="en-US" sz="2000">
-                <a:latin typeface="Courier New" charset="0"/>
-                <a:cs typeface="Courier New" charset="0"/>
-              </a:rPr>
-              <a:t>’</a:t>
-            </a:r>
-            <a:r>
-              <a:rPr lang="en-US" sz="2000">
-                <a:latin typeface="Arial" charset="0"/>
-              </a:rPr>
-              <a:t>—goes to default case</a:t>
-            </a:r>
-          </a:p>
-          <a:p>
-            <a:pPr lvl="2">
-              <a:lnSpc>
-                <a:spcPct val="80000"/>
-              </a:lnSpc>
-            </a:pPr>
-            <a:r>
-              <a:rPr lang="en-US" sz="2000" b="1">
-                <a:solidFill>
-                  <a:srgbClr val="FF0000"/>
-                </a:solidFill>
-                <a:latin typeface="Courier New" charset="0"/>
-                <a:cs typeface="Courier New" charset="0"/>
-              </a:rPr>
-              <a:t>You are incapable of reading directions</a:t>
-            </a:r>
-            <a:endParaRPr lang="en-US" sz="2000">
-              <a:latin typeface="Arial" charset="0"/>
-            </a:endParaRPr>
-          </a:p>
-        </p:txBody>
-      </p:sp>
-      <p:sp>
-        <p:nvSpPr>
-          <p:cNvPr id="3" name="Date Placeholder 2"/>
-          <p:cNvSpPr>
-            <a:spLocks noGrp="1"/>
-          </p:cNvSpPr>
-          <p:nvPr>
-            <p:ph type="dt" sz="quarter" idx="10"/>
-          </p:nvPr>
-        </p:nvSpPr>
-        <p:spPr/>
-        <p:txBody>
-          <a:bodyPr/>
-          <a:lstStyle>
-            <a:lvl1pPr eaLnBrk="0" hangingPunct="0">
-              <a:defRPr>
-                <a:solidFill>
-                  <a:schemeClr val="tx1"/>
-                </a:solidFill>
-                <a:latin typeface="Arial" charset="0"/>
-                <a:ea typeface="ＭＳ Ｐゴシック" charset="0"/>
-                <a:cs typeface="Arial" charset="0"/>
-              </a:defRPr>
-            </a:lvl1pPr>
-            <a:lvl2pPr marL="742950" indent="-285750" eaLnBrk="0" hangingPunct="0">
-              <a:defRPr>
-                <a:solidFill>
-                  <a:schemeClr val="tx1"/>
-                </a:solidFill>
-                <a:latin typeface="Arial" charset="0"/>
-                <a:ea typeface="Arial" charset="0"/>
-                <a:cs typeface="Arial" charset="0"/>
-              </a:defRPr>
-            </a:lvl2pPr>
-            <a:lvl3pPr marL="1143000" indent="-228600" eaLnBrk="0" hangingPunct="0">
-              <a:defRPr>
-                <a:solidFill>
-                  <a:schemeClr val="tx1"/>
-                </a:solidFill>
-                <a:latin typeface="Arial" charset="0"/>
-                <a:ea typeface="Arial" charset="0"/>
-                <a:cs typeface="Arial" charset="0"/>
-              </a:defRPr>
-            </a:lvl3pPr>
-            <a:lvl4pPr marL="1600200" indent="-228600" eaLnBrk="0" hangingPunct="0">
-              <a:defRPr>
-                <a:solidFill>
-                  <a:schemeClr val="tx1"/>
-                </a:solidFill>
-                <a:latin typeface="Arial" charset="0"/>
-                <a:ea typeface="Arial" charset="0"/>
-                <a:cs typeface="Arial" charset="0"/>
-              </a:defRPr>
-            </a:lvl4pPr>
-            <a:lvl5pPr marL="2057400" indent="-228600" eaLnBrk="0" hangingPunct="0">
-              <a:defRPr>
-                <a:solidFill>
-                  <a:schemeClr val="tx1"/>
-                </a:solidFill>
-                <a:latin typeface="Arial" charset="0"/>
-                <a:ea typeface="Arial" charset="0"/>
-                <a:cs typeface="Arial" charset="0"/>
-              </a:defRPr>
-            </a:lvl5pPr>
-            <a:lvl6pPr marL="2514600" indent="-228600" eaLnBrk="0" fontAlgn="base" hangingPunct="0">
-              <a:spcBef>
-                <a:spcPct val="0"/>
-              </a:spcBef>
-              <a:spcAft>
-                <a:spcPct val="0"/>
-              </a:spcAft>
-              <a:defRPr>
-                <a:solidFill>
-                  <a:schemeClr val="tx1"/>
-                </a:solidFill>
-                <a:latin typeface="Arial" charset="0"/>
-                <a:ea typeface="Arial" charset="0"/>
-                <a:cs typeface="Arial" charset="0"/>
-              </a:defRPr>
-            </a:lvl6pPr>
-            <a:lvl7pPr marL="2971800" indent="-228600" eaLnBrk="0" fontAlgn="base" hangingPunct="0">
-              <a:spcBef>
-                <a:spcPct val="0"/>
-              </a:spcBef>
-              <a:spcAft>
-                <a:spcPct val="0"/>
-              </a:spcAft>
-              <a:defRPr>
-                <a:solidFill>
-                  <a:schemeClr val="tx1"/>
-                </a:solidFill>
-                <a:latin typeface="Arial" charset="0"/>
-                <a:ea typeface="Arial" charset="0"/>
-                <a:cs typeface="Arial" charset="0"/>
-              </a:defRPr>
-            </a:lvl7pPr>
-            <a:lvl8pPr marL="3429000" indent="-228600" eaLnBrk="0" fontAlgn="base" hangingPunct="0">
-              <a:spcBef>
-                <a:spcPct val="0"/>
-              </a:spcBef>
-              <a:spcAft>
-                <a:spcPct val="0"/>
-              </a:spcAft>
-              <a:defRPr>
-                <a:solidFill>
-                  <a:schemeClr val="tx1"/>
-                </a:solidFill>
-                <a:latin typeface="Arial" charset="0"/>
-                <a:ea typeface="Arial" charset="0"/>
-                <a:cs typeface="Arial" charset="0"/>
-              </a:defRPr>
-            </a:lvl8pPr>
-            <a:lvl9pPr marL="3886200" indent="-228600" eaLnBrk="0" fontAlgn="base" hangingPunct="0">
-              <a:spcBef>
-                <a:spcPct val="0"/>
-              </a:spcBef>
-              <a:spcAft>
-                <a:spcPct val="0"/>
-              </a:spcAft>
-              <a:defRPr>
-                <a:solidFill>
-                  <a:schemeClr val="tx1"/>
-                </a:solidFill>
-                <a:latin typeface="Arial" charset="0"/>
-                <a:ea typeface="Arial" charset="0"/>
-                <a:cs typeface="Arial" charset="0"/>
-              </a:defRPr>
-            </a:lvl9pPr>
-          </a:lstStyle>
-          <a:p>
-            <a:pPr eaLnBrk="1" hangingPunct="1"/>
-            <a:fld id="{8D566C16-4594-ED49-8B39-568E457EC569}" type="datetime1">
-              <a:rPr lang="en-US">
-                <a:latin typeface="Garamond" charset="0"/>
-              </a:rPr>
-              <a:pPr eaLnBrk="1" hangingPunct="1"/>
-              <a:t>9/19/16</a:t>
-            </a:fld>
-            <a:endParaRPr lang="en-US">
-              <a:latin typeface="Garamond" charset="0"/>
-            </a:endParaRPr>
-          </a:p>
-        </p:txBody>
-      </p:sp>
-      <p:sp>
-        <p:nvSpPr>
-          <p:cNvPr id="4" name="Footer Placeholder 3"/>
-          <p:cNvSpPr>
-            <a:spLocks noGrp="1"/>
-          </p:cNvSpPr>
-          <p:nvPr>
-            <p:ph type="ftr" sz="quarter" idx="11"/>
-          </p:nvPr>
-        </p:nvSpPr>
-        <p:spPr/>
-        <p:txBody>
-          <a:bodyPr/>
-          <a:lstStyle/>
-          <a:p>
-            <a:pPr>
-              <a:defRPr/>
-            </a:pPr>
-            <a:r>
-              <a:rPr lang="en-US" altLang="en-US"/>
-              <a:t>ECE Application Programming: Lecture 8</a:t>
-            </a:r>
-          </a:p>
-        </p:txBody>
-      </p:sp>
-      <p:sp>
-        <p:nvSpPr>
-          <p:cNvPr id="5" name="Slide Number Placeholder 4"/>
-          <p:cNvSpPr>
-            <a:spLocks noGrp="1"/>
-          </p:cNvSpPr>
-          <p:nvPr>
-            <p:ph type="sldNum" sz="quarter" idx="12"/>
-          </p:nvPr>
-        </p:nvSpPr>
-        <p:spPr/>
-        <p:txBody>
-          <a:bodyPr/>
-          <a:lstStyle>
-            <a:lvl1pPr eaLnBrk="0" hangingPunct="0">
-              <a:defRPr>
-                <a:solidFill>
-                  <a:schemeClr val="tx1"/>
-                </a:solidFill>
-                <a:latin typeface="Arial" charset="0"/>
-                <a:ea typeface="ＭＳ Ｐゴシック" charset="0"/>
-                <a:cs typeface="Arial" charset="0"/>
-              </a:defRPr>
-            </a:lvl1pPr>
-            <a:lvl2pPr marL="742950" indent="-285750" eaLnBrk="0" hangingPunct="0">
-              <a:defRPr>
-                <a:solidFill>
-                  <a:schemeClr val="tx1"/>
-                </a:solidFill>
-                <a:latin typeface="Arial" charset="0"/>
-                <a:ea typeface="Arial" charset="0"/>
-                <a:cs typeface="Arial" charset="0"/>
-              </a:defRPr>
-            </a:lvl2pPr>
-            <a:lvl3pPr marL="1143000" indent="-228600" eaLnBrk="0" hangingPunct="0">
-              <a:defRPr>
-                <a:solidFill>
-                  <a:schemeClr val="tx1"/>
-                </a:solidFill>
-                <a:latin typeface="Arial" charset="0"/>
-                <a:ea typeface="Arial" charset="0"/>
-                <a:cs typeface="Arial" charset="0"/>
-              </a:defRPr>
-            </a:lvl3pPr>
-            <a:lvl4pPr marL="1600200" indent="-228600" eaLnBrk="0" hangingPunct="0">
-              <a:defRPr>
-                <a:solidFill>
-                  <a:schemeClr val="tx1"/>
-                </a:solidFill>
-                <a:latin typeface="Arial" charset="0"/>
-                <a:ea typeface="Arial" charset="0"/>
-                <a:cs typeface="Arial" charset="0"/>
-              </a:defRPr>
-            </a:lvl4pPr>
-            <a:lvl5pPr marL="2057400" indent="-228600" eaLnBrk="0" hangingPunct="0">
-              <a:defRPr>
-                <a:solidFill>
-                  <a:schemeClr val="tx1"/>
-                </a:solidFill>
-                <a:latin typeface="Arial" charset="0"/>
-                <a:ea typeface="Arial" charset="0"/>
-                <a:cs typeface="Arial" charset="0"/>
-              </a:defRPr>
-            </a:lvl5pPr>
-            <a:lvl6pPr marL="2514600" indent="-228600" eaLnBrk="0" fontAlgn="base" hangingPunct="0">
-              <a:spcBef>
-                <a:spcPct val="0"/>
-              </a:spcBef>
-              <a:spcAft>
-                <a:spcPct val="0"/>
-              </a:spcAft>
-              <a:defRPr>
-                <a:solidFill>
-                  <a:schemeClr val="tx1"/>
-                </a:solidFill>
-                <a:latin typeface="Arial" charset="0"/>
-                <a:ea typeface="Arial" charset="0"/>
-                <a:cs typeface="Arial" charset="0"/>
-              </a:defRPr>
-            </a:lvl6pPr>
-            <a:lvl7pPr marL="2971800" indent="-228600" eaLnBrk="0" fontAlgn="base" hangingPunct="0">
-              <a:spcBef>
-                <a:spcPct val="0"/>
-              </a:spcBef>
-              <a:spcAft>
-                <a:spcPct val="0"/>
-              </a:spcAft>
-              <a:defRPr>
-                <a:solidFill>
-                  <a:schemeClr val="tx1"/>
-                </a:solidFill>
-                <a:latin typeface="Arial" charset="0"/>
-                <a:ea typeface="Arial" charset="0"/>
-                <a:cs typeface="Arial" charset="0"/>
-              </a:defRPr>
-            </a:lvl7pPr>
-            <a:lvl8pPr marL="3429000" indent="-228600" eaLnBrk="0" fontAlgn="base" hangingPunct="0">
-              <a:spcBef>
-                <a:spcPct val="0"/>
-              </a:spcBef>
-              <a:spcAft>
-                <a:spcPct val="0"/>
-              </a:spcAft>
-              <a:defRPr>
-                <a:solidFill>
-                  <a:schemeClr val="tx1"/>
-                </a:solidFill>
-                <a:latin typeface="Arial" charset="0"/>
-                <a:ea typeface="Arial" charset="0"/>
-                <a:cs typeface="Arial" charset="0"/>
-              </a:defRPr>
-            </a:lvl8pPr>
-            <a:lvl9pPr marL="3886200" indent="-228600" eaLnBrk="0" fontAlgn="base" hangingPunct="0">
-              <a:spcBef>
-                <a:spcPct val="0"/>
-              </a:spcBef>
-              <a:spcAft>
-                <a:spcPct val="0"/>
-              </a:spcAft>
-              <a:defRPr>
-                <a:solidFill>
-                  <a:schemeClr val="tx1"/>
-                </a:solidFill>
-                <a:latin typeface="Arial" charset="0"/>
-                <a:ea typeface="Arial" charset="0"/>
-                <a:cs typeface="Arial" charset="0"/>
-              </a:defRPr>
-            </a:lvl9pPr>
-          </a:lstStyle>
-          <a:p>
-            <a:pPr eaLnBrk="1" hangingPunct="1"/>
-            <a:fld id="{6A30B4A7-EDBD-684E-9481-5AD46CDC36E8}" type="slidenum">
-              <a:rPr lang="en-US">
-                <a:latin typeface="Garamond" charset="0"/>
-              </a:rPr>
-              <a:pPr eaLnBrk="1" hangingPunct="1"/>
-              <a:t>21</a:t>
-            </a:fld>
-            <a:endParaRPr lang="en-US">
-              <a:latin typeface="Garamond" charset="0"/>
-            </a:endParaRPr>
-          </a:p>
-        </p:txBody>
-      </p:sp>
-    </p:spTree>
-    <p:extLst>
-      <p:ext uri="{BB962C8B-B14F-4D97-AF65-F5344CB8AC3E}">
-        <p14:creationId xmlns:p14="http://schemas.microsoft.com/office/powerpoint/2010/main" val="1798520795"/>
-      </p:ext>
-    </p:extLst>
-  </p:cSld>
-  <p:clrMapOvr>
-    <a:masterClrMapping/>
-  </p:clrMapOvr>
-  <p:timing>
-    <p:tnLst>
-      <p:par>
-        <p:cTn xmlns:p14="http://schemas.microsoft.com/office/powerpoint/2010/main" id="1" dur="indefinite" restart="never" nodeType="tmRoot"/>
-      </p:par>
-    </p:tnLst>
-  </p:timing>
-</p:sld>
-</file>
-
-<file path=ppt/slides/slide22.xml><?xml version="1.0" encoding="utf-8"?>
-<p:sld xmlns:a="http://schemas.openxmlformats.org/drawingml/2006/main" xmlns:r="http://schemas.openxmlformats.org/officeDocument/2006/relationships" xmlns:p="http://schemas.openxmlformats.org/presentationml/2006/main">
-  <p:cSld>
-    <p:spTree>
-      <p:nvGrpSpPr>
-        <p:cNvPr id="1" name=""/>
-        <p:cNvGrpSpPr/>
-        <p:nvPr/>
-      </p:nvGrpSpPr>
-      <p:grpSpPr>
-        <a:xfrm>
-          <a:off x="0" y="0"/>
-          <a:ext cx="0" cy="0"/>
-          <a:chOff x="0" y="0"/>
-          <a:chExt cx="0" cy="0"/>
-        </a:xfrm>
-      </p:grpSpPr>
-      <p:sp>
-        <p:nvSpPr>
-          <p:cNvPr id="25602" name="Rectangle 2"/>
-          <p:cNvSpPr>
-            <a:spLocks noGrp="1" noChangeArrowheads="1"/>
-          </p:cNvSpPr>
-          <p:nvPr>
-            <p:ph type="title"/>
-          </p:nvPr>
-        </p:nvSpPr>
-        <p:spPr>
-          <a:xfrm>
-            <a:off x="381000" y="228600"/>
-            <a:ext cx="8763000" cy="533400"/>
-          </a:xfrm>
-        </p:spPr>
-        <p:txBody>
-          <a:bodyPr/>
-          <a:lstStyle/>
-          <a:p>
-            <a:r>
-              <a:rPr lang="en-US">
-                <a:latin typeface="Garamond" charset="0"/>
-              </a:rPr>
-              <a:t>switch/case statement - Alt example</a:t>
-            </a:r>
-          </a:p>
-        </p:txBody>
-      </p:sp>
-      <p:sp>
-        <p:nvSpPr>
-          <p:cNvPr id="25603" name="Text Box 3"/>
-          <p:cNvSpPr txBox="1">
-            <a:spLocks noChangeArrowheads="1"/>
-          </p:cNvSpPr>
-          <p:nvPr/>
-        </p:nvSpPr>
-        <p:spPr bwMode="auto">
-          <a:xfrm>
-            <a:off x="228600" y="1093788"/>
-            <a:ext cx="8686800" cy="5354637"/>
-          </a:xfrm>
-          <a:prstGeom prst="rect">
-            <a:avLst/>
-          </a:prstGeom>
-          <a:noFill/>
-          <a:ln>
-            <a:noFill/>
-          </a:ln>
-          <a:extLst>
-            <a:ext uri="{909E8E84-426E-40dd-AFC4-6F175D3DCCD1}">
-              <a14:hiddenFill xmlns:a14="http://schemas.microsoft.com/office/drawing/2010/main">
-                <a:solidFill>
-                  <a:srgbClr val="FFFFFF"/>
-                </a:solidFill>
-              </a14:hiddenFill>
-            </a:ext>
-            <a:ext uri="{91240B29-F687-4f45-9708-019B960494DF}">
-              <a14:hiddenLine xmlns:a14="http://schemas.microsoft.com/office/drawing/2010/main" w="9525">
-                <a:solidFill>
-                  <a:srgbClr val="000000"/>
-                </a:solidFill>
-                <a:miter lim="800000"/>
-                <a:headEnd/>
-                <a:tailEnd/>
-              </a14:hiddenLine>
-            </a:ext>
-          </a:extLst>
-        </p:spPr>
-        <p:txBody>
-          <a:bodyPr>
-            <a:spAutoFit/>
-          </a:bodyPr>
-          <a:lstStyle>
-            <a:lvl1pPr>
-              <a:defRPr sz="3000">
-                <a:solidFill>
-                  <a:schemeClr val="tx1"/>
-                </a:solidFill>
-                <a:latin typeface="Arial" charset="0"/>
-                <a:ea typeface="ＭＳ Ｐゴシック" charset="0"/>
-              </a:defRPr>
-            </a:lvl1pPr>
-            <a:lvl2pPr marL="742950" indent="-285750">
-              <a:defRPr sz="2600">
-                <a:solidFill>
-                  <a:schemeClr val="tx1"/>
-                </a:solidFill>
-                <a:latin typeface="Arial" charset="0"/>
-                <a:ea typeface="ＭＳ Ｐゴシック" charset="0"/>
-              </a:defRPr>
-            </a:lvl2pPr>
-            <a:lvl3pPr marL="1143000" indent="-228600">
-              <a:defRPr sz="2200">
-                <a:solidFill>
-                  <a:schemeClr val="tx1"/>
-                </a:solidFill>
-                <a:latin typeface="Arial" charset="0"/>
-                <a:ea typeface="ＭＳ Ｐゴシック" charset="0"/>
-              </a:defRPr>
-            </a:lvl3pPr>
-            <a:lvl4pPr marL="1600200" indent="-228600">
-              <a:defRPr sz="2000">
-                <a:solidFill>
-                  <a:schemeClr val="tx1"/>
-                </a:solidFill>
-                <a:latin typeface="Arial" charset="0"/>
-                <a:ea typeface="ＭＳ Ｐゴシック" charset="0"/>
-              </a:defRPr>
-            </a:lvl4pPr>
-            <a:lvl5pPr marL="2057400" indent="-228600">
-              <a:defRPr sz="2000">
-                <a:solidFill>
-                  <a:schemeClr val="tx1"/>
-                </a:solidFill>
-                <a:latin typeface="Arial" charset="0"/>
-                <a:ea typeface="ＭＳ Ｐゴシック" charset="0"/>
-              </a:defRPr>
-            </a:lvl5pPr>
-            <a:lvl6pPr marL="2514600" indent="-228600" eaLnBrk="0" hangingPunct="0">
-              <a:buFont typeface="Wingdings" charset="0"/>
-              <a:defRPr sz="2000">
-                <a:solidFill>
-                  <a:schemeClr val="tx1"/>
-                </a:solidFill>
-                <a:latin typeface="Arial" charset="0"/>
-                <a:ea typeface="ＭＳ Ｐゴシック" charset="0"/>
-              </a:defRPr>
-            </a:lvl6pPr>
-            <a:lvl7pPr marL="2971800" indent="-228600" eaLnBrk="0" hangingPunct="0">
-              <a:buFont typeface="Wingdings" charset="0"/>
-              <a:defRPr sz="2000">
-                <a:solidFill>
-                  <a:schemeClr val="tx1"/>
-                </a:solidFill>
-                <a:latin typeface="Arial" charset="0"/>
-                <a:ea typeface="ＭＳ Ｐゴシック" charset="0"/>
-              </a:defRPr>
-            </a:lvl7pPr>
-            <a:lvl8pPr marL="3429000" indent="-228600" eaLnBrk="0" hangingPunct="0">
-              <a:buFont typeface="Wingdings" charset="0"/>
-              <a:defRPr sz="2000">
-                <a:solidFill>
-                  <a:schemeClr val="tx1"/>
-                </a:solidFill>
-                <a:latin typeface="Arial" charset="0"/>
-                <a:ea typeface="ＭＳ Ｐゴシック" charset="0"/>
-              </a:defRPr>
-            </a:lvl8pPr>
-            <a:lvl9pPr marL="3886200" indent="-228600" eaLnBrk="0" hangingPunct="0">
-              <a:buFont typeface="Wingdings" charset="0"/>
-              <a:defRPr sz="2000">
-                <a:solidFill>
-                  <a:schemeClr val="tx1"/>
-                </a:solidFill>
-                <a:latin typeface="Arial" charset="0"/>
-                <a:ea typeface="ＭＳ Ｐゴシック" charset="0"/>
-              </a:defRPr>
-            </a:lvl9pPr>
-          </a:lstStyle>
-          <a:p>
-            <a:pPr>
-              <a:spcBef>
-                <a:spcPct val="50000"/>
-              </a:spcBef>
-            </a:pPr>
-            <a:r>
-              <a:rPr lang="en-US" sz="1800">
-                <a:latin typeface="Courier New" charset="0"/>
-              </a:rPr>
-              <a:t>	</a:t>
-            </a:r>
-            <a:r>
-              <a:rPr lang="en-US" sz="1800">
-                <a:solidFill>
-                  <a:srgbClr val="FF0000"/>
-                </a:solidFill>
-                <a:latin typeface="Courier New" charset="0"/>
-              </a:rPr>
-              <a:t>switch</a:t>
-            </a:r>
-            <a:r>
-              <a:rPr lang="en-US" sz="1800">
-                <a:latin typeface="Courier New" charset="0"/>
-              </a:rPr>
-              <a:t> (grd)</a:t>
-            </a:r>
-            <a:br>
-              <a:rPr lang="en-US" sz="1800">
-                <a:latin typeface="Courier New" charset="0"/>
-              </a:rPr>
-            </a:br>
-            <a:r>
-              <a:rPr lang="en-US" sz="1800">
-                <a:latin typeface="Courier New" charset="0"/>
-              </a:rPr>
-              <a:t>	{</a:t>
-            </a:r>
-            <a:br>
-              <a:rPr lang="en-US" sz="1800">
-                <a:latin typeface="Courier New" charset="0"/>
-              </a:rPr>
-            </a:br>
-            <a:r>
-              <a:rPr lang="en-US" sz="1800">
-                <a:latin typeface="Courier New" charset="0"/>
-              </a:rPr>
-              <a:t>	</a:t>
-            </a:r>
-            <a:r>
-              <a:rPr lang="en-US" sz="1800">
-                <a:solidFill>
-                  <a:srgbClr val="FF0000"/>
-                </a:solidFill>
-                <a:latin typeface="Courier New" charset="0"/>
-              </a:rPr>
-              <a:t>case</a:t>
-            </a:r>
-            <a:r>
-              <a:rPr lang="en-US" sz="1800">
-                <a:latin typeface="Courier New" charset="0"/>
-              </a:rPr>
-              <a:t> 'A' : </a:t>
-            </a:r>
-            <a:r>
-              <a:rPr lang="en-US" sz="1800">
-                <a:solidFill>
-                  <a:srgbClr val="FF0000"/>
-                </a:solidFill>
-                <a:latin typeface="Courier New" charset="0"/>
-              </a:rPr>
-              <a:t>case</a:t>
-            </a:r>
-            <a:r>
-              <a:rPr lang="en-US" sz="1800">
-                <a:latin typeface="Courier New" charset="0"/>
-              </a:rPr>
-              <a:t> 'a': </a:t>
-            </a:r>
-            <a:br>
-              <a:rPr lang="en-US" sz="1800">
-                <a:latin typeface="Courier New" charset="0"/>
-              </a:rPr>
-            </a:br>
-            <a:r>
-              <a:rPr lang="en-US" sz="1800">
-                <a:latin typeface="Courier New" charset="0"/>
-              </a:rPr>
-              <a:t>	</a:t>
-            </a:r>
-            <a:r>
-              <a:rPr lang="en-US" sz="1800">
-                <a:solidFill>
-                  <a:srgbClr val="FF0000"/>
-                </a:solidFill>
-                <a:latin typeface="Courier New" charset="0"/>
-              </a:rPr>
-              <a:t>case</a:t>
-            </a:r>
-            <a:r>
-              <a:rPr lang="en-US" sz="1800">
-                <a:latin typeface="Courier New" charset="0"/>
-              </a:rPr>
-              <a:t> 'B' : </a:t>
-            </a:r>
-            <a:r>
-              <a:rPr lang="en-US" sz="1800">
-                <a:solidFill>
-                  <a:srgbClr val="FF0000"/>
-                </a:solidFill>
-                <a:latin typeface="Courier New" charset="0"/>
-              </a:rPr>
-              <a:t>case</a:t>
-            </a:r>
-            <a:r>
-              <a:rPr lang="en-US" sz="1800">
-                <a:latin typeface="Courier New" charset="0"/>
-              </a:rPr>
-              <a:t> 'b': </a:t>
-            </a:r>
-            <a:br>
-              <a:rPr lang="en-US" sz="1800">
-                <a:latin typeface="Courier New" charset="0"/>
-              </a:rPr>
-            </a:br>
-            <a:r>
-              <a:rPr lang="en-US" sz="1800">
-                <a:latin typeface="Courier New" charset="0"/>
-              </a:rPr>
-              <a:t>		 printf("doing very well");</a:t>
-            </a:r>
-            <a:br>
-              <a:rPr lang="en-US" sz="1800">
-                <a:latin typeface="Courier New" charset="0"/>
-              </a:rPr>
-            </a:br>
-            <a:r>
-              <a:rPr lang="en-US" sz="1800">
-                <a:latin typeface="Courier New" charset="0"/>
-              </a:rPr>
-              <a:t>		 </a:t>
-            </a:r>
-            <a:r>
-              <a:rPr lang="en-US" sz="1800">
-                <a:solidFill>
-                  <a:srgbClr val="FF0000"/>
-                </a:solidFill>
-                <a:latin typeface="Courier New" charset="0"/>
-              </a:rPr>
-              <a:t>break</a:t>
-            </a:r>
-            <a:r>
-              <a:rPr lang="en-US" sz="1800">
-                <a:latin typeface="Courier New" charset="0"/>
-              </a:rPr>
-              <a:t>;</a:t>
-            </a:r>
-            <a:br>
-              <a:rPr lang="en-US" sz="1800">
-                <a:latin typeface="Courier New" charset="0"/>
-              </a:rPr>
-            </a:br>
-            <a:r>
-              <a:rPr lang="en-US" sz="1800">
-                <a:latin typeface="Courier New" charset="0"/>
-              </a:rPr>
-              <a:t>	</a:t>
-            </a:r>
-            <a:r>
-              <a:rPr lang="en-US" sz="1800">
-                <a:solidFill>
-                  <a:srgbClr val="FF0000"/>
-                </a:solidFill>
-                <a:latin typeface="Courier New" charset="0"/>
-              </a:rPr>
-              <a:t>case</a:t>
-            </a:r>
-            <a:r>
-              <a:rPr lang="en-US" sz="1800">
-                <a:latin typeface="Courier New" charset="0"/>
-              </a:rPr>
-              <a:t> 'C' : </a:t>
-            </a:r>
-            <a:r>
-              <a:rPr lang="en-US" sz="1800">
-                <a:solidFill>
-                  <a:srgbClr val="FF0000"/>
-                </a:solidFill>
-                <a:latin typeface="Courier New" charset="0"/>
-              </a:rPr>
-              <a:t>case</a:t>
-            </a:r>
-            <a:r>
-              <a:rPr lang="en-US" sz="1800">
-                <a:latin typeface="Courier New" charset="0"/>
-              </a:rPr>
-              <a:t> 'c':</a:t>
-            </a:r>
-            <a:br>
-              <a:rPr lang="en-US" sz="1800">
-                <a:latin typeface="Courier New" charset="0"/>
-              </a:rPr>
-            </a:br>
-            <a:r>
-              <a:rPr lang="en-US" sz="1800">
-                <a:latin typeface="Courier New" charset="0"/>
-              </a:rPr>
-              <a:t>	</a:t>
-            </a:r>
-            <a:r>
-              <a:rPr lang="en-US" sz="1800">
-                <a:solidFill>
-                  <a:srgbClr val="FF0000"/>
-                </a:solidFill>
-                <a:latin typeface="Courier New" charset="0"/>
-              </a:rPr>
-              <a:t>case</a:t>
-            </a:r>
-            <a:r>
-              <a:rPr lang="en-US" sz="1800">
-                <a:latin typeface="Courier New" charset="0"/>
-              </a:rPr>
-              <a:t> 'D' : </a:t>
-            </a:r>
-            <a:r>
-              <a:rPr lang="en-US" sz="1800">
-                <a:solidFill>
-                  <a:srgbClr val="FF0000"/>
-                </a:solidFill>
-                <a:latin typeface="Courier New" charset="0"/>
-              </a:rPr>
-              <a:t>case</a:t>
-            </a:r>
-            <a:r>
-              <a:rPr lang="en-US" sz="1800">
-                <a:latin typeface="Courier New" charset="0"/>
-              </a:rPr>
-              <a:t> 'd':</a:t>
-            </a:r>
-            <a:br>
-              <a:rPr lang="en-US" sz="1800">
-                <a:latin typeface="Courier New" charset="0"/>
-              </a:rPr>
-            </a:br>
-            <a:r>
-              <a:rPr lang="en-US" sz="1800">
-                <a:latin typeface="Courier New" charset="0"/>
-              </a:rPr>
-              <a:t>		 printf("not doing too well");</a:t>
-            </a:r>
-            <a:br>
-              <a:rPr lang="en-US" sz="1800">
-                <a:latin typeface="Courier New" charset="0"/>
-              </a:rPr>
-            </a:br>
-            <a:r>
-              <a:rPr lang="en-US" sz="1800">
-                <a:latin typeface="Courier New" charset="0"/>
-              </a:rPr>
-              <a:t>		 </a:t>
-            </a:r>
-            <a:r>
-              <a:rPr lang="en-US" sz="1800">
-                <a:solidFill>
-                  <a:srgbClr val="FF0000"/>
-                </a:solidFill>
-                <a:latin typeface="Courier New" charset="0"/>
-              </a:rPr>
-              <a:t>break</a:t>
-            </a:r>
-            <a:r>
-              <a:rPr lang="en-US" sz="1800">
-                <a:latin typeface="Courier New" charset="0"/>
-              </a:rPr>
-              <a:t>;</a:t>
-            </a:r>
-            <a:br>
-              <a:rPr lang="en-US" sz="1800">
-                <a:latin typeface="Courier New" charset="0"/>
-              </a:rPr>
-            </a:br>
-            <a:r>
-              <a:rPr lang="en-US" sz="1800">
-                <a:latin typeface="Courier New" charset="0"/>
-              </a:rPr>
-              <a:t>	</a:t>
-            </a:r>
-            <a:r>
-              <a:rPr lang="en-US" sz="1800">
-                <a:solidFill>
-                  <a:srgbClr val="FF0000"/>
-                </a:solidFill>
-                <a:latin typeface="Courier New" charset="0"/>
-              </a:rPr>
-              <a:t>case</a:t>
-            </a:r>
-            <a:r>
-              <a:rPr lang="en-US" sz="1800">
-                <a:latin typeface="Courier New" charset="0"/>
-              </a:rPr>
-              <a:t> 'F' : </a:t>
-            </a:r>
-            <a:r>
-              <a:rPr lang="en-US" sz="1800">
-                <a:solidFill>
-                  <a:srgbClr val="FF0000"/>
-                </a:solidFill>
-                <a:latin typeface="Courier New" charset="0"/>
-              </a:rPr>
-              <a:t>case</a:t>
-            </a:r>
-            <a:r>
-              <a:rPr lang="en-US" sz="1800">
-                <a:latin typeface="Courier New" charset="0"/>
-              </a:rPr>
-              <a:t> ‘f':</a:t>
-            </a:r>
-            <a:br>
-              <a:rPr lang="en-US" sz="1800">
-                <a:latin typeface="Courier New" charset="0"/>
-              </a:rPr>
-            </a:br>
-            <a:r>
-              <a:rPr lang="en-US" sz="1800">
-                <a:latin typeface="Courier New" charset="0"/>
-              </a:rPr>
-              <a:t>		 printf("failing");</a:t>
-            </a:r>
-            <a:br>
-              <a:rPr lang="en-US" sz="1800">
-                <a:latin typeface="Courier New" charset="0"/>
-              </a:rPr>
-            </a:br>
-            <a:r>
-              <a:rPr lang="en-US" sz="1800">
-                <a:latin typeface="Courier New" charset="0"/>
-              </a:rPr>
-              <a:t>		 </a:t>
-            </a:r>
-            <a:r>
-              <a:rPr lang="en-US" sz="1800">
-                <a:solidFill>
-                  <a:srgbClr val="FF0000"/>
-                </a:solidFill>
-                <a:latin typeface="Courier New" charset="0"/>
-              </a:rPr>
-              <a:t>break</a:t>
-            </a:r>
-            <a:r>
-              <a:rPr lang="en-US" sz="1800">
-                <a:latin typeface="Courier New" charset="0"/>
-              </a:rPr>
-              <a:t>;</a:t>
-            </a:r>
-            <a:br>
-              <a:rPr lang="en-US" sz="1800">
-                <a:latin typeface="Courier New" charset="0"/>
-              </a:rPr>
-            </a:br>
-            <a:r>
-              <a:rPr lang="en-US" sz="1800">
-                <a:latin typeface="Courier New" charset="0"/>
-              </a:rPr>
-              <a:t>	</a:t>
-            </a:r>
-            <a:r>
-              <a:rPr lang="en-US" sz="1800">
-                <a:solidFill>
-                  <a:srgbClr val="FF0000"/>
-                </a:solidFill>
-                <a:latin typeface="Courier New" charset="0"/>
-              </a:rPr>
-              <a:t>default</a:t>
-            </a:r>
-            <a:r>
-              <a:rPr lang="en-US" sz="1800">
-                <a:latin typeface="Courier New" charset="0"/>
-              </a:rPr>
-              <a:t> :  </a:t>
-            </a:r>
-          </a:p>
-          <a:p>
-            <a:r>
-              <a:rPr lang="en-US" sz="1800">
-                <a:latin typeface="Courier New" charset="0"/>
-              </a:rPr>
-              <a:t>		 printf("incapable of reading directions");</a:t>
-            </a:r>
-            <a:br>
-              <a:rPr lang="en-US" sz="1800">
-                <a:latin typeface="Courier New" charset="0"/>
-              </a:rPr>
-            </a:br>
-            <a:r>
-              <a:rPr lang="en-US" sz="1800">
-                <a:latin typeface="Courier New" charset="0"/>
-              </a:rPr>
-              <a:t>		 </a:t>
-            </a:r>
-            <a:r>
-              <a:rPr lang="en-US" sz="1800">
-                <a:solidFill>
-                  <a:srgbClr val="FF0000"/>
-                </a:solidFill>
-                <a:latin typeface="Courier New" charset="0"/>
-              </a:rPr>
-              <a:t>break</a:t>
-            </a:r>
-            <a:r>
-              <a:rPr lang="en-US" sz="1800">
-                <a:latin typeface="Courier New" charset="0"/>
-              </a:rPr>
-              <a:t>;</a:t>
-            </a:r>
-            <a:br>
-              <a:rPr lang="en-US" sz="1800">
-                <a:latin typeface="Courier New" charset="0"/>
-              </a:rPr>
-            </a:br>
-            <a:r>
-              <a:rPr lang="en-US" sz="1800">
-                <a:latin typeface="Courier New" charset="0"/>
-              </a:rPr>
-              <a:t>	}</a:t>
-            </a:r>
-            <a:br>
-              <a:rPr lang="en-US" sz="1800">
-                <a:latin typeface="Courier New" charset="0"/>
-              </a:rPr>
-            </a:br>
-            <a:r>
-              <a:rPr lang="en-US" sz="1800">
-                <a:latin typeface="Courier New" charset="0"/>
-              </a:rPr>
-              <a:t>	return 0;</a:t>
-            </a:r>
-          </a:p>
-          <a:p>
-            <a:r>
-              <a:rPr lang="en-US" sz="1800">
-                <a:latin typeface="Courier New" charset="0"/>
-              </a:rPr>
-              <a:t>}</a:t>
-            </a:r>
-          </a:p>
-        </p:txBody>
-      </p:sp>
-      <p:sp>
-        <p:nvSpPr>
-          <p:cNvPr id="4" name="Date Placeholder 3"/>
-          <p:cNvSpPr>
-            <a:spLocks noGrp="1"/>
-          </p:cNvSpPr>
-          <p:nvPr>
-            <p:ph type="dt" sz="quarter" idx="10"/>
-          </p:nvPr>
-        </p:nvSpPr>
-        <p:spPr/>
-        <p:txBody>
-          <a:bodyPr/>
-          <a:lstStyle>
-            <a:lvl1pPr eaLnBrk="0" hangingPunct="0">
-              <a:defRPr>
-                <a:solidFill>
-                  <a:schemeClr val="tx1"/>
-                </a:solidFill>
-                <a:latin typeface="Arial" charset="0"/>
-                <a:ea typeface="ＭＳ Ｐゴシック" charset="0"/>
-                <a:cs typeface="Arial" charset="0"/>
-              </a:defRPr>
-            </a:lvl1pPr>
-            <a:lvl2pPr marL="742950" indent="-285750" eaLnBrk="0" hangingPunct="0">
-              <a:defRPr>
-                <a:solidFill>
-                  <a:schemeClr val="tx1"/>
-                </a:solidFill>
-                <a:latin typeface="Arial" charset="0"/>
-                <a:ea typeface="Arial" charset="0"/>
-                <a:cs typeface="Arial" charset="0"/>
-              </a:defRPr>
-            </a:lvl2pPr>
-            <a:lvl3pPr marL="1143000" indent="-228600" eaLnBrk="0" hangingPunct="0">
-              <a:defRPr>
-                <a:solidFill>
-                  <a:schemeClr val="tx1"/>
-                </a:solidFill>
-                <a:latin typeface="Arial" charset="0"/>
-                <a:ea typeface="Arial" charset="0"/>
-                <a:cs typeface="Arial" charset="0"/>
-              </a:defRPr>
-            </a:lvl3pPr>
-            <a:lvl4pPr marL="1600200" indent="-228600" eaLnBrk="0" hangingPunct="0">
-              <a:defRPr>
-                <a:solidFill>
-                  <a:schemeClr val="tx1"/>
-                </a:solidFill>
-                <a:latin typeface="Arial" charset="0"/>
-                <a:ea typeface="Arial" charset="0"/>
-                <a:cs typeface="Arial" charset="0"/>
-              </a:defRPr>
-            </a:lvl4pPr>
-            <a:lvl5pPr marL="2057400" indent="-228600" eaLnBrk="0" hangingPunct="0">
-              <a:defRPr>
-                <a:solidFill>
-                  <a:schemeClr val="tx1"/>
-                </a:solidFill>
-                <a:latin typeface="Arial" charset="0"/>
-                <a:ea typeface="Arial" charset="0"/>
-                <a:cs typeface="Arial" charset="0"/>
-              </a:defRPr>
-            </a:lvl5pPr>
-            <a:lvl6pPr marL="2514600" indent="-228600" eaLnBrk="0" fontAlgn="base" hangingPunct="0">
-              <a:spcBef>
-                <a:spcPct val="0"/>
-              </a:spcBef>
-              <a:spcAft>
-                <a:spcPct val="0"/>
-              </a:spcAft>
-              <a:defRPr>
-                <a:solidFill>
-                  <a:schemeClr val="tx1"/>
-                </a:solidFill>
-                <a:latin typeface="Arial" charset="0"/>
-                <a:ea typeface="Arial" charset="0"/>
-                <a:cs typeface="Arial" charset="0"/>
-              </a:defRPr>
-            </a:lvl6pPr>
-            <a:lvl7pPr marL="2971800" indent="-228600" eaLnBrk="0" fontAlgn="base" hangingPunct="0">
-              <a:spcBef>
-                <a:spcPct val="0"/>
-              </a:spcBef>
-              <a:spcAft>
-                <a:spcPct val="0"/>
-              </a:spcAft>
-              <a:defRPr>
-                <a:solidFill>
-                  <a:schemeClr val="tx1"/>
-                </a:solidFill>
-                <a:latin typeface="Arial" charset="0"/>
-                <a:ea typeface="Arial" charset="0"/>
-                <a:cs typeface="Arial" charset="0"/>
-              </a:defRPr>
-            </a:lvl7pPr>
-            <a:lvl8pPr marL="3429000" indent="-228600" eaLnBrk="0" fontAlgn="base" hangingPunct="0">
-              <a:spcBef>
-                <a:spcPct val="0"/>
-              </a:spcBef>
-              <a:spcAft>
-                <a:spcPct val="0"/>
-              </a:spcAft>
-              <a:defRPr>
-                <a:solidFill>
-                  <a:schemeClr val="tx1"/>
-                </a:solidFill>
-                <a:latin typeface="Arial" charset="0"/>
-                <a:ea typeface="Arial" charset="0"/>
-                <a:cs typeface="Arial" charset="0"/>
-              </a:defRPr>
-            </a:lvl8pPr>
-            <a:lvl9pPr marL="3886200" indent="-228600" eaLnBrk="0" fontAlgn="base" hangingPunct="0">
-              <a:spcBef>
-                <a:spcPct val="0"/>
-              </a:spcBef>
-              <a:spcAft>
-                <a:spcPct val="0"/>
-              </a:spcAft>
-              <a:defRPr>
-                <a:solidFill>
-                  <a:schemeClr val="tx1"/>
-                </a:solidFill>
-                <a:latin typeface="Arial" charset="0"/>
-                <a:ea typeface="Arial" charset="0"/>
-                <a:cs typeface="Arial" charset="0"/>
-              </a:defRPr>
-            </a:lvl9pPr>
-          </a:lstStyle>
-          <a:p>
-            <a:pPr eaLnBrk="1" hangingPunct="1"/>
-            <a:fld id="{1C83B12E-2611-C949-A12D-4EF831D24E01}" type="datetime1">
-              <a:rPr lang="en-US">
-                <a:latin typeface="Garamond" charset="0"/>
-              </a:rPr>
-              <a:pPr eaLnBrk="1" hangingPunct="1"/>
-              <a:t>9/19/16</a:t>
-            </a:fld>
-            <a:endParaRPr lang="en-US">
-              <a:latin typeface="Garamond" charset="0"/>
-            </a:endParaRPr>
-          </a:p>
-        </p:txBody>
-      </p:sp>
-      <p:sp>
-        <p:nvSpPr>
-          <p:cNvPr id="5" name="Slide Number Placeholder 4"/>
-          <p:cNvSpPr>
-            <a:spLocks noGrp="1"/>
-          </p:cNvSpPr>
-          <p:nvPr>
-            <p:ph type="sldNum" sz="quarter" idx="12"/>
-          </p:nvPr>
-        </p:nvSpPr>
-        <p:spPr/>
-        <p:txBody>
-          <a:bodyPr/>
-          <a:lstStyle>
-            <a:lvl1pPr eaLnBrk="0" hangingPunct="0">
-              <a:defRPr>
-                <a:solidFill>
-                  <a:schemeClr val="tx1"/>
-                </a:solidFill>
-                <a:latin typeface="Arial" charset="0"/>
-                <a:ea typeface="ＭＳ Ｐゴシック" charset="0"/>
-                <a:cs typeface="Arial" charset="0"/>
-              </a:defRPr>
-            </a:lvl1pPr>
-            <a:lvl2pPr marL="742950" indent="-285750" eaLnBrk="0" hangingPunct="0">
-              <a:defRPr>
-                <a:solidFill>
-                  <a:schemeClr val="tx1"/>
-                </a:solidFill>
-                <a:latin typeface="Arial" charset="0"/>
-                <a:ea typeface="Arial" charset="0"/>
-                <a:cs typeface="Arial" charset="0"/>
-              </a:defRPr>
-            </a:lvl2pPr>
-            <a:lvl3pPr marL="1143000" indent="-228600" eaLnBrk="0" hangingPunct="0">
-              <a:defRPr>
-                <a:solidFill>
-                  <a:schemeClr val="tx1"/>
-                </a:solidFill>
-                <a:latin typeface="Arial" charset="0"/>
-                <a:ea typeface="Arial" charset="0"/>
-                <a:cs typeface="Arial" charset="0"/>
-              </a:defRPr>
-            </a:lvl3pPr>
-            <a:lvl4pPr marL="1600200" indent="-228600" eaLnBrk="0" hangingPunct="0">
-              <a:defRPr>
-                <a:solidFill>
-                  <a:schemeClr val="tx1"/>
-                </a:solidFill>
-                <a:latin typeface="Arial" charset="0"/>
-                <a:ea typeface="Arial" charset="0"/>
-                <a:cs typeface="Arial" charset="0"/>
-              </a:defRPr>
-            </a:lvl4pPr>
-            <a:lvl5pPr marL="2057400" indent="-228600" eaLnBrk="0" hangingPunct="0">
-              <a:defRPr>
-                <a:solidFill>
-                  <a:schemeClr val="tx1"/>
-                </a:solidFill>
-                <a:latin typeface="Arial" charset="0"/>
-                <a:ea typeface="Arial" charset="0"/>
-                <a:cs typeface="Arial" charset="0"/>
-              </a:defRPr>
-            </a:lvl5pPr>
-            <a:lvl6pPr marL="2514600" indent="-228600" eaLnBrk="0" fontAlgn="base" hangingPunct="0">
-              <a:spcBef>
-                <a:spcPct val="0"/>
-              </a:spcBef>
-              <a:spcAft>
-                <a:spcPct val="0"/>
-              </a:spcAft>
-              <a:defRPr>
-                <a:solidFill>
-                  <a:schemeClr val="tx1"/>
-                </a:solidFill>
-                <a:latin typeface="Arial" charset="0"/>
-                <a:ea typeface="Arial" charset="0"/>
-                <a:cs typeface="Arial" charset="0"/>
-              </a:defRPr>
-            </a:lvl6pPr>
-            <a:lvl7pPr marL="2971800" indent="-228600" eaLnBrk="0" fontAlgn="base" hangingPunct="0">
-              <a:spcBef>
-                <a:spcPct val="0"/>
-              </a:spcBef>
-              <a:spcAft>
-                <a:spcPct val="0"/>
-              </a:spcAft>
-              <a:defRPr>
-                <a:solidFill>
-                  <a:schemeClr val="tx1"/>
-                </a:solidFill>
-                <a:latin typeface="Arial" charset="0"/>
-                <a:ea typeface="Arial" charset="0"/>
-                <a:cs typeface="Arial" charset="0"/>
-              </a:defRPr>
-            </a:lvl7pPr>
-            <a:lvl8pPr marL="3429000" indent="-228600" eaLnBrk="0" fontAlgn="base" hangingPunct="0">
-              <a:spcBef>
-                <a:spcPct val="0"/>
-              </a:spcBef>
-              <a:spcAft>
-                <a:spcPct val="0"/>
-              </a:spcAft>
-              <a:defRPr>
-                <a:solidFill>
-                  <a:schemeClr val="tx1"/>
-                </a:solidFill>
-                <a:latin typeface="Arial" charset="0"/>
-                <a:ea typeface="Arial" charset="0"/>
-                <a:cs typeface="Arial" charset="0"/>
-              </a:defRPr>
-            </a:lvl8pPr>
-            <a:lvl9pPr marL="3886200" indent="-228600" eaLnBrk="0" fontAlgn="base" hangingPunct="0">
-              <a:spcBef>
-                <a:spcPct val="0"/>
-              </a:spcBef>
-              <a:spcAft>
-                <a:spcPct val="0"/>
-              </a:spcAft>
-              <a:defRPr>
-                <a:solidFill>
-                  <a:schemeClr val="tx1"/>
-                </a:solidFill>
-                <a:latin typeface="Arial" charset="0"/>
-                <a:ea typeface="Arial" charset="0"/>
-                <a:cs typeface="Arial" charset="0"/>
-              </a:defRPr>
-            </a:lvl9pPr>
-          </a:lstStyle>
-          <a:p>
-            <a:pPr eaLnBrk="1" hangingPunct="1"/>
-            <a:fld id="{09C128EC-B98F-A440-8214-B61C2654FE80}" type="slidenum">
-              <a:rPr lang="en-US">
-                <a:latin typeface="Garamond" charset="0"/>
-              </a:rPr>
-              <a:pPr eaLnBrk="1" hangingPunct="1"/>
-              <a:t>22</a:t>
-            </a:fld>
-            <a:endParaRPr lang="en-US">
-              <a:latin typeface="Garamond" charset="0"/>
-            </a:endParaRPr>
-          </a:p>
-        </p:txBody>
-      </p:sp>
-      <p:sp>
-        <p:nvSpPr>
-          <p:cNvPr id="6" name="Footer Placeholder 5"/>
-          <p:cNvSpPr>
-            <a:spLocks noGrp="1"/>
-          </p:cNvSpPr>
-          <p:nvPr>
-            <p:ph type="ftr" sz="quarter" idx="11"/>
-          </p:nvPr>
-        </p:nvSpPr>
-        <p:spPr/>
-        <p:txBody>
-          <a:bodyPr/>
-          <a:lstStyle/>
-          <a:p>
-            <a:pPr>
-              <a:defRPr/>
-            </a:pPr>
-            <a:r>
-              <a:rPr lang="en-US" altLang="en-US"/>
-              <a:t>ECE Application Programming: Lecture 8</a:t>
-            </a:r>
-          </a:p>
-        </p:txBody>
-      </p:sp>
-    </p:spTree>
-    <p:extLst>
-      <p:ext uri="{BB962C8B-B14F-4D97-AF65-F5344CB8AC3E}">
-        <p14:creationId xmlns:p14="http://schemas.microsoft.com/office/powerpoint/2010/main" val="4212902377"/>
-      </p:ext>
-    </p:extLst>
-  </p:cSld>
-  <p:clrMapOvr>
-    <a:masterClrMapping/>
-  </p:clrMapOvr>
-  <p:timing>
-    <p:tnLst>
-      <p:par>
-        <p:cTn xmlns:p14="http://schemas.microsoft.com/office/powerpoint/2010/main" id="1" dur="indefinite" restart="never" nodeType="tmRoot"/>
-      </p:par>
-    </p:tnLst>
-  </p:timing>
-</p:sld>
-</file>
-
-<file path=ppt/slides/slide23.xml><?xml version="1.0" encoding="utf-8"?>
-<p:sld xmlns:a="http://schemas.openxmlformats.org/drawingml/2006/main" xmlns:r="http://schemas.openxmlformats.org/officeDocument/2006/relationships" xmlns:p="http://schemas.openxmlformats.org/presentationml/2006/main">
-  <p:cSld>
-    <p:spTree>
-      <p:nvGrpSpPr>
-        <p:cNvPr id="1" name=""/>
-        <p:cNvGrpSpPr/>
-        <p:nvPr/>
-      </p:nvGrpSpPr>
-      <p:grpSpPr>
-        <a:xfrm>
-          <a:off x="0" y="0"/>
-          <a:ext cx="0" cy="0"/>
-          <a:chOff x="0" y="0"/>
-          <a:chExt cx="0" cy="0"/>
-        </a:xfrm>
-      </p:grpSpPr>
-      <p:sp>
-        <p:nvSpPr>
-          <p:cNvPr id="14338" name="Title 1"/>
-          <p:cNvSpPr>
-            <a:spLocks noGrp="1"/>
-          </p:cNvSpPr>
-          <p:nvPr>
-            <p:ph type="title"/>
-          </p:nvPr>
-        </p:nvSpPr>
-        <p:spPr/>
-        <p:txBody>
-          <a:bodyPr/>
-          <a:lstStyle/>
-          <a:p>
-            <a:r>
-              <a:rPr lang="en-US">
-                <a:latin typeface="Garamond" charset="0"/>
-              </a:rPr>
-              <a:t>Final notes</a:t>
-            </a:r>
-          </a:p>
-        </p:txBody>
-      </p:sp>
-      <p:sp>
-        <p:nvSpPr>
-          <p:cNvPr id="14339" name="Content Placeholder 2"/>
-          <p:cNvSpPr>
-            <a:spLocks noGrp="1"/>
-          </p:cNvSpPr>
-          <p:nvPr>
-            <p:ph idx="1"/>
-          </p:nvPr>
-        </p:nvSpPr>
-        <p:spPr/>
-        <p:txBody>
-          <a:bodyPr/>
-          <a:lstStyle/>
-          <a:p>
-            <a:r>
-              <a:rPr lang="en-US" dirty="0">
-                <a:latin typeface="Arial" charset="0"/>
-              </a:rPr>
-              <a:t>Next time</a:t>
-            </a:r>
-          </a:p>
-          <a:p>
-            <a:pPr lvl="1"/>
-            <a:r>
-              <a:rPr lang="en-US" dirty="0" smtClean="0">
-                <a:latin typeface="Arial" charset="0"/>
-              </a:rPr>
-              <a:t>While and do-while loops</a:t>
-            </a:r>
-            <a:endParaRPr lang="en-US" dirty="0">
-              <a:latin typeface="Arial" charset="0"/>
-            </a:endParaRPr>
-          </a:p>
-          <a:p>
-            <a:r>
-              <a:rPr lang="en-US" dirty="0">
-                <a:latin typeface="Arial" charset="0"/>
-              </a:rPr>
-              <a:t>Reminders:</a:t>
-            </a:r>
-          </a:p>
-          <a:p>
-            <a:pPr lvl="1"/>
-            <a:r>
-              <a:rPr lang="en-US" dirty="0">
-                <a:latin typeface="Arial" charset="0"/>
-              </a:rPr>
-              <a:t>Program 2 due today</a:t>
-            </a:r>
-          </a:p>
-          <a:p>
-            <a:pPr lvl="1"/>
-            <a:r>
-              <a:rPr lang="en-US" dirty="0">
-                <a:latin typeface="Arial" charset="0"/>
-              </a:rPr>
-              <a:t>Program 3 due </a:t>
-            </a:r>
-            <a:r>
-              <a:rPr lang="en-US" b="1" dirty="0">
-                <a:solidFill>
-                  <a:srgbClr val="FF0000"/>
-                </a:solidFill>
-                <a:latin typeface="Arial" charset="0"/>
-              </a:rPr>
-              <a:t>9/28</a:t>
-            </a:r>
-          </a:p>
-          <a:p>
-            <a:pPr lvl="2"/>
-            <a:r>
-              <a:rPr lang="en-US" dirty="0">
-                <a:latin typeface="Arial" charset="0"/>
-              </a:rPr>
-              <a:t>Late penalties capped at -1 from 9/29 through 10/3</a:t>
-            </a:r>
-          </a:p>
-          <a:p>
-            <a:pPr lvl="1"/>
-            <a:r>
-              <a:rPr lang="en-US" dirty="0">
-                <a:latin typeface="Arial" charset="0"/>
-              </a:rPr>
-              <a:t>Exam 1: Friday, 9/30</a:t>
-            </a:r>
-          </a:p>
-          <a:p>
-            <a:pPr lvl="2"/>
-            <a:r>
-              <a:rPr lang="en-US" dirty="0">
-                <a:latin typeface="Arial" charset="0"/>
-              </a:rPr>
-              <a:t>Will be allowed one double-sided 8.5” x 11” note sheet</a:t>
-            </a:r>
-          </a:p>
-          <a:p>
-            <a:pPr lvl="2"/>
-            <a:r>
-              <a:rPr lang="en-US">
-                <a:latin typeface="Arial" charset="0"/>
-              </a:rPr>
-              <a:t>No calculators or other electronic devices allowed</a:t>
-            </a:r>
-            <a:endParaRPr lang="en-US" dirty="0">
-              <a:latin typeface="Arial" charset="0"/>
-            </a:endParaRPr>
-          </a:p>
-        </p:txBody>
-      </p:sp>
-      <p:sp>
-        <p:nvSpPr>
-          <p:cNvPr id="4" name="Date Placeholder 3"/>
-          <p:cNvSpPr>
-            <a:spLocks noGrp="1"/>
-          </p:cNvSpPr>
-          <p:nvPr>
-            <p:ph type="dt" sz="quarter" idx="10"/>
-          </p:nvPr>
-        </p:nvSpPr>
-        <p:spPr/>
-        <p:txBody>
-          <a:bodyPr/>
-          <a:lstStyle>
-            <a:lvl1pPr eaLnBrk="0" hangingPunct="0">
-              <a:defRPr>
-                <a:solidFill>
-                  <a:schemeClr val="tx1"/>
-                </a:solidFill>
-                <a:latin typeface="Arial" charset="0"/>
-                <a:ea typeface="ＭＳ Ｐゴシック" charset="0"/>
-                <a:cs typeface="Arial" charset="0"/>
-              </a:defRPr>
-            </a:lvl1pPr>
-            <a:lvl2pPr marL="742950" indent="-285750" eaLnBrk="0" hangingPunct="0">
-              <a:defRPr>
-                <a:solidFill>
-                  <a:schemeClr val="tx1"/>
-                </a:solidFill>
-                <a:latin typeface="Arial" charset="0"/>
-                <a:ea typeface="Arial" charset="0"/>
-                <a:cs typeface="Arial" charset="0"/>
-              </a:defRPr>
-            </a:lvl2pPr>
-            <a:lvl3pPr marL="1143000" indent="-228600" eaLnBrk="0" hangingPunct="0">
-              <a:defRPr>
-                <a:solidFill>
-                  <a:schemeClr val="tx1"/>
-                </a:solidFill>
-                <a:latin typeface="Arial" charset="0"/>
-                <a:ea typeface="Arial" charset="0"/>
-                <a:cs typeface="Arial" charset="0"/>
-              </a:defRPr>
-            </a:lvl3pPr>
-            <a:lvl4pPr marL="1600200" indent="-228600" eaLnBrk="0" hangingPunct="0">
-              <a:defRPr>
-                <a:solidFill>
-                  <a:schemeClr val="tx1"/>
-                </a:solidFill>
-                <a:latin typeface="Arial" charset="0"/>
-                <a:ea typeface="Arial" charset="0"/>
-                <a:cs typeface="Arial" charset="0"/>
-              </a:defRPr>
-            </a:lvl4pPr>
-            <a:lvl5pPr marL="2057400" indent="-228600" eaLnBrk="0" hangingPunct="0">
-              <a:defRPr>
-                <a:solidFill>
-                  <a:schemeClr val="tx1"/>
-                </a:solidFill>
-                <a:latin typeface="Arial" charset="0"/>
-                <a:ea typeface="Arial" charset="0"/>
-                <a:cs typeface="Arial" charset="0"/>
-              </a:defRPr>
-            </a:lvl5pPr>
-            <a:lvl6pPr marL="2514600" indent="-228600" eaLnBrk="0" fontAlgn="base" hangingPunct="0">
-              <a:spcBef>
-                <a:spcPct val="0"/>
-              </a:spcBef>
-              <a:spcAft>
-                <a:spcPct val="0"/>
-              </a:spcAft>
-              <a:defRPr>
-                <a:solidFill>
-                  <a:schemeClr val="tx1"/>
-                </a:solidFill>
-                <a:latin typeface="Arial" charset="0"/>
-                <a:ea typeface="Arial" charset="0"/>
-                <a:cs typeface="Arial" charset="0"/>
-              </a:defRPr>
-            </a:lvl6pPr>
-            <a:lvl7pPr marL="2971800" indent="-228600" eaLnBrk="0" fontAlgn="base" hangingPunct="0">
-              <a:spcBef>
-                <a:spcPct val="0"/>
-              </a:spcBef>
-              <a:spcAft>
-                <a:spcPct val="0"/>
-              </a:spcAft>
-              <a:defRPr>
-                <a:solidFill>
-                  <a:schemeClr val="tx1"/>
-                </a:solidFill>
-                <a:latin typeface="Arial" charset="0"/>
-                <a:ea typeface="Arial" charset="0"/>
-                <a:cs typeface="Arial" charset="0"/>
-              </a:defRPr>
-            </a:lvl7pPr>
-            <a:lvl8pPr marL="3429000" indent="-228600" eaLnBrk="0" fontAlgn="base" hangingPunct="0">
-              <a:spcBef>
-                <a:spcPct val="0"/>
-              </a:spcBef>
-              <a:spcAft>
-                <a:spcPct val="0"/>
-              </a:spcAft>
-              <a:defRPr>
-                <a:solidFill>
-                  <a:schemeClr val="tx1"/>
-                </a:solidFill>
-                <a:latin typeface="Arial" charset="0"/>
-                <a:ea typeface="Arial" charset="0"/>
-                <a:cs typeface="Arial" charset="0"/>
-              </a:defRPr>
-            </a:lvl8pPr>
-            <a:lvl9pPr marL="3886200" indent="-228600" eaLnBrk="0" fontAlgn="base" hangingPunct="0">
-              <a:spcBef>
-                <a:spcPct val="0"/>
-              </a:spcBef>
-              <a:spcAft>
-                <a:spcPct val="0"/>
-              </a:spcAft>
-              <a:defRPr>
-                <a:solidFill>
-                  <a:schemeClr val="tx1"/>
-                </a:solidFill>
-                <a:latin typeface="Arial" charset="0"/>
-                <a:ea typeface="Arial" charset="0"/>
-                <a:cs typeface="Arial" charset="0"/>
-              </a:defRPr>
-            </a:lvl9pPr>
-          </a:lstStyle>
-          <a:p>
-            <a:pPr eaLnBrk="1" hangingPunct="1"/>
-            <a:fld id="{976C553B-A4AF-4344-ACB3-4935D9BCADA8}" type="datetime1">
-              <a:rPr lang="en-US">
-                <a:latin typeface="Garamond" charset="0"/>
-              </a:rPr>
-              <a:pPr eaLnBrk="1" hangingPunct="1"/>
-              <a:t>9/19/16</a:t>
-            </a:fld>
-            <a:endParaRPr lang="en-US">
-              <a:latin typeface="Garamond" charset="0"/>
-            </a:endParaRPr>
-          </a:p>
-        </p:txBody>
-      </p:sp>
-      <p:sp>
-        <p:nvSpPr>
-          <p:cNvPr id="5" name="Footer Placeholder 4"/>
-          <p:cNvSpPr>
-            <a:spLocks noGrp="1"/>
-          </p:cNvSpPr>
-          <p:nvPr>
-            <p:ph type="ftr" sz="quarter" idx="11"/>
-          </p:nvPr>
-        </p:nvSpPr>
-        <p:spPr/>
-        <p:txBody>
-          <a:bodyPr/>
-          <a:lstStyle/>
-          <a:p>
-            <a:pPr>
-              <a:defRPr/>
-            </a:pPr>
-            <a:r>
-              <a:rPr lang="en-US" altLang="en-US"/>
-              <a:t>ECE Application Programming: Lecture 8</a:t>
-            </a:r>
-          </a:p>
-        </p:txBody>
-      </p:sp>
-      <p:sp>
-        <p:nvSpPr>
-          <p:cNvPr id="6" name="Slide Number Placeholder 5"/>
-          <p:cNvSpPr>
-            <a:spLocks noGrp="1"/>
-          </p:cNvSpPr>
-          <p:nvPr>
-            <p:ph type="sldNum" sz="quarter" idx="12"/>
-          </p:nvPr>
-        </p:nvSpPr>
-        <p:spPr/>
-        <p:txBody>
-          <a:bodyPr/>
-          <a:lstStyle>
-            <a:lvl1pPr eaLnBrk="0" hangingPunct="0">
-              <a:defRPr>
-                <a:solidFill>
-                  <a:schemeClr val="tx1"/>
-                </a:solidFill>
-                <a:latin typeface="Arial" charset="0"/>
-                <a:ea typeface="ＭＳ Ｐゴシック" charset="0"/>
-                <a:cs typeface="Arial" charset="0"/>
-              </a:defRPr>
-            </a:lvl1pPr>
-            <a:lvl2pPr marL="742950" indent="-285750" eaLnBrk="0" hangingPunct="0">
-              <a:defRPr>
-                <a:solidFill>
-                  <a:schemeClr val="tx1"/>
-                </a:solidFill>
-                <a:latin typeface="Arial" charset="0"/>
-                <a:ea typeface="Arial" charset="0"/>
-                <a:cs typeface="Arial" charset="0"/>
-              </a:defRPr>
-            </a:lvl2pPr>
-            <a:lvl3pPr marL="1143000" indent="-228600" eaLnBrk="0" hangingPunct="0">
-              <a:defRPr>
-                <a:solidFill>
-                  <a:schemeClr val="tx1"/>
-                </a:solidFill>
-                <a:latin typeface="Arial" charset="0"/>
-                <a:ea typeface="Arial" charset="0"/>
-                <a:cs typeface="Arial" charset="0"/>
-              </a:defRPr>
-            </a:lvl3pPr>
-            <a:lvl4pPr marL="1600200" indent="-228600" eaLnBrk="0" hangingPunct="0">
-              <a:defRPr>
-                <a:solidFill>
-                  <a:schemeClr val="tx1"/>
-                </a:solidFill>
-                <a:latin typeface="Arial" charset="0"/>
-                <a:ea typeface="Arial" charset="0"/>
-                <a:cs typeface="Arial" charset="0"/>
-              </a:defRPr>
-            </a:lvl4pPr>
-            <a:lvl5pPr marL="2057400" indent="-228600" eaLnBrk="0" hangingPunct="0">
-              <a:defRPr>
-                <a:solidFill>
-                  <a:schemeClr val="tx1"/>
-                </a:solidFill>
-                <a:latin typeface="Arial" charset="0"/>
-                <a:ea typeface="Arial" charset="0"/>
-                <a:cs typeface="Arial" charset="0"/>
-              </a:defRPr>
-            </a:lvl5pPr>
-            <a:lvl6pPr marL="2514600" indent="-228600" eaLnBrk="0" fontAlgn="base" hangingPunct="0">
-              <a:spcBef>
-                <a:spcPct val="0"/>
-              </a:spcBef>
-              <a:spcAft>
-                <a:spcPct val="0"/>
-              </a:spcAft>
-              <a:defRPr>
-                <a:solidFill>
-                  <a:schemeClr val="tx1"/>
-                </a:solidFill>
-                <a:latin typeface="Arial" charset="0"/>
-                <a:ea typeface="Arial" charset="0"/>
-                <a:cs typeface="Arial" charset="0"/>
-              </a:defRPr>
-            </a:lvl6pPr>
-            <a:lvl7pPr marL="2971800" indent="-228600" eaLnBrk="0" fontAlgn="base" hangingPunct="0">
-              <a:spcBef>
-                <a:spcPct val="0"/>
-              </a:spcBef>
-              <a:spcAft>
-                <a:spcPct val="0"/>
-              </a:spcAft>
-              <a:defRPr>
-                <a:solidFill>
-                  <a:schemeClr val="tx1"/>
-                </a:solidFill>
-                <a:latin typeface="Arial" charset="0"/>
-                <a:ea typeface="Arial" charset="0"/>
-                <a:cs typeface="Arial" charset="0"/>
-              </a:defRPr>
-            </a:lvl7pPr>
-            <a:lvl8pPr marL="3429000" indent="-228600" eaLnBrk="0" fontAlgn="base" hangingPunct="0">
-              <a:spcBef>
-                <a:spcPct val="0"/>
-              </a:spcBef>
-              <a:spcAft>
-                <a:spcPct val="0"/>
-              </a:spcAft>
-              <a:defRPr>
-                <a:solidFill>
-                  <a:schemeClr val="tx1"/>
-                </a:solidFill>
-                <a:latin typeface="Arial" charset="0"/>
-                <a:ea typeface="Arial" charset="0"/>
-                <a:cs typeface="Arial" charset="0"/>
-              </a:defRPr>
-            </a:lvl8pPr>
-            <a:lvl9pPr marL="3886200" indent="-228600" eaLnBrk="0" fontAlgn="base" hangingPunct="0">
-              <a:spcBef>
-                <a:spcPct val="0"/>
-              </a:spcBef>
-              <a:spcAft>
-                <a:spcPct val="0"/>
-              </a:spcAft>
-              <a:defRPr>
-                <a:solidFill>
-                  <a:schemeClr val="tx1"/>
-                </a:solidFill>
-                <a:latin typeface="Arial" charset="0"/>
-                <a:ea typeface="Arial" charset="0"/>
-                <a:cs typeface="Arial" charset="0"/>
-              </a:defRPr>
-            </a:lvl9pPr>
-          </a:lstStyle>
-          <a:p>
-            <a:pPr eaLnBrk="1" hangingPunct="1"/>
-            <a:fld id="{7969D819-D73A-D64E-AC12-719F3E29E335}" type="slidenum">
-              <a:rPr lang="en-US">
-                <a:latin typeface="Garamond" charset="0"/>
-              </a:rPr>
-              <a:pPr eaLnBrk="1" hangingPunct="1"/>
-              <a:t>23</a:t>
             </a:fld>
             <a:endParaRPr lang="en-US">
               <a:latin typeface="Garamond" charset="0"/>
@@ -16252,7 +9343,7 @@
                 <a:latin typeface="Garamond" charset="0"/>
               </a:rPr>
               <a:pPr eaLnBrk="1" hangingPunct="1"/>
-              <a:t>9/19/16</a:t>
+              <a:t>9/21/16</a:t>
             </a:fld>
             <a:endParaRPr lang="en-US">
               <a:latin typeface="Garamond" charset="0"/>
@@ -16936,7 +10027,7 @@
                 <a:latin typeface="Garamond" charset="0"/>
               </a:rPr>
               <a:pPr eaLnBrk="1" hangingPunct="1"/>
-              <a:t>9/19/16</a:t>
+              <a:t>9/21/16</a:t>
             </a:fld>
             <a:endParaRPr lang="en-US">
               <a:latin typeface="Garamond" charset="0"/>
@@ -17565,7 +10656,7 @@
                 <a:latin typeface="Garamond" charset="0"/>
               </a:rPr>
               <a:pPr eaLnBrk="1" hangingPunct="1"/>
-              <a:t>9/19/16</a:t>
+              <a:t>9/21/16</a:t>
             </a:fld>
             <a:endParaRPr lang="en-US">
               <a:latin typeface="Garamond" charset="0"/>
@@ -18242,7 +11333,7 @@
                 <a:latin typeface="Garamond" charset="0"/>
               </a:rPr>
               <a:pPr eaLnBrk="1" hangingPunct="1"/>
-              <a:t>9/19/16</a:t>
+              <a:t>9/21/16</a:t>
             </a:fld>
             <a:endParaRPr lang="en-US">
               <a:latin typeface="Garamond" charset="0"/>
@@ -18916,7 +12007,7 @@
                 <a:latin typeface="Garamond" charset="0"/>
               </a:rPr>
               <a:pPr eaLnBrk="1" hangingPunct="1"/>
-              <a:t>9/19/16</a:t>
+              <a:t>9/21/16</a:t>
             </a:fld>
             <a:endParaRPr lang="en-US">
               <a:latin typeface="Garamond" charset="0"/>
@@ -19544,7 +12635,7 @@
                 <a:latin typeface="Garamond" charset="0"/>
               </a:rPr>
               <a:pPr eaLnBrk="1" hangingPunct="1"/>
-              <a:t>9/19/16</a:t>
+              <a:t>9/21/16</a:t>
             </a:fld>
             <a:endParaRPr lang="en-US">
               <a:latin typeface="Garamond" charset="0"/>
@@ -20246,7 +13337,7 @@
                 <a:latin typeface="Garamond" charset="0"/>
               </a:rPr>
               <a:pPr eaLnBrk="1" hangingPunct="1"/>
-              <a:t>9/19/16</a:t>
+              <a:t>9/21/16</a:t>
             </a:fld>
             <a:endParaRPr lang="en-US">
               <a:latin typeface="Garamond" charset="0"/>
